--- a/SE401/Lectures/5-Test Management/Test Management.pptx
+++ b/SE401/Lectures/5-Test Management/Test Management.pptx
@@ -3729,11 +3729,11 @@
     <dgm:cxn modelId="{C2C1F5B4-1F21-4CA8-A68F-EDF06C46BA04}" srcId="{DDD0B274-FF42-44FA-9763-36432F12F6F9}" destId="{87B5D4FD-0B09-4110-BB16-D595328A9370}" srcOrd="2" destOrd="0" parTransId="{FE01A55E-F237-4310-BE38-CE1005376C0F}" sibTransId="{29A46ECF-6256-41FE-9C1F-DC8736A911E9}"/>
     <dgm:cxn modelId="{86FFF943-C549-4B26-A4F3-67D276A2BD8E}" type="presOf" srcId="{9D110A29-7A0B-4A2E-AD84-9B0D8DA9D360}" destId="{CBBEB52D-C5C4-4544-BB1E-7104347E8239}" srcOrd="0" destOrd="0" presId="urn:microsoft.com/office/officeart/2005/8/layout/hList1"/>
     <dgm:cxn modelId="{4E21DC15-E2FD-47B1-8F02-FB66C8A7C503}" type="presOf" srcId="{36AC6971-5B2E-4E7F-961B-BD6E93837DB3}" destId="{93113A4E-EF60-49BF-865E-F74DD6EAD7A0}" srcOrd="0" destOrd="0" presId="urn:microsoft.com/office/officeart/2005/8/layout/hList1"/>
+    <dgm:cxn modelId="{C4694EDD-852A-402C-B1FC-2F3BECC1A722}" type="presOf" srcId="{DDD0B274-FF42-44FA-9763-36432F12F6F9}" destId="{5CEC4D4E-DAA0-48F0-8D85-5F930E285A43}" srcOrd="0" destOrd="0" presId="urn:microsoft.com/office/officeart/2005/8/layout/hList1"/>
     <dgm:cxn modelId="{C3FB59FD-4BF7-4F4F-A727-3C34C0368BC1}" type="presOf" srcId="{C74217A2-7D3C-4239-B713-C8B269175DD5}" destId="{41C55D64-83F5-4795-B11C-59E0BFEADE8D}" srcOrd="0" destOrd="0" presId="urn:microsoft.com/office/officeart/2005/8/layout/hList1"/>
-    <dgm:cxn modelId="{C4694EDD-852A-402C-B1FC-2F3BECC1A722}" type="presOf" srcId="{DDD0B274-FF42-44FA-9763-36432F12F6F9}" destId="{5CEC4D4E-DAA0-48F0-8D85-5F930E285A43}" srcOrd="0" destOrd="0" presId="urn:microsoft.com/office/officeart/2005/8/layout/hList1"/>
     <dgm:cxn modelId="{66491B8E-D4C2-4167-9E14-118DED892709}" srcId="{731F9475-2C67-4995-B3D2-5C16341EFDC4}" destId="{FB5F400F-1D44-4049-8EC5-FAEBDA052B07}" srcOrd="1" destOrd="0" parTransId="{4A5D0BB8-1170-4BC2-A295-51CAB5B2D347}" sibTransId="{C0718289-B316-4630-9CCD-CB54979DC407}"/>
+    <dgm:cxn modelId="{199378E9-E316-425B-A1FE-203278FF0B58}" type="presOf" srcId="{624425B1-53DC-4BA1-B95C-C9BD9A8ABF3A}" destId="{5C254CA2-7E89-4F6D-90FC-2C1E9E11A380}" srcOrd="0" destOrd="3" presId="urn:microsoft.com/office/officeart/2005/8/layout/hList1"/>
     <dgm:cxn modelId="{9B871A3A-8620-4042-85A9-5D80244392A2}" type="presOf" srcId="{87B5D4FD-0B09-4110-BB16-D595328A9370}" destId="{93113A4E-EF60-49BF-865E-F74DD6EAD7A0}" srcOrd="0" destOrd="2" presId="urn:microsoft.com/office/officeart/2005/8/layout/hList1"/>
-    <dgm:cxn modelId="{199378E9-E316-425B-A1FE-203278FF0B58}" type="presOf" srcId="{624425B1-53DC-4BA1-B95C-C9BD9A8ABF3A}" destId="{5C254CA2-7E89-4F6D-90FC-2C1E9E11A380}" srcOrd="0" destOrd="3" presId="urn:microsoft.com/office/officeart/2005/8/layout/hList1"/>
     <dgm:cxn modelId="{2C3DE458-2354-42E6-A016-E1A9FC77A4AA}" srcId="{9D110A29-7A0B-4A2E-AD84-9B0D8DA9D360}" destId="{C74217A2-7D3C-4239-B713-C8B269175DD5}" srcOrd="0" destOrd="0" parTransId="{315B31AA-7B18-47B2-B861-4B98E37FCC97}" sibTransId="{CABA2F1D-C038-448F-BA26-2563E0F9BEF1}"/>
     <dgm:cxn modelId="{F9791F14-5A05-42BB-B7EF-B433191C4567}" srcId="{C74217A2-7D3C-4239-B713-C8B269175DD5}" destId="{933795DB-EBD3-42A5-9F05-3FDE52340FBB}" srcOrd="1" destOrd="0" parTransId="{AD75A5B6-A7E4-4B94-99A2-C025067A0B47}" sibTransId="{0CCC2C0D-B8B0-4655-A14F-BA2BF031884B}"/>
     <dgm:cxn modelId="{5C53B19B-760B-4B56-BBB0-3C07877B2D74}" type="presOf" srcId="{FB5F400F-1D44-4049-8EC5-FAEBDA052B07}" destId="{3C261575-159D-4F5B-885D-C4CE9AAA9171}" srcOrd="0" destOrd="1" presId="urn:microsoft.com/office/officeart/2005/8/layout/hList1"/>
@@ -8835,7 +8835,7 @@
           <a:p>
             <a:fld id="{B599AA9D-6820-4B38-B5CA-B694576E9E58}" type="datetimeFigureOut">
               <a:rPr lang="en-US" smtClean="0"/>
-              <a:t>11/28/2021</a:t>
+              <a:t>2/14/2022</a:t>
             </a:fld>
             <a:endParaRPr lang="en-US"/>
           </a:p>
@@ -9149,14 +9149,14 @@
           <a:ln/>
           <a:extLst>
             <a:ext uri="{909E8E84-426E-40dd-AFC4-6F175D3DCCD1}">
-              <a14:hiddenFill xmlns="" xmlns:a14="http://schemas.microsoft.com/office/drawing/2010/main">
+              <a14:hiddenFill xmlns:a14="http://schemas.microsoft.com/office/drawing/2010/main" xmlns="">
                 <a:solidFill>
                   <a:srgbClr val="FFFFFF"/>
                 </a:solidFill>
               </a14:hiddenFill>
             </a:ext>
             <a:ext uri="{91240B29-F687-4f45-9708-019B960494DF}">
-              <a14:hiddenLine xmlns="" xmlns:a14="http://schemas.microsoft.com/office/drawing/2010/main" w="9525">
+              <a14:hiddenLine xmlns:a14="http://schemas.microsoft.com/office/drawing/2010/main" xmlns="" w="9525">
                 <a:solidFill>
                   <a:srgbClr val="000000"/>
                 </a:solidFill>
@@ -9166,7 +9166,7 @@
               </a14:hiddenLine>
             </a:ext>
             <a:ext uri="{FAA26D3D-D897-4be2-8F04-BA451C77F1D7}">
-              <ma14:placeholderFlag xmlns="" xmlns:ma14="http://schemas.microsoft.com/office/mac/drawingml/2011/main" val="1"/>
+              <ma14:placeholderFlag xmlns:ma14="http://schemas.microsoft.com/office/mac/drawingml/2011/main" xmlns="" val="1"/>
             </a:ext>
           </a:extLst>
         </p:spPr>
@@ -9694,14 +9694,14 @@
           <a:ln/>
           <a:extLst>
             <a:ext uri="{909E8E84-426E-40dd-AFC4-6F175D3DCCD1}">
-              <a14:hiddenFill xmlns="" xmlns:a14="http://schemas.microsoft.com/office/drawing/2010/main">
+              <a14:hiddenFill xmlns:a14="http://schemas.microsoft.com/office/drawing/2010/main" xmlns="">
                 <a:solidFill>
                   <a:srgbClr val="FFFFFF"/>
                 </a:solidFill>
               </a14:hiddenFill>
             </a:ext>
             <a:ext uri="{91240B29-F687-4f45-9708-019B960494DF}">
-              <a14:hiddenLine xmlns="" xmlns:a14="http://schemas.microsoft.com/office/drawing/2010/main" w="9525">
+              <a14:hiddenLine xmlns:a14="http://schemas.microsoft.com/office/drawing/2010/main" xmlns="" w="9525">
                 <a:solidFill>
                   <a:srgbClr val="000000"/>
                 </a:solidFill>
@@ -9711,7 +9711,7 @@
               </a14:hiddenLine>
             </a:ext>
             <a:ext uri="{FAA26D3D-D897-4be2-8F04-BA451C77F1D7}">
-              <ma14:placeholderFlag xmlns="" xmlns:ma14="http://schemas.microsoft.com/office/mac/drawingml/2011/main" val="1"/>
+              <ma14:placeholderFlag xmlns:ma14="http://schemas.microsoft.com/office/mac/drawingml/2011/main" xmlns="" val="1"/>
             </a:ext>
           </a:extLst>
         </p:spPr>
@@ -9895,14 +9895,14 @@
           <a:ln/>
           <a:extLst>
             <a:ext uri="{909E8E84-426E-40dd-AFC4-6F175D3DCCD1}">
-              <a14:hiddenFill xmlns="" xmlns:a14="http://schemas.microsoft.com/office/drawing/2010/main">
+              <a14:hiddenFill xmlns:a14="http://schemas.microsoft.com/office/drawing/2010/main" xmlns="">
                 <a:solidFill>
                   <a:srgbClr val="FFFFFF"/>
                 </a:solidFill>
               </a14:hiddenFill>
             </a:ext>
             <a:ext uri="{91240B29-F687-4f45-9708-019B960494DF}">
-              <a14:hiddenLine xmlns="" xmlns:a14="http://schemas.microsoft.com/office/drawing/2010/main" w="9525">
+              <a14:hiddenLine xmlns:a14="http://schemas.microsoft.com/office/drawing/2010/main" xmlns="" w="9525">
                 <a:solidFill>
                   <a:srgbClr val="000000"/>
                 </a:solidFill>
@@ -9912,7 +9912,7 @@
               </a14:hiddenLine>
             </a:ext>
             <a:ext uri="{FAA26D3D-D897-4be2-8F04-BA451C77F1D7}">
-              <ma14:placeholderFlag xmlns="" xmlns:ma14="http://schemas.microsoft.com/office/mac/drawingml/2011/main" val="1"/>
+              <ma14:placeholderFlag xmlns:ma14="http://schemas.microsoft.com/office/mac/drawingml/2011/main" xmlns="" val="1"/>
             </a:ext>
           </a:extLst>
         </p:spPr>
@@ -10187,7 +10187,7 @@
           <a:p>
             <a:fld id="{6DA04A31-8D7B-4D79-996E-31DAB3BE7D57}" type="datetime1">
               <a:rPr lang="en-US" smtClean="0"/>
-              <a:t>11/28/2021</a:t>
+              <a:t>2/14/2022</a:t>
             </a:fld>
             <a:endParaRPr lang="en-US"/>
           </a:p>
@@ -10438,7 +10438,7 @@
           <a:p>
             <a:fld id="{905D4943-9986-4F84-973B-EAE0F7CD8386}" type="datetime1">
               <a:rPr lang="en-US" smtClean="0"/>
-              <a:t>11/28/2021</a:t>
+              <a:t>2/14/2022</a:t>
             </a:fld>
             <a:endParaRPr lang="en-US"/>
           </a:p>
@@ -10618,7 +10618,7 @@
           <a:p>
             <a:fld id="{6688F9AA-C109-463F-A34C-4B1F6B2A4DBA}" type="datetime1">
               <a:rPr lang="en-US" smtClean="0"/>
-              <a:t>11/28/2021</a:t>
+              <a:t>2/14/2022</a:t>
             </a:fld>
             <a:endParaRPr lang="en-US"/>
           </a:p>
@@ -10874,7 +10874,7 @@
           <a:p>
             <a:fld id="{E445145B-DC09-4375-A1DD-F1E440B363C5}" type="datetime1">
               <a:rPr lang="en-US" smtClean="0"/>
-              <a:t>11/28/2021</a:t>
+              <a:t>2/14/2022</a:t>
             </a:fld>
             <a:endParaRPr lang="en-US"/>
           </a:p>
@@ -11219,7 +11219,7 @@
           <a:p>
             <a:fld id="{4E20A597-FC58-4FF9-B9BE-3D54330AC8EB}" type="datetime1">
               <a:rPr lang="en-US" smtClean="0"/>
-              <a:t>11/28/2021</a:t>
+              <a:t>2/14/2022</a:t>
             </a:fld>
             <a:endParaRPr lang="en-US"/>
           </a:p>
@@ -11451,7 +11451,7 @@
           <a:p>
             <a:fld id="{FD7D83FE-52EF-4928-9ABA-FF5D76EBDA34}" type="datetime1">
               <a:rPr lang="en-US" smtClean="0"/>
-              <a:t>11/28/2021</a:t>
+              <a:t>2/14/2022</a:t>
             </a:fld>
             <a:endParaRPr lang="en-US"/>
           </a:p>
@@ -11818,7 +11818,7 @@
           <a:p>
             <a:fld id="{CA965C77-96C1-478F-980C-0962DD82992C}" type="datetime1">
               <a:rPr lang="en-US" smtClean="0"/>
-              <a:t>11/28/2021</a:t>
+              <a:t>2/14/2022</a:t>
             </a:fld>
             <a:endParaRPr lang="en-US"/>
           </a:p>
@@ -11913,7 +11913,7 @@
           <a:p>
             <a:fld id="{A7327881-70F5-4DDE-9A28-6D7C90D8CB72}" type="datetime1">
               <a:rPr lang="en-US" smtClean="0"/>
-              <a:t>11/28/2021</a:t>
+              <a:t>2/14/2022</a:t>
             </a:fld>
             <a:endParaRPr lang="en-US"/>
           </a:p>
@@ -12136,7 +12136,7 @@
             <a:fld id="{B2F5E2FA-C428-4CE7-95B0-168D3259A5BB}" type="datetimeFigureOut">
               <a:rPr lang="en-US" smtClean="0"/>
               <a:pPr/>
-              <a:t>11/28/2021</a:t>
+              <a:t>2/14/2022</a:t>
             </a:fld>
             <a:endParaRPr lang="en-US"/>
           </a:p>
@@ -12307,7 +12307,7 @@
           <a:p>
             <a:fld id="{D254A1D5-C548-468D-A73B-4CFE5768CF1A}" type="datetime1">
               <a:rPr lang="en-US" smtClean="0"/>
-              <a:t>11/28/2021</a:t>
+              <a:t>2/14/2022</a:t>
             </a:fld>
             <a:endParaRPr lang="en-US"/>
           </a:p>
@@ -12584,7 +12584,7 @@
           <a:p>
             <a:fld id="{8E8F5963-FAA9-4487-B71E-E4BC3FDAAF2B}" type="datetime1">
               <a:rPr lang="en-US" smtClean="0"/>
-              <a:t>11/28/2021</a:t>
+              <a:t>2/14/2022</a:t>
             </a:fld>
             <a:endParaRPr lang="en-US"/>
           </a:p>
@@ -12837,7 +12837,7 @@
           <a:p>
             <a:fld id="{1D0F72AD-7641-4BB8-B5AD-8FAA47D2BBDE}" type="datetime1">
               <a:rPr lang="en-US" smtClean="0"/>
-              <a:t>11/28/2021</a:t>
+              <a:t>2/14/2022</a:t>
             </a:fld>
             <a:endParaRPr lang="en-US"/>
           </a:p>
@@ -13050,7 +13050,7 @@
           <a:p>
             <a:fld id="{80BFBA64-9F39-42D3-A017-F783FFD1A247}" type="datetime1">
               <a:rPr lang="en-US" smtClean="0"/>
-              <a:t>11/28/2021</a:t>
+              <a:t>2/14/2022</a:t>
             </a:fld>
             <a:endParaRPr lang="en-US"/>
           </a:p>
@@ -13473,11 +13473,7 @@
           <a:p>
             <a:r>
               <a:rPr lang="en-US" dirty="0" smtClean="0"/>
-              <a:t>Test </a:t>
-            </a:r>
-            <a:r>
-              <a:rPr lang="en-US" dirty="0" smtClean="0"/>
-              <a:t>Management</a:t>
+              <a:t>Test Management</a:t>
             </a:r>
             <a:endParaRPr lang="en-US" dirty="0"/>
           </a:p>
@@ -13502,7 +13498,6 @@
               <a:rPr lang="en-US" dirty="0"/>
               <a:t>SE401: Software Quality Assurance and Testing</a:t>
             </a:r>
-            <a:endParaRPr lang="en-US" dirty="0"/>
           </a:p>
         </p:txBody>
       </p:sp>
@@ -13590,11 +13585,15 @@
           </p:cNvGraphicFramePr>
           <p:nvPr>
             <p:ph idx="1"/>
-            <p:extLst/>
+            <p:extLst>
+              <p:ext uri="{D42A27DB-BD31-4B8C-83A1-F6EECF244321}">
+                <p14:modId xmlns:p14="http://schemas.microsoft.com/office/powerpoint/2010/main" val="3074568133"/>
+              </p:ext>
+            </p:extLst>
           </p:nvPr>
         </p:nvGraphicFramePr>
         <p:xfrm>
-          <a:off x="838200" y="1441577"/>
+          <a:off x="812321" y="1407071"/>
           <a:ext cx="10515600" cy="4699000"/>
         </p:xfrm>
         <a:graphic>
@@ -15190,12 +15189,16 @@
           </p:cNvGraphicFramePr>
           <p:nvPr>
             <p:ph idx="1"/>
-            <p:extLst/>
+            <p:extLst>
+              <p:ext uri="{D42A27DB-BD31-4B8C-83A1-F6EECF244321}">
+                <p14:modId xmlns:p14="http://schemas.microsoft.com/office/powerpoint/2010/main" val="3301482659"/>
+              </p:ext>
+            </p:extLst>
           </p:nvPr>
         </p:nvGraphicFramePr>
         <p:xfrm>
-          <a:off x="838200" y="1402080"/>
-          <a:ext cx="10515600" cy="5455920"/>
+          <a:off x="838200" y="1238181"/>
+          <a:ext cx="10515600" cy="5265420"/>
         </p:xfrm>
         <a:graphic>
           <a:graphicData uri="http://schemas.openxmlformats.org/drawingml/2006/table">
@@ -15262,18 +15265,25 @@
                     <a:bodyPr/>
                     <a:lstStyle/>
                     <a:p>
+                      <a:pPr marL="0" algn="l" defTabSz="914400" rtl="0" eaLnBrk="1" latinLnBrk="0" hangingPunct="1"/>
                       <a:r>
-                        <a:rPr lang="en-US" sz="1500" b="0" dirty="0" smtClean="0">
+                        <a:rPr lang="en-US" sz="1450" b="0" kern="1200" dirty="0" smtClean="0">
                           <a:solidFill>
                             <a:schemeClr val="tx1"/>
                           </a:solidFill>
+                          <a:latin typeface="+mn-lt"/>
+                          <a:ea typeface="+mn-ea"/>
+                          <a:cs typeface="+mn-cs"/>
                         </a:rPr>
                         <a:t>Determining the scope and risks of testing</a:t>
                       </a:r>
-                      <a:endParaRPr lang="en-US" sz="1500" b="0" dirty="0">
+                      <a:endParaRPr lang="en-US" sz="1450" b="0" kern="1200" dirty="0">
                         <a:solidFill>
                           <a:schemeClr val="tx1"/>
                         </a:solidFill>
+                        <a:latin typeface="+mn-lt"/>
+                        <a:ea typeface="+mn-ea"/>
+                        <a:cs typeface="+mn-cs"/>
                       </a:endParaRPr>
                     </a:p>
                   </a:txBody>
@@ -15313,8 +15323,9 @@
                     <a:bodyPr/>
                     <a:lstStyle/>
                     <a:p>
+                      <a:pPr marL="0" algn="l" defTabSz="914400" rtl="0" eaLnBrk="1" latinLnBrk="0" hangingPunct="1"/>
                       <a:r>
-                        <a:rPr lang="en-US" sz="1500" b="0" i="0" u="none" strike="noStrike" kern="1200" baseline="0" dirty="0" smtClean="0">
+                        <a:rPr lang="en-US" sz="1450" b="0" kern="1200" dirty="0" smtClean="0">
                           <a:solidFill>
                             <a:schemeClr val="tx1"/>
                           </a:solidFill>
@@ -15363,7 +15374,7 @@
                     <a:lstStyle/>
                     <a:p>
                       <a:r>
-                        <a:rPr lang="en-US" sz="1500" b="0" dirty="0" smtClean="0">
+                        <a:rPr lang="en-US" sz="1450" b="0" dirty="0" smtClean="0">
                           <a:solidFill>
                             <a:schemeClr val="tx1"/>
                           </a:solidFill>
@@ -15377,7 +15388,7 @@
                         <a:buChar char="•"/>
                       </a:pPr>
                       <a:r>
-                        <a:rPr lang="en-US" sz="1500" b="0" dirty="0" smtClean="0">
+                        <a:rPr lang="en-US" sz="1400" b="0" dirty="0" smtClean="0">
                           <a:solidFill>
                             <a:schemeClr val="tx1"/>
                           </a:solidFill>
@@ -15391,14 +15402,14 @@
                         <a:buChar char="•"/>
                       </a:pPr>
                       <a:r>
-                        <a:rPr lang="en-US" sz="1500" b="0" dirty="0" smtClean="0">
+                        <a:rPr lang="en-US" sz="1400" b="0" dirty="0" smtClean="0">
                           <a:solidFill>
                             <a:schemeClr val="tx1"/>
                           </a:solidFill>
                         </a:rPr>
                         <a:t>entry and exit criteria</a:t>
                       </a:r>
-                      <a:endParaRPr lang="en-US" sz="1500" b="0" dirty="0">
+                      <a:endParaRPr lang="en-US" sz="1400" b="0" dirty="0">
                         <a:solidFill>
                           <a:schemeClr val="tx1"/>
                         </a:solidFill>
@@ -15489,7 +15500,7 @@
                         <a:defRPr/>
                       </a:pPr>
                       <a:r>
-                        <a:rPr lang="en-US" sz="1500" b="0" i="0" u="none" strike="noStrike" kern="1200" baseline="0" dirty="0" smtClean="0">
+                        <a:rPr lang="en-US" sz="1400" b="0" i="0" u="none" strike="noStrike" kern="1200" baseline="0" dirty="0" smtClean="0">
                           <a:solidFill>
                             <a:schemeClr val="tx1"/>
                           </a:solidFill>
@@ -15519,7 +15530,7 @@
                         <a:defRPr/>
                       </a:pPr>
                       <a:r>
-                        <a:rPr lang="en-US" sz="1500" b="0" i="0" u="none" strike="noStrike" kern="1200" baseline="0" dirty="0" smtClean="0">
+                        <a:rPr lang="en-US" sz="1400" b="0" i="0" u="none" strike="noStrike" kern="1200" baseline="0" dirty="0" smtClean="0">
                           <a:solidFill>
                             <a:schemeClr val="tx1"/>
                           </a:solidFill>
@@ -15549,7 +15560,7 @@
                         <a:defRPr/>
                       </a:pPr>
                       <a:r>
-                        <a:rPr lang="en-US" sz="1500" b="0" i="0" u="none" strike="noStrike" kern="1200" baseline="0" dirty="0" smtClean="0">
+                        <a:rPr lang="en-US" sz="1400" b="0" i="0" u="none" strike="noStrike" kern="1200" baseline="0" dirty="0" smtClean="0">
                           <a:solidFill>
                             <a:schemeClr val="tx1"/>
                           </a:solidFill>
@@ -15579,7 +15590,7 @@
                         <a:defRPr/>
                       </a:pPr>
                       <a:r>
-                        <a:rPr lang="en-US" sz="1500" b="0" i="0" u="none" strike="noStrike" kern="1200" baseline="0" dirty="0" smtClean="0">
+                        <a:rPr lang="en-US" sz="1400" b="0" i="0" u="none" strike="noStrike" kern="1200" baseline="0" dirty="0" smtClean="0">
                           <a:solidFill>
                             <a:schemeClr val="tx1"/>
                           </a:solidFill>
@@ -15642,7 +15653,7 @@
                         <a:buChar char="•"/>
                       </a:pPr>
                       <a:r>
-                        <a:rPr lang="en-US" sz="1500" b="0" dirty="0" smtClean="0">
+                        <a:rPr lang="en-US" sz="1400" b="0" dirty="0" smtClean="0">
                           <a:solidFill>
                             <a:schemeClr val="tx1"/>
                           </a:solidFill>
@@ -15656,7 +15667,7 @@
                         <a:buChar char="•"/>
                       </a:pPr>
                       <a:r>
-                        <a:rPr lang="en-US" sz="1500" b="0" dirty="0" smtClean="0">
+                        <a:rPr lang="en-US" sz="1400" b="0" dirty="0" smtClean="0">
                           <a:solidFill>
                             <a:schemeClr val="tx1"/>
                           </a:solidFill>
@@ -15670,7 +15681,7 @@
                         <a:buChar char="•"/>
                       </a:pPr>
                       <a:r>
-                        <a:rPr lang="en-US" sz="1500" b="0" dirty="0" smtClean="0">
+                        <a:rPr lang="en-US" sz="1400" b="0" dirty="0" smtClean="0">
                           <a:solidFill>
                             <a:schemeClr val="tx1"/>
                           </a:solidFill>
@@ -15684,14 +15695,14 @@
                         <a:buChar char="•"/>
                       </a:pPr>
                       <a:r>
-                        <a:rPr lang="en-US" sz="1500" b="0" dirty="0" smtClean="0">
+                        <a:rPr lang="en-US" sz="1400" b="0" dirty="0" smtClean="0">
                           <a:solidFill>
                             <a:schemeClr val="tx1"/>
                           </a:solidFill>
                         </a:rPr>
                         <a:t>and how the test results will be evaluated</a:t>
                       </a:r>
-                      <a:endParaRPr lang="en-US" sz="1500" b="0" dirty="0">
+                      <a:endParaRPr lang="en-US" sz="1400" b="0" dirty="0">
                         <a:solidFill>
                           <a:schemeClr val="tx1"/>
                         </a:solidFill>
@@ -15734,36 +15745,45 @@
                     <a:bodyPr/>
                     <a:lstStyle/>
                     <a:p>
-                      <a:pPr marL="0" indent="0">
+                      <a:pPr marL="0" indent="0" algn="l" defTabSz="914400" rtl="0" eaLnBrk="1" latinLnBrk="0" hangingPunct="1">
                         <a:buFont typeface="Arial" panose="020B0604020202020204" pitchFamily="34" charset="0"/>
                         <a:buNone/>
                       </a:pPr>
                       <a:r>
-                        <a:rPr lang="en-US" sz="1500" b="0" dirty="0" smtClean="0">
+                        <a:rPr lang="en-US" sz="1450" b="0" kern="1200" dirty="0" smtClean="0">
                           <a:solidFill>
                             <a:schemeClr val="tx1"/>
                           </a:solidFill>
+                          <a:latin typeface="+mn-lt"/>
+                          <a:ea typeface="+mn-ea"/>
+                          <a:cs typeface="+mn-cs"/>
                         </a:rPr>
                         <a:t>Scheduling test analysis and design activities</a:t>
                       </a:r>
                     </a:p>
                     <a:p>
-                      <a:pPr marL="0" indent="0">
+                      <a:pPr marL="0" indent="0" algn="l" defTabSz="914400" rtl="0" eaLnBrk="1" latinLnBrk="0" hangingPunct="1">
                         <a:buFont typeface="Arial" panose="020B0604020202020204" pitchFamily="34" charset="0"/>
                         <a:buNone/>
                       </a:pPr>
                       <a:r>
-                        <a:rPr lang="en-US" sz="1500" b="0" dirty="0" smtClean="0">
+                        <a:rPr lang="en-US" sz="1450" b="0" kern="1200" dirty="0" smtClean="0">
                           <a:solidFill>
                             <a:schemeClr val="tx1"/>
                           </a:solidFill>
+                          <a:latin typeface="+mn-lt"/>
+                          <a:ea typeface="+mn-ea"/>
+                          <a:cs typeface="+mn-cs"/>
                         </a:rPr>
                         <a:t>Scheduling test implementation, execution and evaluation</a:t>
                       </a:r>
-                      <a:endParaRPr lang="en-US" sz="1500" b="0" dirty="0">
+                      <a:endParaRPr lang="en-US" sz="1450" b="0" kern="1200" dirty="0">
                         <a:solidFill>
                           <a:schemeClr val="tx1"/>
                         </a:solidFill>
+                        <a:latin typeface="+mn-lt"/>
+                        <a:ea typeface="+mn-ea"/>
+                        <a:cs typeface="+mn-cs"/>
                       </a:endParaRPr>
                     </a:p>
                   </a:txBody>
@@ -15803,18 +15823,28 @@
                     <a:bodyPr/>
                     <a:lstStyle/>
                     <a:p>
+                      <a:pPr marL="0" indent="0" algn="l" defTabSz="914400" rtl="0" eaLnBrk="1" latinLnBrk="0" hangingPunct="1">
+                        <a:buFont typeface="Arial" panose="020B0604020202020204" pitchFamily="34" charset="0"/>
+                        <a:buNone/>
+                      </a:pPr>
                       <a:r>
-                        <a:rPr lang="en-US" sz="1500" b="0" dirty="0" smtClean="0">
+                        <a:rPr lang="en-US" sz="1450" b="0" kern="1200" dirty="0" smtClean="0">
                           <a:solidFill>
                             <a:schemeClr val="tx1"/>
                           </a:solidFill>
+                          <a:latin typeface="+mn-lt"/>
+                          <a:ea typeface="+mn-ea"/>
+                          <a:cs typeface="+mn-cs"/>
                         </a:rPr>
                         <a:t>Assigning resources for the different activities defined.</a:t>
                       </a:r>
-                      <a:endParaRPr lang="en-US" sz="1500" b="0" dirty="0">
+                      <a:endParaRPr lang="en-US" sz="1450" b="0" kern="1200" dirty="0">
                         <a:solidFill>
                           <a:schemeClr val="tx1"/>
                         </a:solidFill>
+                        <a:latin typeface="+mn-lt"/>
+                        <a:ea typeface="+mn-ea"/>
+                        <a:cs typeface="+mn-cs"/>
                       </a:endParaRPr>
                     </a:p>
                   </a:txBody>
@@ -15854,28 +15884,45 @@
                     <a:bodyPr/>
                     <a:lstStyle/>
                     <a:p>
+                      <a:pPr marL="0" indent="0" algn="l" defTabSz="914400" rtl="0" eaLnBrk="1" latinLnBrk="0" hangingPunct="1">
+                        <a:buFont typeface="Arial" panose="020B0604020202020204" pitchFamily="34" charset="0"/>
+                        <a:buNone/>
+                      </a:pPr>
                       <a:r>
-                        <a:rPr lang="en-US" sz="1500" b="0" dirty="0" smtClean="0">
+                        <a:rPr lang="en-US" sz="1450" b="0" kern="1200" dirty="0" smtClean="0">
                           <a:solidFill>
                             <a:schemeClr val="tx1"/>
                           </a:solidFill>
+                          <a:latin typeface="+mn-lt"/>
+                          <a:ea typeface="+mn-ea"/>
+                          <a:cs typeface="+mn-cs"/>
                         </a:rPr>
                         <a:t>Selecting metrics for monitoring and controlling test preparation and execution, defect</a:t>
                       </a:r>
                     </a:p>
                     <a:p>
+                      <a:pPr marL="0" indent="0" algn="l" defTabSz="914400" rtl="0" eaLnBrk="1" latinLnBrk="0" hangingPunct="1">
+                        <a:buFont typeface="Arial" panose="020B0604020202020204" pitchFamily="34" charset="0"/>
+                        <a:buNone/>
+                      </a:pPr>
                       <a:r>
-                        <a:rPr lang="en-US" sz="1500" b="0" dirty="0" smtClean="0">
+                        <a:rPr lang="en-US" sz="1450" b="0" kern="1200" dirty="0" smtClean="0">
                           <a:solidFill>
                             <a:schemeClr val="tx1"/>
                           </a:solidFill>
+                          <a:latin typeface="+mn-lt"/>
+                          <a:ea typeface="+mn-ea"/>
+                          <a:cs typeface="+mn-cs"/>
                         </a:rPr>
                         <a:t>resolution and risk issues.</a:t>
                       </a:r>
-                      <a:endParaRPr lang="en-US" sz="1500" b="0" dirty="0">
+                      <a:endParaRPr lang="en-US" sz="1450" b="0" kern="1200" dirty="0">
                         <a:solidFill>
                           <a:schemeClr val="tx1"/>
                         </a:solidFill>
+                        <a:latin typeface="+mn-lt"/>
+                        <a:ea typeface="+mn-ea"/>
+                        <a:cs typeface="+mn-cs"/>
                       </a:endParaRPr>
                     </a:p>
                   </a:txBody>
@@ -20974,14 +21021,14 @@
           </a:ln>
           <a:extLst>
             <a:ext uri="{909E8E84-426E-40dd-AFC4-6F175D3DCCD1}">
-              <a14:hiddenFill xmlns="" xmlns:a14="http://schemas.microsoft.com/office/drawing/2010/main">
+              <a14:hiddenFill xmlns:a14="http://schemas.microsoft.com/office/drawing/2010/main" xmlns="">
                 <a:solidFill>
                   <a:srgbClr val="FFFFFF"/>
                 </a:solidFill>
               </a14:hiddenFill>
             </a:ext>
             <a:ext uri="{91240B29-F687-4f45-9708-019B960494DF}">
-              <a14:hiddenLine xmlns="" xmlns:a14="http://schemas.microsoft.com/office/drawing/2010/main" w="9525">
+              <a14:hiddenLine xmlns:a14="http://schemas.microsoft.com/office/drawing/2010/main" xmlns="" w="9525">
                 <a:solidFill>
                   <a:srgbClr val="000000"/>
                 </a:solidFill>
@@ -22010,7 +22057,7 @@
           <a:noFill/>
           <a:extLst>
             <a:ext uri="{909E8E84-426E-40dd-AFC4-6F175D3DCCD1}">
-              <a14:hiddenFill xmlns="" xmlns:a14="http://schemas.microsoft.com/office/drawing/2010/main">
+              <a14:hiddenFill xmlns:a14="http://schemas.microsoft.com/office/drawing/2010/main" xmlns="">
                 <a:solidFill>
                   <a:srgbClr val="FFFFFF"/>
                 </a:solidFill>
@@ -22103,8 +22150,8 @@
         </p:nvSpPr>
         <p:spPr>
           <a:xfrm>
-            <a:off x="838200" y="1690688"/>
-            <a:ext cx="10515600" cy="5066728"/>
+            <a:off x="534838" y="1466491"/>
+            <a:ext cx="10942162" cy="5290925"/>
           </a:xfrm>
         </p:spPr>
         <p:txBody>
@@ -22699,8 +22746,8 @@
         </p:nvSpPr>
         <p:spPr>
           <a:xfrm>
-            <a:off x="838200" y="1745226"/>
-            <a:ext cx="10058400" cy="3809999"/>
+            <a:off x="629727" y="1578634"/>
+            <a:ext cx="10575985" cy="3976591"/>
           </a:xfrm>
         </p:spPr>
         <p:txBody>
@@ -22843,7 +22890,7 @@
           <a:noFill/>
           <a:extLst>
             <a:ext uri="{909E8E84-426E-40dd-AFC4-6F175D3DCCD1}">
-              <a14:hiddenFill xmlns="" xmlns:a14="http://schemas.microsoft.com/office/drawing/2010/main">
+              <a14:hiddenFill xmlns:a14="http://schemas.microsoft.com/office/drawing/2010/main" xmlns="">
                 <a:solidFill>
                   <a:srgbClr val="FFFFFF"/>
                 </a:solidFill>
@@ -23312,7 +23359,7 @@
           <a:noFill/>
           <a:extLst>
             <a:ext uri="{909E8E84-426E-40dd-AFC4-6F175D3DCCD1}">
-              <a14:hiddenFill xmlns="" xmlns:a14="http://schemas.microsoft.com/office/drawing/2010/main">
+              <a14:hiddenFill xmlns:a14="http://schemas.microsoft.com/office/drawing/2010/main" xmlns="">
                 <a:solidFill>
                   <a:srgbClr val="FFFFFF"/>
                 </a:solidFill>
@@ -23721,7 +23768,7 @@
           <a:noFill/>
           <a:extLst>
             <a:ext uri="{909E8E84-426E-40dd-AFC4-6F175D3DCCD1}">
-              <a14:hiddenFill xmlns="" xmlns:a14="http://schemas.microsoft.com/office/drawing/2010/main">
+              <a14:hiddenFill xmlns:a14="http://schemas.microsoft.com/office/drawing/2010/main" xmlns="">
                 <a:solidFill>
                   <a:srgbClr val="FFFFFF"/>
                 </a:solidFill>
@@ -24681,7 +24728,7 @@
           <a:noFill/>
           <a:extLst>
             <a:ext uri="{909E8E84-426E-40dd-AFC4-6F175D3DCCD1}">
-              <a14:hiddenFill xmlns="" xmlns:a14="http://schemas.microsoft.com/office/drawing/2010/main">
+              <a14:hiddenFill xmlns:a14="http://schemas.microsoft.com/office/drawing/2010/main" xmlns="">
                 <a:solidFill>
                   <a:srgbClr val="FFFFFF"/>
                 </a:solidFill>
@@ -24906,8 +24953,8 @@
         </p:nvSpPr>
         <p:spPr>
           <a:xfrm>
-            <a:off x="1295400" y="1745226"/>
-            <a:ext cx="9601200" cy="3809999"/>
+            <a:off x="750498" y="1647646"/>
+            <a:ext cx="10146102" cy="3907580"/>
           </a:xfrm>
         </p:spPr>
         <p:txBody>
@@ -24967,11 +25014,15 @@
             <a:graphicFrameLocks noGrp="1"/>
           </p:cNvGraphicFramePr>
           <p:nvPr>
-            <p:extLst/>
+            <p:extLst>
+              <p:ext uri="{D42A27DB-BD31-4B8C-83A1-F6EECF244321}">
+                <p14:modId xmlns:p14="http://schemas.microsoft.com/office/powerpoint/2010/main" val="2845852698"/>
+              </p:ext>
+            </p:extLst>
           </p:nvPr>
         </p:nvGraphicFramePr>
         <p:xfrm>
-          <a:off x="952500" y="2491813"/>
+          <a:off x="952500" y="2422802"/>
           <a:ext cx="10287000" cy="3696992"/>
         </p:xfrm>
         <a:graphic>
@@ -25422,8 +25473,8 @@
         </p:nvSpPr>
         <p:spPr>
           <a:xfrm>
-            <a:off x="761195" y="1615830"/>
-            <a:ext cx="9945624" cy="3809999"/>
+            <a:off x="577970" y="1466492"/>
+            <a:ext cx="10128849" cy="3959338"/>
           </a:xfrm>
         </p:spPr>
         <p:txBody>
@@ -25542,7 +25593,7 @@
         </p:blipFill>
         <p:spPr bwMode="auto">
           <a:xfrm>
-            <a:off x="1817030" y="4572000"/>
+            <a:off x="1825656" y="4319524"/>
             <a:ext cx="8506381" cy="1514835"/>
           </a:xfrm>
           <a:prstGeom prst="rect">
@@ -25551,7 +25602,7 @@
           <a:noFill/>
           <a:extLst>
             <a:ext uri="{909E8E84-426E-40dd-AFC4-6F175D3DCCD1}">
-              <a14:hiddenFill xmlns="" xmlns:a14="http://schemas.microsoft.com/office/drawing/2010/main">
+              <a14:hiddenFill xmlns:a14="http://schemas.microsoft.com/office/drawing/2010/main" xmlns="">
                 <a:solidFill>
                   <a:srgbClr val="FFFFFF"/>
                 </a:solidFill>
@@ -25655,8 +25706,8 @@
         </p:nvSpPr>
         <p:spPr>
           <a:xfrm>
-            <a:off x="838200" y="1745226"/>
-            <a:ext cx="10058400" cy="3809999"/>
+            <a:off x="526211" y="1552756"/>
+            <a:ext cx="10950789" cy="3959338"/>
           </a:xfrm>
         </p:spPr>
         <p:txBody>
@@ -26017,13 +26068,13 @@
         </p:nvSpPr>
         <p:spPr>
           <a:xfrm>
-            <a:off x="978408" y="1745226"/>
-            <a:ext cx="9918192" cy="3809999"/>
+            <a:off x="560717" y="1483744"/>
+            <a:ext cx="10739887" cy="4071482"/>
           </a:xfrm>
         </p:spPr>
         <p:txBody>
           <a:bodyPr>
-            <a:normAutofit lnSpcReduction="10000"/>
+            <a:normAutofit/>
           </a:bodyPr>
           <a:lstStyle/>
           <a:p>
@@ -26520,13 +26571,13 @@
         </p:nvSpPr>
         <p:spPr>
           <a:xfrm>
-            <a:off x="1005840" y="1745226"/>
-            <a:ext cx="9890760" cy="4154129"/>
+            <a:off x="586596" y="1526876"/>
+            <a:ext cx="10670876" cy="4372480"/>
           </a:xfrm>
         </p:spPr>
         <p:txBody>
           <a:bodyPr>
-            <a:normAutofit lnSpcReduction="10000"/>
+            <a:normAutofit/>
           </a:bodyPr>
           <a:lstStyle/>
           <a:p>
@@ -26881,13 +26932,13 @@
         </p:nvSpPr>
         <p:spPr>
           <a:xfrm>
-            <a:off x="950976" y="1745226"/>
-            <a:ext cx="9945624" cy="4331109"/>
+            <a:off x="483079" y="1414732"/>
+            <a:ext cx="10852030" cy="4661603"/>
           </a:xfrm>
         </p:spPr>
         <p:txBody>
           <a:bodyPr>
-            <a:normAutofit lnSpcReduction="10000"/>
+            <a:normAutofit/>
           </a:bodyPr>
           <a:lstStyle/>
           <a:p>
@@ -27291,13 +27342,13 @@
         </p:nvSpPr>
         <p:spPr>
           <a:xfrm>
-            <a:off x="969264" y="1745226"/>
-            <a:ext cx="9927336" cy="4331109"/>
+            <a:off x="534838" y="1483744"/>
+            <a:ext cx="10774392" cy="4592592"/>
           </a:xfrm>
         </p:spPr>
         <p:txBody>
           <a:bodyPr>
-            <a:normAutofit fontScale="85000" lnSpcReduction="10000"/>
+            <a:normAutofit fontScale="92500" lnSpcReduction="20000"/>
           </a:bodyPr>
           <a:lstStyle/>
           <a:p>
@@ -27922,8 +27973,8 @@
         </p:nvSpPr>
         <p:spPr>
           <a:xfrm>
-            <a:off x="457790" y="1535798"/>
-            <a:ext cx="10058400" cy="4060723"/>
+            <a:off x="457790" y="1371600"/>
+            <a:ext cx="10256218" cy="4224921"/>
           </a:xfrm>
         </p:spPr>
         <p:txBody>
@@ -28826,13 +28877,13 @@
         </p:nvSpPr>
         <p:spPr>
           <a:xfrm>
-            <a:off x="932688" y="1730477"/>
-            <a:ext cx="9963912" cy="4060723"/>
+            <a:off x="552091" y="1595887"/>
+            <a:ext cx="10748513" cy="4459856"/>
           </a:xfrm>
         </p:spPr>
         <p:txBody>
           <a:bodyPr>
-            <a:normAutofit fontScale="92500"/>
+            <a:normAutofit/>
           </a:bodyPr>
           <a:lstStyle/>
           <a:p>
@@ -29244,7 +29295,7 @@
         </p:nvSpPr>
         <p:spPr>
           <a:xfrm>
-            <a:off x="886968" y="503853"/>
+            <a:off x="343506" y="112708"/>
             <a:ext cx="10009632" cy="961153"/>
           </a:xfrm>
         </p:spPr>
@@ -29277,8 +29328,8 @@
         </p:nvSpPr>
         <p:spPr>
           <a:xfrm>
-            <a:off x="886968" y="1646238"/>
-            <a:ext cx="10009632" cy="4060723"/>
+            <a:off x="491706" y="1423358"/>
+            <a:ext cx="10765766" cy="4283603"/>
           </a:xfrm>
         </p:spPr>
         <p:txBody>
@@ -29395,7 +29446,7 @@
         </p:blipFill>
         <p:spPr bwMode="auto">
           <a:xfrm>
-            <a:off x="1295400" y="3614130"/>
+            <a:off x="1304027" y="3444275"/>
             <a:ext cx="8801100" cy="2543175"/>
           </a:xfrm>
           <a:prstGeom prst="rect">
@@ -29404,7 +29455,7 @@
           <a:noFill/>
           <a:extLst>
             <a:ext uri="{909E8E84-426E-40dd-AFC4-6F175D3DCCD1}">
-              <a14:hiddenFill xmlns="" xmlns:a14="http://schemas.microsoft.com/office/drawing/2010/main">
+              <a14:hiddenFill xmlns:a14="http://schemas.microsoft.com/office/drawing/2010/main" xmlns="">
                 <a:solidFill>
                   <a:srgbClr val="FFFFFF"/>
                 </a:solidFill>
@@ -29576,13 +29627,13 @@
         </p:nvSpPr>
         <p:spPr>
           <a:xfrm>
-            <a:off x="978408" y="1981201"/>
-            <a:ext cx="9918192" cy="4006644"/>
+            <a:off x="483079" y="1440611"/>
+            <a:ext cx="10860657" cy="4865298"/>
           </a:xfrm>
         </p:spPr>
         <p:txBody>
           <a:bodyPr>
-            <a:normAutofit lnSpcReduction="10000"/>
+            <a:normAutofit/>
           </a:bodyPr>
           <a:lstStyle/>
           <a:p>
@@ -30219,7 +30270,7 @@
         </p:blipFill>
         <p:spPr>
           <a:xfrm>
-            <a:off x="682655" y="1825625"/>
+            <a:off x="694081" y="1670349"/>
             <a:ext cx="10957657" cy="4528939"/>
           </a:xfrm>
           <a:prstGeom prst="rect">
@@ -30614,8 +30665,8 @@
         </p:blipFill>
         <p:spPr>
           <a:xfrm>
-            <a:off x="2236913" y="1357032"/>
-            <a:ext cx="6587047" cy="5430876"/>
+            <a:off x="2340430" y="1293962"/>
+            <a:ext cx="6305702" cy="5198913"/>
           </a:xfrm>
           <a:prstGeom prst="rect">
             <a:avLst/>
@@ -32443,7 +32494,7 @@
         </p:blipFill>
         <p:spPr>
           <a:xfrm>
-            <a:off x="1066199" y="3114681"/>
+            <a:off x="893671" y="2456091"/>
             <a:ext cx="10059602" cy="1393996"/>
           </a:xfrm>
           <a:prstGeom prst="rect">
@@ -32589,7 +32640,7 @@
         </p:blipFill>
         <p:spPr>
           <a:xfrm>
-            <a:off x="2370377" y="3299460"/>
+            <a:off x="2379004" y="3083800"/>
             <a:ext cx="6819343" cy="2386770"/>
           </a:xfrm>
           <a:prstGeom prst="rect">
@@ -34841,7 +34892,7 @@
         </p:blipFill>
         <p:spPr>
           <a:xfrm>
-            <a:off x="2113245" y="2841974"/>
+            <a:off x="2087366" y="2531759"/>
             <a:ext cx="7222779" cy="3621212"/>
           </a:xfrm>
           <a:prstGeom prst="rect">
@@ -35995,11 +36046,15 @@
           </p:cNvGraphicFramePr>
           <p:nvPr>
             <p:ph idx="1"/>
-            <p:extLst/>
+            <p:extLst>
+              <p:ext uri="{D42A27DB-BD31-4B8C-83A1-F6EECF244321}">
+                <p14:modId xmlns:p14="http://schemas.microsoft.com/office/powerpoint/2010/main" val="69182728"/>
+              </p:ext>
+            </p:extLst>
           </p:nvPr>
         </p:nvGraphicFramePr>
         <p:xfrm>
-          <a:off x="838200" y="1441577"/>
+          <a:off x="795068" y="1285875"/>
           <a:ext cx="10515600" cy="5207000"/>
         </p:xfrm>
         <a:graphic>
@@ -36679,7 +36734,7 @@
         </p:blipFill>
         <p:spPr>
           <a:xfrm>
-            <a:off x="2331720" y="2769987"/>
+            <a:off x="2374853" y="2463726"/>
             <a:ext cx="6876288" cy="3689245"/>
           </a:xfrm>
           <a:prstGeom prst="rect">
@@ -36798,8 +36853,8 @@
         </p:blipFill>
         <p:spPr>
           <a:xfrm>
-            <a:off x="2724587" y="1405630"/>
-            <a:ext cx="5633029" cy="5313219"/>
+            <a:off x="2967486" y="1293487"/>
+            <a:ext cx="5381503" cy="5075973"/>
           </a:xfrm>
           <a:prstGeom prst="rect">
             <a:avLst/>

--- a/SE401/Lectures/5-Test Management/Test Management.pptx
+++ b/SE401/Lectures/5-Test Management/Test Management.pptx
@@ -2583,10 +2583,14 @@
         <a:lstStyle/>
         <a:p>
           <a:r>
-            <a:rPr lang="en-US" dirty="0" smtClean="0"/>
+            <a:rPr lang="en-US" dirty="0" smtClean="0">
+              <a:latin typeface="Candara" panose="020E0502030303020204" pitchFamily="34" charset="0"/>
+            </a:rPr>
             <a:t>Test policy of the organization</a:t>
           </a:r>
-          <a:endParaRPr lang="en-US" dirty="0"/>
+          <a:endParaRPr lang="en-US" dirty="0">
+            <a:latin typeface="Candara" panose="020E0502030303020204" pitchFamily="34" charset="0"/>
+          </a:endParaRPr>
         </a:p>
       </dgm:t>
     </dgm:pt>
@@ -2597,7 +2601,9 @@
         <a:bodyPr/>
         <a:lstStyle/>
         <a:p>
-          <a:endParaRPr lang="en-US"/>
+          <a:endParaRPr lang="en-US">
+            <a:latin typeface="Candara" panose="020E0502030303020204" pitchFamily="34" charset="0"/>
+          </a:endParaRPr>
         </a:p>
       </dgm:t>
     </dgm:pt>
@@ -2608,7 +2614,9 @@
         <a:bodyPr/>
         <a:lstStyle/>
         <a:p>
-          <a:endParaRPr lang="en-US"/>
+          <a:endParaRPr lang="en-US">
+            <a:latin typeface="Candara" panose="020E0502030303020204" pitchFamily="34" charset="0"/>
+          </a:endParaRPr>
         </a:p>
       </dgm:t>
     </dgm:pt>
@@ -2620,10 +2628,14 @@
         <a:lstStyle/>
         <a:p>
           <a:r>
-            <a:rPr lang="en-US" dirty="0" smtClean="0"/>
+            <a:rPr lang="en-US" dirty="0" smtClean="0">
+              <a:latin typeface="Candara" panose="020E0502030303020204" pitchFamily="34" charset="0"/>
+            </a:rPr>
             <a:t>Scope of testing</a:t>
           </a:r>
-          <a:endParaRPr lang="en-US" dirty="0"/>
+          <a:endParaRPr lang="en-US" dirty="0">
+            <a:latin typeface="Candara" panose="020E0502030303020204" pitchFamily="34" charset="0"/>
+          </a:endParaRPr>
         </a:p>
       </dgm:t>
     </dgm:pt>
@@ -2634,7 +2646,9 @@
         <a:bodyPr/>
         <a:lstStyle/>
         <a:p>
-          <a:endParaRPr lang="en-US"/>
+          <a:endParaRPr lang="en-US">
+            <a:latin typeface="Candara" panose="020E0502030303020204" pitchFamily="34" charset="0"/>
+          </a:endParaRPr>
         </a:p>
       </dgm:t>
     </dgm:pt>
@@ -2645,7 +2659,9 @@
         <a:bodyPr/>
         <a:lstStyle/>
         <a:p>
-          <a:endParaRPr lang="en-US"/>
+          <a:endParaRPr lang="en-US">
+            <a:latin typeface="Candara" panose="020E0502030303020204" pitchFamily="34" charset="0"/>
+          </a:endParaRPr>
         </a:p>
       </dgm:t>
     </dgm:pt>
@@ -2657,10 +2673,14 @@
         <a:lstStyle/>
         <a:p>
           <a:r>
-            <a:rPr lang="en-US" dirty="0" smtClean="0"/>
+            <a:rPr lang="en-US" dirty="0" smtClean="0">
+              <a:latin typeface="Candara" panose="020E0502030303020204" pitchFamily="34" charset="0"/>
+            </a:rPr>
             <a:t>Objectives, risks, constraints</a:t>
           </a:r>
-          <a:endParaRPr lang="en-US" dirty="0"/>
+          <a:endParaRPr lang="en-US" dirty="0">
+            <a:latin typeface="Candara" panose="020E0502030303020204" pitchFamily="34" charset="0"/>
+          </a:endParaRPr>
         </a:p>
       </dgm:t>
     </dgm:pt>
@@ -2671,7 +2691,9 @@
         <a:bodyPr/>
         <a:lstStyle/>
         <a:p>
-          <a:endParaRPr lang="en-US"/>
+          <a:endParaRPr lang="en-US">
+            <a:latin typeface="Candara" panose="020E0502030303020204" pitchFamily="34" charset="0"/>
+          </a:endParaRPr>
         </a:p>
       </dgm:t>
     </dgm:pt>
@@ -2682,7 +2704,9 @@
         <a:bodyPr/>
         <a:lstStyle/>
         <a:p>
-          <a:endParaRPr lang="en-US"/>
+          <a:endParaRPr lang="en-US">
+            <a:latin typeface="Candara" panose="020E0502030303020204" pitchFamily="34" charset="0"/>
+          </a:endParaRPr>
         </a:p>
       </dgm:t>
     </dgm:pt>
@@ -2694,10 +2718,14 @@
         <a:lstStyle/>
         <a:p>
           <a:r>
-            <a:rPr lang="en-US" dirty="0" smtClean="0"/>
+            <a:rPr lang="en-US" dirty="0" smtClean="0">
+              <a:latin typeface="Candara" panose="020E0502030303020204" pitchFamily="34" charset="0"/>
+            </a:rPr>
             <a:t>criticality, testability and the availability of resources</a:t>
           </a:r>
-          <a:endParaRPr lang="en-US" dirty="0"/>
+          <a:endParaRPr lang="en-US" dirty="0">
+            <a:latin typeface="Candara" panose="020E0502030303020204" pitchFamily="34" charset="0"/>
+          </a:endParaRPr>
         </a:p>
       </dgm:t>
     </dgm:pt>
@@ -2708,7 +2736,9 @@
         <a:bodyPr/>
         <a:lstStyle/>
         <a:p>
-          <a:endParaRPr lang="en-US"/>
+          <a:endParaRPr lang="en-US">
+            <a:latin typeface="Candara" panose="020E0502030303020204" pitchFamily="34" charset="0"/>
+          </a:endParaRPr>
         </a:p>
       </dgm:t>
     </dgm:pt>
@@ -2719,7 +2749,9 @@
         <a:bodyPr/>
         <a:lstStyle/>
         <a:p>
-          <a:endParaRPr lang="en-US"/>
+          <a:endParaRPr lang="en-US">
+            <a:latin typeface="Candara" panose="020E0502030303020204" pitchFamily="34" charset="0"/>
+          </a:endParaRPr>
         </a:p>
       </dgm:t>
     </dgm:pt>
@@ -3142,10 +3174,14 @@
         <a:lstStyle/>
         <a:p>
           <a:r>
-            <a:rPr lang="en-US" dirty="0" smtClean="0"/>
+            <a:rPr lang="en-US" dirty="0" smtClean="0">
+              <a:latin typeface="Candara" panose="020E0502030303020204" pitchFamily="34" charset="0"/>
+            </a:rPr>
             <a:t>Organizational Factors</a:t>
           </a:r>
-          <a:endParaRPr lang="en-US" dirty="0"/>
+          <a:endParaRPr lang="en-US" dirty="0">
+            <a:latin typeface="Candara" panose="020E0502030303020204" pitchFamily="34" charset="0"/>
+          </a:endParaRPr>
         </a:p>
       </dgm:t>
     </dgm:pt>
@@ -3253,10 +3289,14 @@
         <a:lstStyle/>
         <a:p>
           <a:r>
-            <a:rPr lang="en-US" dirty="0" smtClean="0"/>
+            <a:rPr lang="en-US" dirty="0" smtClean="0">
+              <a:latin typeface="Candara" panose="020E0502030303020204" pitchFamily="34" charset="0"/>
+            </a:rPr>
             <a:t>Technical Issues</a:t>
           </a:r>
-          <a:endParaRPr lang="en-US" dirty="0"/>
+          <a:endParaRPr lang="en-US" dirty="0">
+            <a:latin typeface="Candara" panose="020E0502030303020204" pitchFamily="34" charset="0"/>
+          </a:endParaRPr>
         </a:p>
       </dgm:t>
     </dgm:pt>
@@ -3364,10 +3404,14 @@
         <a:lstStyle/>
         <a:p>
           <a:r>
-            <a:rPr lang="en-US" dirty="0" smtClean="0"/>
+            <a:rPr lang="en-US" dirty="0" smtClean="0">
+              <a:latin typeface="Candara" panose="020E0502030303020204" pitchFamily="34" charset="0"/>
+            </a:rPr>
             <a:t>Supplier Issues</a:t>
           </a:r>
-          <a:endParaRPr lang="en-US" dirty="0"/>
+          <a:endParaRPr lang="en-US" dirty="0">
+            <a:latin typeface="Candara" panose="020E0502030303020204" pitchFamily="34" charset="0"/>
+          </a:endParaRPr>
         </a:p>
       </dgm:t>
     </dgm:pt>
@@ -3729,11 +3773,11 @@
     <dgm:cxn modelId="{C2C1F5B4-1F21-4CA8-A68F-EDF06C46BA04}" srcId="{DDD0B274-FF42-44FA-9763-36432F12F6F9}" destId="{87B5D4FD-0B09-4110-BB16-D595328A9370}" srcOrd="2" destOrd="0" parTransId="{FE01A55E-F237-4310-BE38-CE1005376C0F}" sibTransId="{29A46ECF-6256-41FE-9C1F-DC8736A911E9}"/>
     <dgm:cxn modelId="{86FFF943-C549-4B26-A4F3-67D276A2BD8E}" type="presOf" srcId="{9D110A29-7A0B-4A2E-AD84-9B0D8DA9D360}" destId="{CBBEB52D-C5C4-4544-BB1E-7104347E8239}" srcOrd="0" destOrd="0" presId="urn:microsoft.com/office/officeart/2005/8/layout/hList1"/>
     <dgm:cxn modelId="{4E21DC15-E2FD-47B1-8F02-FB66C8A7C503}" type="presOf" srcId="{36AC6971-5B2E-4E7F-961B-BD6E93837DB3}" destId="{93113A4E-EF60-49BF-865E-F74DD6EAD7A0}" srcOrd="0" destOrd="0" presId="urn:microsoft.com/office/officeart/2005/8/layout/hList1"/>
+    <dgm:cxn modelId="{C3FB59FD-4BF7-4F4F-A727-3C34C0368BC1}" type="presOf" srcId="{C74217A2-7D3C-4239-B713-C8B269175DD5}" destId="{41C55D64-83F5-4795-B11C-59E0BFEADE8D}" srcOrd="0" destOrd="0" presId="urn:microsoft.com/office/officeart/2005/8/layout/hList1"/>
     <dgm:cxn modelId="{C4694EDD-852A-402C-B1FC-2F3BECC1A722}" type="presOf" srcId="{DDD0B274-FF42-44FA-9763-36432F12F6F9}" destId="{5CEC4D4E-DAA0-48F0-8D85-5F930E285A43}" srcOrd="0" destOrd="0" presId="urn:microsoft.com/office/officeart/2005/8/layout/hList1"/>
-    <dgm:cxn modelId="{C3FB59FD-4BF7-4F4F-A727-3C34C0368BC1}" type="presOf" srcId="{C74217A2-7D3C-4239-B713-C8B269175DD5}" destId="{41C55D64-83F5-4795-B11C-59E0BFEADE8D}" srcOrd="0" destOrd="0" presId="urn:microsoft.com/office/officeart/2005/8/layout/hList1"/>
     <dgm:cxn modelId="{66491B8E-D4C2-4167-9E14-118DED892709}" srcId="{731F9475-2C67-4995-B3D2-5C16341EFDC4}" destId="{FB5F400F-1D44-4049-8EC5-FAEBDA052B07}" srcOrd="1" destOrd="0" parTransId="{4A5D0BB8-1170-4BC2-A295-51CAB5B2D347}" sibTransId="{C0718289-B316-4630-9CCD-CB54979DC407}"/>
+    <dgm:cxn modelId="{9B871A3A-8620-4042-85A9-5D80244392A2}" type="presOf" srcId="{87B5D4FD-0B09-4110-BB16-D595328A9370}" destId="{93113A4E-EF60-49BF-865E-F74DD6EAD7A0}" srcOrd="0" destOrd="2" presId="urn:microsoft.com/office/officeart/2005/8/layout/hList1"/>
     <dgm:cxn modelId="{199378E9-E316-425B-A1FE-203278FF0B58}" type="presOf" srcId="{624425B1-53DC-4BA1-B95C-C9BD9A8ABF3A}" destId="{5C254CA2-7E89-4F6D-90FC-2C1E9E11A380}" srcOrd="0" destOrd="3" presId="urn:microsoft.com/office/officeart/2005/8/layout/hList1"/>
-    <dgm:cxn modelId="{9B871A3A-8620-4042-85A9-5D80244392A2}" type="presOf" srcId="{87B5D4FD-0B09-4110-BB16-D595328A9370}" destId="{93113A4E-EF60-49BF-865E-F74DD6EAD7A0}" srcOrd="0" destOrd="2" presId="urn:microsoft.com/office/officeart/2005/8/layout/hList1"/>
     <dgm:cxn modelId="{2C3DE458-2354-42E6-A016-E1A9FC77A4AA}" srcId="{9D110A29-7A0B-4A2E-AD84-9B0D8DA9D360}" destId="{C74217A2-7D3C-4239-B713-C8B269175DD5}" srcOrd="0" destOrd="0" parTransId="{315B31AA-7B18-47B2-B861-4B98E37FCC97}" sibTransId="{CABA2F1D-C038-448F-BA26-2563E0F9BEF1}"/>
     <dgm:cxn modelId="{F9791F14-5A05-42BB-B7EF-B433191C4567}" srcId="{C74217A2-7D3C-4239-B713-C8B269175DD5}" destId="{933795DB-EBD3-42A5-9F05-3FDE52340FBB}" srcOrd="1" destOrd="0" parTransId="{AD75A5B6-A7E4-4B94-99A2-C025067A0B47}" sibTransId="{0CCC2C0D-B8B0-4655-A14F-BA2BF031884B}"/>
     <dgm:cxn modelId="{5C53B19B-760B-4B56-BBB0-3C07877B2D74}" type="presOf" srcId="{FB5F400F-1D44-4049-8EC5-FAEBDA052B07}" destId="{3C261575-159D-4F5B-885D-C4CE9AAA9171}" srcOrd="0" destOrd="1" presId="urn:microsoft.com/office/officeart/2005/8/layout/hList1"/>
@@ -3886,10 +3930,14 @@
             </a:spcAft>
           </a:pPr>
           <a:r>
-            <a:rPr lang="en-US" sz="2300" kern="1200" dirty="0" smtClean="0"/>
+            <a:rPr lang="en-US" sz="2300" kern="1200" dirty="0" smtClean="0">
+              <a:latin typeface="Candara" panose="020E0502030303020204" pitchFamily="34" charset="0"/>
+            </a:rPr>
             <a:t>Test policy of the organization</a:t>
           </a:r>
-          <a:endParaRPr lang="en-US" sz="2300" kern="1200" dirty="0"/>
+          <a:endParaRPr lang="en-US" sz="2300" kern="1200" dirty="0">
+            <a:latin typeface="Candara" panose="020E0502030303020204" pitchFamily="34" charset="0"/>
+          </a:endParaRPr>
         </a:p>
       </dsp:txBody>
       <dsp:txXfrm>
@@ -3964,10 +4012,14 @@
             </a:spcAft>
           </a:pPr>
           <a:r>
-            <a:rPr lang="en-US" sz="2300" kern="1200" dirty="0" smtClean="0"/>
+            <a:rPr lang="en-US" sz="2300" kern="1200" dirty="0" smtClean="0">
+              <a:latin typeface="Candara" panose="020E0502030303020204" pitchFamily="34" charset="0"/>
+            </a:rPr>
             <a:t>Scope of testing</a:t>
           </a:r>
-          <a:endParaRPr lang="en-US" sz="2300" kern="1200" dirty="0"/>
+          <a:endParaRPr lang="en-US" sz="2300" kern="1200" dirty="0">
+            <a:latin typeface="Candara" panose="020E0502030303020204" pitchFamily="34" charset="0"/>
+          </a:endParaRPr>
         </a:p>
       </dsp:txBody>
       <dsp:txXfrm>
@@ -4042,10 +4094,14 @@
             </a:spcAft>
           </a:pPr>
           <a:r>
-            <a:rPr lang="en-US" sz="2300" kern="1200" dirty="0" smtClean="0"/>
+            <a:rPr lang="en-US" sz="2300" kern="1200" dirty="0" smtClean="0">
+              <a:latin typeface="Candara" panose="020E0502030303020204" pitchFamily="34" charset="0"/>
+            </a:rPr>
             <a:t>Objectives, risks, constraints</a:t>
           </a:r>
-          <a:endParaRPr lang="en-US" sz="2300" kern="1200" dirty="0"/>
+          <a:endParaRPr lang="en-US" sz="2300" kern="1200" dirty="0">
+            <a:latin typeface="Candara" panose="020E0502030303020204" pitchFamily="34" charset="0"/>
+          </a:endParaRPr>
         </a:p>
       </dsp:txBody>
       <dsp:txXfrm>
@@ -4120,10 +4176,14 @@
             </a:spcAft>
           </a:pPr>
           <a:r>
-            <a:rPr lang="en-US" sz="2300" kern="1200" dirty="0" smtClean="0"/>
+            <a:rPr lang="en-US" sz="2300" kern="1200" dirty="0" smtClean="0">
+              <a:latin typeface="Candara" panose="020E0502030303020204" pitchFamily="34" charset="0"/>
+            </a:rPr>
             <a:t>criticality, testability and the availability of resources</a:t>
           </a:r>
-          <a:endParaRPr lang="en-US" sz="2300" kern="1200" dirty="0"/>
+          <a:endParaRPr lang="en-US" sz="2300" kern="1200" dirty="0">
+            <a:latin typeface="Candara" panose="020E0502030303020204" pitchFamily="34" charset="0"/>
+          </a:endParaRPr>
         </a:p>
       </dsp:txBody>
       <dsp:txXfrm>
@@ -4579,10 +4639,14 @@
             </a:spcAft>
           </a:pPr>
           <a:r>
-            <a:rPr lang="en-US" sz="2300" kern="1200" dirty="0" smtClean="0"/>
+            <a:rPr lang="en-US" sz="2300" kern="1200" dirty="0" smtClean="0">
+              <a:latin typeface="Candara" panose="020E0502030303020204" pitchFamily="34" charset="0"/>
+            </a:rPr>
             <a:t>Organizational Factors</a:t>
           </a:r>
-          <a:endParaRPr lang="en-US" sz="2300" kern="1200" dirty="0"/>
+          <a:endParaRPr lang="en-US" sz="2300" kern="1200" dirty="0">
+            <a:latin typeface="Candara" panose="020E0502030303020204" pitchFamily="34" charset="0"/>
+          </a:endParaRPr>
         </a:p>
       </dsp:txBody>
       <dsp:txXfrm>
@@ -4795,10 +4859,14 @@
             </a:spcAft>
           </a:pPr>
           <a:r>
-            <a:rPr lang="en-US" sz="2300" kern="1200" dirty="0" smtClean="0"/>
+            <a:rPr lang="en-US" sz="2300" kern="1200" dirty="0" smtClean="0">
+              <a:latin typeface="Candara" panose="020E0502030303020204" pitchFamily="34" charset="0"/>
+            </a:rPr>
             <a:t>Technical Issues</a:t>
           </a:r>
-          <a:endParaRPr lang="en-US" sz="2300" kern="1200" dirty="0"/>
+          <a:endParaRPr lang="en-US" sz="2300" kern="1200" dirty="0">
+            <a:latin typeface="Candara" panose="020E0502030303020204" pitchFamily="34" charset="0"/>
+          </a:endParaRPr>
         </a:p>
       </dsp:txBody>
       <dsp:txXfrm>
@@ -4992,10 +5060,14 @@
             </a:spcAft>
           </a:pPr>
           <a:r>
-            <a:rPr lang="en-US" sz="2300" kern="1200" dirty="0" smtClean="0"/>
+            <a:rPr lang="en-US" sz="2300" kern="1200" dirty="0" smtClean="0">
+              <a:latin typeface="Candara" panose="020E0502030303020204" pitchFamily="34" charset="0"/>
+            </a:rPr>
             <a:t>Supplier Issues</a:t>
           </a:r>
-          <a:endParaRPr lang="en-US" sz="2300" kern="1200" dirty="0"/>
+          <a:endParaRPr lang="en-US" sz="2300" kern="1200" dirty="0">
+            <a:latin typeface="Candara" panose="020E0502030303020204" pitchFamily="34" charset="0"/>
+          </a:endParaRPr>
         </a:p>
       </dsp:txBody>
       <dsp:txXfrm>
@@ -8835,7 +8907,7 @@
           <a:p>
             <a:fld id="{B599AA9D-6820-4B38-B5CA-B694576E9E58}" type="datetimeFigureOut">
               <a:rPr lang="en-US" smtClean="0"/>
-              <a:t>2/14/2022</a:t>
+              <a:t>2/16/2022</a:t>
             </a:fld>
             <a:endParaRPr lang="en-US"/>
           </a:p>
@@ -9149,14 +9221,14 @@
           <a:ln/>
           <a:extLst>
             <a:ext uri="{909E8E84-426E-40dd-AFC4-6F175D3DCCD1}">
-              <a14:hiddenFill xmlns:a14="http://schemas.microsoft.com/office/drawing/2010/main" xmlns="">
+              <a14:hiddenFill xmlns="" xmlns:a14="http://schemas.microsoft.com/office/drawing/2010/main">
                 <a:solidFill>
                   <a:srgbClr val="FFFFFF"/>
                 </a:solidFill>
               </a14:hiddenFill>
             </a:ext>
             <a:ext uri="{91240B29-F687-4f45-9708-019B960494DF}">
-              <a14:hiddenLine xmlns:a14="http://schemas.microsoft.com/office/drawing/2010/main" xmlns="" w="9525">
+              <a14:hiddenLine xmlns="" xmlns:a14="http://schemas.microsoft.com/office/drawing/2010/main" w="9525">
                 <a:solidFill>
                   <a:srgbClr val="000000"/>
                 </a:solidFill>
@@ -9166,7 +9238,7 @@
               </a14:hiddenLine>
             </a:ext>
             <a:ext uri="{FAA26D3D-D897-4be2-8F04-BA451C77F1D7}">
-              <ma14:placeholderFlag xmlns:ma14="http://schemas.microsoft.com/office/mac/drawingml/2011/main" xmlns="" val="1"/>
+              <ma14:placeholderFlag xmlns="" xmlns:ma14="http://schemas.microsoft.com/office/mac/drawingml/2011/main" val="1"/>
             </a:ext>
           </a:extLst>
         </p:spPr>
@@ -9694,14 +9766,14 @@
           <a:ln/>
           <a:extLst>
             <a:ext uri="{909E8E84-426E-40dd-AFC4-6F175D3DCCD1}">
-              <a14:hiddenFill xmlns:a14="http://schemas.microsoft.com/office/drawing/2010/main" xmlns="">
+              <a14:hiddenFill xmlns="" xmlns:a14="http://schemas.microsoft.com/office/drawing/2010/main">
                 <a:solidFill>
                   <a:srgbClr val="FFFFFF"/>
                 </a:solidFill>
               </a14:hiddenFill>
             </a:ext>
             <a:ext uri="{91240B29-F687-4f45-9708-019B960494DF}">
-              <a14:hiddenLine xmlns:a14="http://schemas.microsoft.com/office/drawing/2010/main" xmlns="" w="9525">
+              <a14:hiddenLine xmlns="" xmlns:a14="http://schemas.microsoft.com/office/drawing/2010/main" w="9525">
                 <a:solidFill>
                   <a:srgbClr val="000000"/>
                 </a:solidFill>
@@ -9711,7 +9783,7 @@
               </a14:hiddenLine>
             </a:ext>
             <a:ext uri="{FAA26D3D-D897-4be2-8F04-BA451C77F1D7}">
-              <ma14:placeholderFlag xmlns:ma14="http://schemas.microsoft.com/office/mac/drawingml/2011/main" xmlns="" val="1"/>
+              <ma14:placeholderFlag xmlns="" xmlns:ma14="http://schemas.microsoft.com/office/mac/drawingml/2011/main" val="1"/>
             </a:ext>
           </a:extLst>
         </p:spPr>
@@ -9895,14 +9967,14 @@
           <a:ln/>
           <a:extLst>
             <a:ext uri="{909E8E84-426E-40dd-AFC4-6F175D3DCCD1}">
-              <a14:hiddenFill xmlns:a14="http://schemas.microsoft.com/office/drawing/2010/main" xmlns="">
+              <a14:hiddenFill xmlns="" xmlns:a14="http://schemas.microsoft.com/office/drawing/2010/main">
                 <a:solidFill>
                   <a:srgbClr val="FFFFFF"/>
                 </a:solidFill>
               </a14:hiddenFill>
             </a:ext>
             <a:ext uri="{91240B29-F687-4f45-9708-019B960494DF}">
-              <a14:hiddenLine xmlns:a14="http://schemas.microsoft.com/office/drawing/2010/main" xmlns="" w="9525">
+              <a14:hiddenLine xmlns="" xmlns:a14="http://schemas.microsoft.com/office/drawing/2010/main" w="9525">
                 <a:solidFill>
                   <a:srgbClr val="000000"/>
                 </a:solidFill>
@@ -9912,7 +9984,7 @@
               </a14:hiddenLine>
             </a:ext>
             <a:ext uri="{FAA26D3D-D897-4be2-8F04-BA451C77F1D7}">
-              <ma14:placeholderFlag xmlns:ma14="http://schemas.microsoft.com/office/mac/drawingml/2011/main" xmlns="" val="1"/>
+              <ma14:placeholderFlag xmlns="" xmlns:ma14="http://schemas.microsoft.com/office/mac/drawingml/2011/main" val="1"/>
             </a:ext>
           </a:extLst>
         </p:spPr>
@@ -10187,7 +10259,7 @@
           <a:p>
             <a:fld id="{6DA04A31-8D7B-4D79-996E-31DAB3BE7D57}" type="datetime1">
               <a:rPr lang="en-US" smtClean="0"/>
-              <a:t>2/14/2022</a:t>
+              <a:t>2/16/2022</a:t>
             </a:fld>
             <a:endParaRPr lang="en-US"/>
           </a:p>
@@ -10438,7 +10510,7 @@
           <a:p>
             <a:fld id="{905D4943-9986-4F84-973B-EAE0F7CD8386}" type="datetime1">
               <a:rPr lang="en-US" smtClean="0"/>
-              <a:t>2/14/2022</a:t>
+              <a:t>2/16/2022</a:t>
             </a:fld>
             <a:endParaRPr lang="en-US"/>
           </a:p>
@@ -10618,7 +10690,7 @@
           <a:p>
             <a:fld id="{6688F9AA-C109-463F-A34C-4B1F6B2A4DBA}" type="datetime1">
               <a:rPr lang="en-US" smtClean="0"/>
-              <a:t>2/14/2022</a:t>
+              <a:t>2/16/2022</a:t>
             </a:fld>
             <a:endParaRPr lang="en-US"/>
           </a:p>
@@ -10874,7 +10946,7 @@
           <a:p>
             <a:fld id="{E445145B-DC09-4375-A1DD-F1E440B363C5}" type="datetime1">
               <a:rPr lang="en-US" smtClean="0"/>
-              <a:t>2/14/2022</a:t>
+              <a:t>2/16/2022</a:t>
             </a:fld>
             <a:endParaRPr lang="en-US"/>
           </a:p>
@@ -11219,7 +11291,7 @@
           <a:p>
             <a:fld id="{4E20A597-FC58-4FF9-B9BE-3D54330AC8EB}" type="datetime1">
               <a:rPr lang="en-US" smtClean="0"/>
-              <a:t>2/14/2022</a:t>
+              <a:t>2/16/2022</a:t>
             </a:fld>
             <a:endParaRPr lang="en-US"/>
           </a:p>
@@ -11451,7 +11523,7 @@
           <a:p>
             <a:fld id="{FD7D83FE-52EF-4928-9ABA-FF5D76EBDA34}" type="datetime1">
               <a:rPr lang="en-US" smtClean="0"/>
-              <a:t>2/14/2022</a:t>
+              <a:t>2/16/2022</a:t>
             </a:fld>
             <a:endParaRPr lang="en-US"/>
           </a:p>
@@ -11818,7 +11890,7 @@
           <a:p>
             <a:fld id="{CA965C77-96C1-478F-980C-0962DD82992C}" type="datetime1">
               <a:rPr lang="en-US" smtClean="0"/>
-              <a:t>2/14/2022</a:t>
+              <a:t>2/16/2022</a:t>
             </a:fld>
             <a:endParaRPr lang="en-US"/>
           </a:p>
@@ -11913,7 +11985,7 @@
           <a:p>
             <a:fld id="{A7327881-70F5-4DDE-9A28-6D7C90D8CB72}" type="datetime1">
               <a:rPr lang="en-US" smtClean="0"/>
-              <a:t>2/14/2022</a:t>
+              <a:t>2/16/2022</a:t>
             </a:fld>
             <a:endParaRPr lang="en-US"/>
           </a:p>
@@ -12136,7 +12208,7 @@
             <a:fld id="{B2F5E2FA-C428-4CE7-95B0-168D3259A5BB}" type="datetimeFigureOut">
               <a:rPr lang="en-US" smtClean="0"/>
               <a:pPr/>
-              <a:t>2/14/2022</a:t>
+              <a:t>2/16/2022</a:t>
             </a:fld>
             <a:endParaRPr lang="en-US"/>
           </a:p>
@@ -12307,7 +12379,7 @@
           <a:p>
             <a:fld id="{D254A1D5-C548-468D-A73B-4CFE5768CF1A}" type="datetime1">
               <a:rPr lang="en-US" smtClean="0"/>
-              <a:t>2/14/2022</a:t>
+              <a:t>2/16/2022</a:t>
             </a:fld>
             <a:endParaRPr lang="en-US"/>
           </a:p>
@@ -12584,7 +12656,7 @@
           <a:p>
             <a:fld id="{8E8F5963-FAA9-4487-B71E-E4BC3FDAAF2B}" type="datetime1">
               <a:rPr lang="en-US" smtClean="0"/>
-              <a:t>2/14/2022</a:t>
+              <a:t>2/16/2022</a:t>
             </a:fld>
             <a:endParaRPr lang="en-US"/>
           </a:p>
@@ -12837,7 +12909,7 @@
           <a:p>
             <a:fld id="{1D0F72AD-7641-4BB8-B5AD-8FAA47D2BBDE}" type="datetime1">
               <a:rPr lang="en-US" smtClean="0"/>
-              <a:t>2/14/2022</a:t>
+              <a:t>2/16/2022</a:t>
             </a:fld>
             <a:endParaRPr lang="en-US"/>
           </a:p>
@@ -13050,7 +13122,7 @@
           <a:p>
             <a:fld id="{80BFBA64-9F39-42D3-A017-F783FFD1A247}" type="datetime1">
               <a:rPr lang="en-US" smtClean="0"/>
-              <a:t>2/14/2022</a:t>
+              <a:t>2/16/2022</a:t>
             </a:fld>
             <a:endParaRPr lang="en-US"/>
           </a:p>
@@ -13587,7 +13659,7 @@
             <p:ph idx="1"/>
             <p:extLst>
               <p:ext uri="{D42A27DB-BD31-4B8C-83A1-F6EECF244321}">
-                <p14:modId xmlns:p14="http://schemas.microsoft.com/office/powerpoint/2010/main" val="3074568133"/>
+                <p14:modId xmlns:p14="http://schemas.microsoft.com/office/powerpoint/2010/main" val="1433447394"/>
               </p:ext>
             </p:extLst>
           </p:nvPr>
@@ -13646,7 +13718,7 @@
                           <a:solidFill>
                             <a:schemeClr val="tx1"/>
                           </a:solidFill>
-                          <a:latin typeface="+mn-lt"/>
+                          <a:latin typeface="Candara" panose="020E0502030303020204" pitchFamily="34" charset="0"/>
                           <a:ea typeface="+mn-ea"/>
                           <a:cs typeface="+mn-cs"/>
                         </a:rPr>
@@ -13666,6 +13738,7 @@
                           <a:solidFill>
                             <a:schemeClr val="tx1"/>
                           </a:solidFill>
+                          <a:latin typeface="Candara" panose="020E0502030303020204" pitchFamily="34" charset="0"/>
                         </a:rPr>
                         <a:t>Review and contribute to test plans</a:t>
                       </a:r>
@@ -13673,6 +13746,7 @@
                         <a:solidFill>
                           <a:schemeClr val="tx1"/>
                         </a:solidFill>
+                        <a:latin typeface="Candara" panose="020E0502030303020204" pitchFamily="34" charset="0"/>
                       </a:endParaRPr>
                     </a:p>
                   </a:txBody>
@@ -13695,6 +13769,7 @@
                           <a:solidFill>
                             <a:schemeClr val="tx1"/>
                           </a:solidFill>
+                          <a:latin typeface="Candara" panose="020E0502030303020204" pitchFamily="34" charset="0"/>
                         </a:rPr>
                         <a:t>Requirements and</a:t>
                       </a:r>
@@ -13705,6 +13780,7 @@
                           <a:solidFill>
                             <a:schemeClr val="tx1"/>
                           </a:solidFill>
+                          <a:latin typeface="Candara" panose="020E0502030303020204" pitchFamily="34" charset="0"/>
                         </a:rPr>
                         <a:t>specifications</a:t>
                       </a:r>
@@ -13712,6 +13788,7 @@
                         <a:solidFill>
                           <a:schemeClr val="tx1"/>
                         </a:solidFill>
+                        <a:latin typeface="Candara" panose="020E0502030303020204" pitchFamily="34" charset="0"/>
                       </a:endParaRPr>
                     </a:p>
                   </a:txBody>
@@ -13727,7 +13804,7 @@
                           <a:solidFill>
                             <a:schemeClr val="tx1"/>
                           </a:solidFill>
-                          <a:latin typeface="+mn-lt"/>
+                          <a:latin typeface="Candara" panose="020E0502030303020204" pitchFamily="34" charset="0"/>
                           <a:ea typeface="+mn-ea"/>
                           <a:cs typeface="+mn-cs"/>
                         </a:rPr>
@@ -13754,6 +13831,7 @@
                           <a:solidFill>
                             <a:schemeClr val="tx1"/>
                           </a:solidFill>
+                          <a:latin typeface="Candara" panose="020E0502030303020204" pitchFamily="34" charset="0"/>
                         </a:rPr>
                         <a:t>Test specifications</a:t>
                       </a:r>
@@ -13761,6 +13839,7 @@
                         <a:solidFill>
                           <a:schemeClr val="tx1"/>
                         </a:solidFill>
+                        <a:latin typeface="Candara" panose="020E0502030303020204" pitchFamily="34" charset="0"/>
                       </a:endParaRPr>
                     </a:p>
                   </a:txBody>
@@ -13776,6 +13855,7 @@
                           <a:solidFill>
                             <a:schemeClr val="tx1"/>
                           </a:solidFill>
+                          <a:latin typeface="Candara" panose="020E0502030303020204" pitchFamily="34" charset="0"/>
                         </a:rPr>
                         <a:t>Create test specifications</a:t>
                       </a:r>
@@ -13783,6 +13863,7 @@
                         <a:solidFill>
                           <a:schemeClr val="tx1"/>
                         </a:solidFill>
+                        <a:latin typeface="Candara" panose="020E0502030303020204" pitchFamily="34" charset="0"/>
                       </a:endParaRPr>
                     </a:p>
                   </a:txBody>
@@ -13805,6 +13886,7 @@
                           <a:solidFill>
                             <a:schemeClr val="tx1"/>
                           </a:solidFill>
+                          <a:latin typeface="Candara" panose="020E0502030303020204" pitchFamily="34" charset="0"/>
                         </a:rPr>
                         <a:t>Test environment</a:t>
                       </a:r>
@@ -13812,6 +13894,7 @@
                         <a:solidFill>
                           <a:schemeClr val="tx1"/>
                         </a:solidFill>
+                        <a:latin typeface="Candara" panose="020E0502030303020204" pitchFamily="34" charset="0"/>
                       </a:endParaRPr>
                     </a:p>
                   </a:txBody>
@@ -13844,7 +13927,7 @@
                           <a:solidFill>
                             <a:schemeClr val="tx1"/>
                           </a:solidFill>
-                          <a:latin typeface="+mn-lt"/>
+                          <a:latin typeface="Candara" panose="020E0502030303020204" pitchFamily="34" charset="0"/>
                           <a:ea typeface="+mn-ea"/>
                           <a:cs typeface="+mn-cs"/>
                         </a:rPr>
@@ -13871,6 +13954,7 @@
                           <a:solidFill>
                             <a:schemeClr val="tx1"/>
                           </a:solidFill>
+                          <a:latin typeface="Candara" panose="020E0502030303020204" pitchFamily="34" charset="0"/>
                         </a:rPr>
                         <a:t>Test data</a:t>
                       </a:r>
@@ -13878,6 +13962,7 @@
                         <a:solidFill>
                           <a:schemeClr val="tx1"/>
                         </a:solidFill>
+                        <a:latin typeface="Candara" panose="020E0502030303020204" pitchFamily="34" charset="0"/>
                       </a:endParaRPr>
                     </a:p>
                   </a:txBody>
@@ -13893,6 +13978,7 @@
                           <a:solidFill>
                             <a:schemeClr val="tx1"/>
                           </a:solidFill>
+                          <a:latin typeface="Candara" panose="020E0502030303020204" pitchFamily="34" charset="0"/>
                         </a:rPr>
                         <a:t>Prepare and acquire test data</a:t>
                       </a:r>
@@ -13900,6 +13986,7 @@
                         <a:solidFill>
                           <a:schemeClr val="tx1"/>
                         </a:solidFill>
+                        <a:latin typeface="Candara" panose="020E0502030303020204" pitchFamily="34" charset="0"/>
                       </a:endParaRPr>
                     </a:p>
                   </a:txBody>
@@ -13922,6 +14009,7 @@
                           <a:solidFill>
                             <a:schemeClr val="tx1"/>
                           </a:solidFill>
+                          <a:latin typeface="Candara" panose="020E0502030303020204" pitchFamily="34" charset="0"/>
                         </a:rPr>
                         <a:t>Testing process</a:t>
                       </a:r>
@@ -13929,6 +14017,7 @@
                         <a:solidFill>
                           <a:schemeClr val="tx1"/>
                         </a:solidFill>
+                        <a:latin typeface="Candara" panose="020E0502030303020204" pitchFamily="34" charset="0"/>
                       </a:endParaRPr>
                     </a:p>
                   </a:txBody>
@@ -13948,6 +14037,7 @@
                           <a:solidFill>
                             <a:schemeClr val="tx1"/>
                           </a:solidFill>
+                          <a:latin typeface="Candara" panose="020E0502030303020204" pitchFamily="34" charset="0"/>
                         </a:rPr>
                         <a:t>Implement tests on all test levels,</a:t>
                       </a:r>
@@ -13962,6 +14052,7 @@
                           <a:solidFill>
                             <a:schemeClr val="tx1"/>
                           </a:solidFill>
+                          <a:latin typeface="Candara" panose="020E0502030303020204" pitchFamily="34" charset="0"/>
                         </a:rPr>
                         <a:t>execute and log the tests,</a:t>
                       </a:r>
@@ -13976,6 +14067,7 @@
                           <a:solidFill>
                             <a:schemeClr val="tx1"/>
                           </a:solidFill>
+                          <a:latin typeface="Candara" panose="020E0502030303020204" pitchFamily="34" charset="0"/>
                         </a:rPr>
                         <a:t>Evaluate the results </a:t>
                       </a:r>
@@ -13990,6 +14082,7 @@
                           <a:solidFill>
                             <a:schemeClr val="tx1"/>
                           </a:solidFill>
+                          <a:latin typeface="Candara" panose="020E0502030303020204" pitchFamily="34" charset="0"/>
                         </a:rPr>
                         <a:t>and document the deviations from expected results.</a:t>
                       </a:r>
@@ -13997,6 +14090,7 @@
                         <a:solidFill>
                           <a:schemeClr val="tx1"/>
                         </a:solidFill>
+                        <a:latin typeface="Candara" panose="020E0502030303020204" pitchFamily="34" charset="0"/>
                       </a:endParaRPr>
                     </a:p>
                   </a:txBody>
@@ -14019,6 +14113,7 @@
                           <a:solidFill>
                             <a:schemeClr val="tx1"/>
                           </a:solidFill>
+                          <a:latin typeface="Candara" panose="020E0502030303020204" pitchFamily="34" charset="0"/>
                         </a:rPr>
                         <a:t>Test tools</a:t>
                       </a:r>
@@ -14026,6 +14121,7 @@
                         <a:solidFill>
                           <a:schemeClr val="tx1"/>
                         </a:solidFill>
+                        <a:latin typeface="Candara" panose="020E0502030303020204" pitchFamily="34" charset="0"/>
                       </a:endParaRPr>
                     </a:p>
                   </a:txBody>
@@ -14041,6 +14137,7 @@
                           <a:solidFill>
                             <a:schemeClr val="tx1"/>
                           </a:solidFill>
+                          <a:latin typeface="Candara" panose="020E0502030303020204" pitchFamily="34" charset="0"/>
                         </a:rPr>
                         <a:t>Use test tools (for management or monitoring) as required</a:t>
                       </a:r>
@@ -14048,6 +14145,7 @@
                         <a:solidFill>
                           <a:schemeClr val="tx1"/>
                         </a:solidFill>
+                        <a:latin typeface="Candara" panose="020E0502030303020204" pitchFamily="34" charset="0"/>
                       </a:endParaRPr>
                     </a:p>
                   </a:txBody>
@@ -14070,6 +14168,7 @@
                           <a:solidFill>
                             <a:schemeClr val="tx1"/>
                           </a:solidFill>
+                          <a:latin typeface="Candara" panose="020E0502030303020204" pitchFamily="34" charset="0"/>
                         </a:rPr>
                         <a:t>Test automation</a:t>
                       </a:r>
@@ -14077,6 +14176,7 @@
                         <a:solidFill>
                           <a:schemeClr val="tx1"/>
                         </a:solidFill>
+                        <a:latin typeface="Candara" panose="020E0502030303020204" pitchFamily="34" charset="0"/>
                       </a:endParaRPr>
                     </a:p>
                   </a:txBody>
@@ -14092,6 +14192,7 @@
                           <a:solidFill>
                             <a:schemeClr val="tx1"/>
                           </a:solidFill>
+                          <a:latin typeface="Candara" panose="020E0502030303020204" pitchFamily="34" charset="0"/>
                         </a:rPr>
                         <a:t>Automate tests (may be supported by a developer or a test automation expert)</a:t>
                       </a:r>
@@ -14099,6 +14200,7 @@
                         <a:solidFill>
                           <a:schemeClr val="tx1"/>
                         </a:solidFill>
+                        <a:latin typeface="Candara" panose="020E0502030303020204" pitchFamily="34" charset="0"/>
                       </a:endParaRPr>
                     </a:p>
                   </a:txBody>
@@ -14121,6 +14223,7 @@
                           <a:solidFill>
                             <a:schemeClr val="tx1"/>
                           </a:solidFill>
+                          <a:latin typeface="Candara" panose="020E0502030303020204" pitchFamily="34" charset="0"/>
                         </a:rPr>
                         <a:t>Other metrics</a:t>
                       </a:r>
@@ -14128,6 +14231,7 @@
                         <a:solidFill>
                           <a:schemeClr val="tx1"/>
                         </a:solidFill>
+                        <a:latin typeface="Candara" panose="020E0502030303020204" pitchFamily="34" charset="0"/>
                       </a:endParaRPr>
                     </a:p>
                   </a:txBody>
@@ -14143,6 +14247,7 @@
                           <a:solidFill>
                             <a:schemeClr val="tx1"/>
                           </a:solidFill>
+                          <a:latin typeface="Candara" panose="020E0502030303020204" pitchFamily="34" charset="0"/>
                         </a:rPr>
                         <a:t>Measure performance of components and systems (if applicable)</a:t>
                       </a:r>
@@ -14150,6 +14255,7 @@
                         <a:solidFill>
                           <a:schemeClr val="tx1"/>
                         </a:solidFill>
+                        <a:latin typeface="Candara" panose="020E0502030303020204" pitchFamily="34" charset="0"/>
                       </a:endParaRPr>
                     </a:p>
                   </a:txBody>
@@ -14172,6 +14278,7 @@
                           <a:solidFill>
                             <a:schemeClr val="tx1"/>
                           </a:solidFill>
+                          <a:latin typeface="Candara" panose="020E0502030303020204" pitchFamily="34" charset="0"/>
                         </a:rPr>
                         <a:t>Help the others</a:t>
                       </a:r>
@@ -14179,6 +14286,7 @@
                         <a:solidFill>
                           <a:schemeClr val="tx1"/>
                         </a:solidFill>
+                        <a:latin typeface="Candara" panose="020E0502030303020204" pitchFamily="34" charset="0"/>
                       </a:endParaRPr>
                     </a:p>
                   </a:txBody>
@@ -14194,6 +14302,7 @@
                           <a:solidFill>
                             <a:schemeClr val="tx1"/>
                           </a:solidFill>
+                          <a:latin typeface="Candara" panose="020E0502030303020204" pitchFamily="34" charset="0"/>
                         </a:rPr>
                         <a:t>Review tests developed by others</a:t>
                       </a:r>
@@ -14201,6 +14310,7 @@
                         <a:solidFill>
                           <a:schemeClr val="tx1"/>
                         </a:solidFill>
+                        <a:latin typeface="Candara" panose="020E0502030303020204" pitchFamily="34" charset="0"/>
                       </a:endParaRPr>
                     </a:p>
                   </a:txBody>
@@ -15030,20 +15140,17 @@
         </p:nvSpPr>
         <p:spPr>
           <a:xfrm>
-            <a:off x="820947" y="2130726"/>
-            <a:ext cx="10807460" cy="4554746"/>
+            <a:off x="517585" y="2044462"/>
+            <a:ext cx="11093568" cy="4554746"/>
           </a:xfrm>
         </p:spPr>
         <p:txBody>
           <a:bodyPr>
-            <a:normAutofit fontScale="92500" lnSpcReduction="10000"/>
+            <a:noAutofit/>
           </a:bodyPr>
           <a:lstStyle/>
           <a:p>
             <a:endParaRPr lang="en-US" dirty="0" smtClean="0"/>
-          </a:p>
-          <a:p>
-            <a:endParaRPr lang="en-US" dirty="0"/>
           </a:p>
           <a:p>
             <a:endParaRPr lang="en-US" dirty="0" smtClean="0"/>
@@ -15071,14 +15178,18 @@
               <a:buNone/>
             </a:pPr>
             <a:r>
-              <a:rPr lang="en-US" sz="1700" i="1" dirty="0" smtClean="0"/>
-              <a:t>              Outlines </a:t>
-            </a:r>
-            <a:r>
-              <a:rPr lang="en-US" sz="1700" i="1" dirty="0"/>
+              <a:rPr lang="en-US" sz="1800" i="1" dirty="0" smtClean="0"/>
+              <a:t>          </a:t>
+            </a:r>
+            <a:r>
+              <a:rPr lang="en-US" sz="1800" i="1" dirty="0" smtClean="0"/>
+              <a:t>Outlines </a:t>
+            </a:r>
+            <a:r>
+              <a:rPr lang="en-US" sz="1800" i="1" dirty="0"/>
               <a:t>of test planning documents are covered by the ‘Standard for Software Test Documentation’ (IEEE 829).</a:t>
             </a:r>
-            <a:endParaRPr lang="en-US" sz="1300" dirty="0"/>
+            <a:endParaRPr lang="en-US" sz="1400" dirty="0"/>
           </a:p>
         </p:txBody>
       </p:sp>
@@ -15089,13 +15200,13 @@
           <p:nvPr>
             <p:extLst>
               <p:ext uri="{D42A27DB-BD31-4B8C-83A1-F6EECF244321}">
-                <p14:modId xmlns:p14="http://schemas.microsoft.com/office/powerpoint/2010/main" val="3898539756"/>
+                <p14:modId xmlns:p14="http://schemas.microsoft.com/office/powerpoint/2010/main" val="2036890501"/>
               </p:ext>
             </p:extLst>
           </p:nvPr>
         </p:nvGraphicFramePr>
         <p:xfrm>
-          <a:off x="3019552" y="1104181"/>
+          <a:off x="3019552" y="1035169"/>
           <a:ext cx="7703082" cy="5217032"/>
         </p:xfrm>
         <a:graphic>
@@ -15191,7 +15302,7 @@
             <p:ph idx="1"/>
             <p:extLst>
               <p:ext uri="{D42A27DB-BD31-4B8C-83A1-F6EECF244321}">
-                <p14:modId xmlns:p14="http://schemas.microsoft.com/office/powerpoint/2010/main" val="3301482659"/>
+                <p14:modId xmlns:p14="http://schemas.microsoft.com/office/powerpoint/2010/main" val="78782569"/>
               </p:ext>
             </p:extLst>
           </p:nvPr>
@@ -15250,7 +15361,7 @@
                           <a:solidFill>
                             <a:schemeClr val="tx1"/>
                           </a:solidFill>
-                          <a:latin typeface="+mn-lt"/>
+                          <a:latin typeface="Candara" panose="020E0502030303020204" pitchFamily="34" charset="0"/>
                           <a:ea typeface="+mn-ea"/>
                           <a:cs typeface="+mn-cs"/>
                         </a:rPr>
@@ -15271,7 +15382,7 @@
                           <a:solidFill>
                             <a:schemeClr val="tx1"/>
                           </a:solidFill>
-                          <a:latin typeface="+mn-lt"/>
+                          <a:latin typeface="Candara" panose="020E0502030303020204" pitchFamily="34" charset="0"/>
                           <a:ea typeface="+mn-ea"/>
                           <a:cs typeface="+mn-cs"/>
                         </a:rPr>
@@ -15281,7 +15392,7 @@
                         <a:solidFill>
                           <a:schemeClr val="tx1"/>
                         </a:solidFill>
-                        <a:latin typeface="+mn-lt"/>
+                        <a:latin typeface="Candara" panose="020E0502030303020204" pitchFamily="34" charset="0"/>
                         <a:ea typeface="+mn-ea"/>
                         <a:cs typeface="+mn-cs"/>
                       </a:endParaRPr>
@@ -15306,6 +15417,7 @@
                           <a:solidFill>
                             <a:schemeClr val="tx1"/>
                           </a:solidFill>
+                          <a:latin typeface="Candara" panose="020E0502030303020204" pitchFamily="34" charset="0"/>
                         </a:rPr>
                         <a:t>Objectives</a:t>
                       </a:r>
@@ -15313,6 +15425,7 @@
                         <a:solidFill>
                           <a:schemeClr val="tx1"/>
                         </a:solidFill>
+                        <a:latin typeface="Candara" panose="020E0502030303020204" pitchFamily="34" charset="0"/>
                       </a:endParaRPr>
                     </a:p>
                   </a:txBody>
@@ -15329,7 +15442,7 @@
                           <a:solidFill>
                             <a:schemeClr val="tx1"/>
                           </a:solidFill>
-                          <a:latin typeface="+mn-lt"/>
+                          <a:latin typeface="Candara" panose="020E0502030303020204" pitchFamily="34" charset="0"/>
                           <a:ea typeface="+mn-ea"/>
                           <a:cs typeface="+mn-cs"/>
                         </a:rPr>
@@ -15356,6 +15469,7 @@
                           <a:solidFill>
                             <a:schemeClr val="tx1"/>
                           </a:solidFill>
+                          <a:latin typeface="Candara" panose="020E0502030303020204" pitchFamily="34" charset="0"/>
                         </a:rPr>
                         <a:t>Overall approach</a:t>
                       </a:r>
@@ -15363,6 +15477,7 @@
                         <a:solidFill>
                           <a:schemeClr val="tx1"/>
                         </a:solidFill>
+                        <a:latin typeface="Candara" panose="020E0502030303020204" pitchFamily="34" charset="0"/>
                       </a:endParaRPr>
                     </a:p>
                   </a:txBody>
@@ -15378,6 +15493,7 @@
                           <a:solidFill>
                             <a:schemeClr val="tx1"/>
                           </a:solidFill>
+                          <a:latin typeface="Candara" panose="020E0502030303020204" pitchFamily="34" charset="0"/>
                         </a:rPr>
                         <a:t>Defining the overall approach of testing, including:</a:t>
                       </a:r>
@@ -15392,6 +15508,7 @@
                           <a:solidFill>
                             <a:schemeClr val="tx1"/>
                           </a:solidFill>
+                          <a:latin typeface="Candara" panose="020E0502030303020204" pitchFamily="34" charset="0"/>
                         </a:rPr>
                         <a:t>the definition of the test levels</a:t>
                       </a:r>
@@ -15406,6 +15523,7 @@
                           <a:solidFill>
                             <a:schemeClr val="tx1"/>
                           </a:solidFill>
+                          <a:latin typeface="Candara" panose="020E0502030303020204" pitchFamily="34" charset="0"/>
                         </a:rPr>
                         <a:t>entry and exit criteria</a:t>
                       </a:r>
@@ -15413,6 +15531,7 @@
                         <a:solidFill>
                           <a:schemeClr val="tx1"/>
                         </a:solidFill>
+                        <a:latin typeface="Candara" panose="020E0502030303020204" pitchFamily="34" charset="0"/>
                       </a:endParaRPr>
                     </a:p>
                   </a:txBody>
@@ -15435,6 +15554,7 @@
                           <a:solidFill>
                             <a:schemeClr val="tx1"/>
                           </a:solidFill>
+                          <a:latin typeface="Candara" panose="020E0502030303020204" pitchFamily="34" charset="0"/>
                         </a:rPr>
                         <a:t>Test activities</a:t>
                       </a:r>
@@ -15442,6 +15562,7 @@
                         <a:solidFill>
                           <a:schemeClr val="tx1"/>
                         </a:solidFill>
+                        <a:latin typeface="Candara" panose="020E0502030303020204" pitchFamily="34" charset="0"/>
                       </a:endParaRPr>
                     </a:p>
                   </a:txBody>
@@ -15474,7 +15595,7 @@
                           <a:solidFill>
                             <a:schemeClr val="tx1"/>
                           </a:solidFill>
-                          <a:latin typeface="+mn-lt"/>
+                          <a:latin typeface="Candara" panose="020E0502030303020204" pitchFamily="34" charset="0"/>
                           <a:ea typeface="+mn-ea"/>
                           <a:cs typeface="+mn-cs"/>
                         </a:rPr>
@@ -15504,7 +15625,7 @@
                           <a:solidFill>
                             <a:schemeClr val="tx1"/>
                           </a:solidFill>
-                          <a:latin typeface="+mn-lt"/>
+                          <a:latin typeface="Candara" panose="020E0502030303020204" pitchFamily="34" charset="0"/>
                           <a:ea typeface="+mn-ea"/>
                           <a:cs typeface="+mn-cs"/>
                         </a:rPr>
@@ -15534,7 +15655,7 @@
                           <a:solidFill>
                             <a:schemeClr val="tx1"/>
                           </a:solidFill>
-                          <a:latin typeface="+mn-lt"/>
+                          <a:latin typeface="Candara" panose="020E0502030303020204" pitchFamily="34" charset="0"/>
                           <a:ea typeface="+mn-ea"/>
                           <a:cs typeface="+mn-cs"/>
                         </a:rPr>
@@ -15564,7 +15685,7 @@
                           <a:solidFill>
                             <a:schemeClr val="tx1"/>
                           </a:solidFill>
-                          <a:latin typeface="+mn-lt"/>
+                          <a:latin typeface="Candara" panose="020E0502030303020204" pitchFamily="34" charset="0"/>
                           <a:ea typeface="+mn-ea"/>
                           <a:cs typeface="+mn-cs"/>
                         </a:rPr>
@@ -15594,7 +15715,7 @@
                           <a:solidFill>
                             <a:schemeClr val="tx1"/>
                           </a:solidFill>
-                          <a:latin typeface="+mn-lt"/>
+                          <a:latin typeface="Candara" panose="020E0502030303020204" pitchFamily="34" charset="0"/>
                           <a:ea typeface="+mn-ea"/>
                           <a:cs typeface="+mn-cs"/>
                         </a:rPr>
@@ -15621,6 +15742,7 @@
                           <a:solidFill>
                             <a:schemeClr val="tx1"/>
                           </a:solidFill>
+                          <a:latin typeface="Candara" panose="020E0502030303020204" pitchFamily="34" charset="0"/>
                         </a:rPr>
                         <a:t>Strategy</a:t>
                       </a:r>
@@ -15628,6 +15750,7 @@
                         <a:solidFill>
                           <a:schemeClr val="tx1"/>
                         </a:solidFill>
+                        <a:latin typeface="Candara" panose="020E0502030303020204" pitchFamily="34" charset="0"/>
                       </a:endParaRPr>
                     </a:p>
                   </a:txBody>
@@ -15643,6 +15766,7 @@
                           <a:solidFill>
                             <a:schemeClr val="tx1"/>
                           </a:solidFill>
+                          <a:latin typeface="Candara" panose="020E0502030303020204" pitchFamily="34" charset="0"/>
                         </a:rPr>
                         <a:t>Making decisions about:</a:t>
                       </a:r>
@@ -15657,6 +15781,7 @@
                           <a:solidFill>
                             <a:schemeClr val="tx1"/>
                           </a:solidFill>
+                          <a:latin typeface="Candara" panose="020E0502030303020204" pitchFamily="34" charset="0"/>
                         </a:rPr>
                         <a:t>what to test</a:t>
                       </a:r>
@@ -15671,6 +15796,7 @@
                           <a:solidFill>
                             <a:schemeClr val="tx1"/>
                           </a:solidFill>
+                          <a:latin typeface="Candara" panose="020E0502030303020204" pitchFamily="34" charset="0"/>
                         </a:rPr>
                         <a:t>what roles will perform the test activities</a:t>
                       </a:r>
@@ -15685,6 +15811,7 @@
                           <a:solidFill>
                             <a:schemeClr val="tx1"/>
                           </a:solidFill>
+                          <a:latin typeface="Candara" panose="020E0502030303020204" pitchFamily="34" charset="0"/>
                         </a:rPr>
                         <a:t>how the test activities should be done</a:t>
                       </a:r>
@@ -15699,6 +15826,7 @@
                           <a:solidFill>
                             <a:schemeClr val="tx1"/>
                           </a:solidFill>
+                          <a:latin typeface="Candara" panose="020E0502030303020204" pitchFamily="34" charset="0"/>
                         </a:rPr>
                         <a:t>and how the test results will be evaluated</a:t>
                       </a:r>
@@ -15706,6 +15834,7 @@
                         <a:solidFill>
                           <a:schemeClr val="tx1"/>
                         </a:solidFill>
+                        <a:latin typeface="Candara" panose="020E0502030303020204" pitchFamily="34" charset="0"/>
                       </a:endParaRPr>
                     </a:p>
                   </a:txBody>
@@ -15728,6 +15857,7 @@
                           <a:solidFill>
                             <a:schemeClr val="tx1"/>
                           </a:solidFill>
+                          <a:latin typeface="Candara" panose="020E0502030303020204" pitchFamily="34" charset="0"/>
                         </a:rPr>
                         <a:t>Schedule</a:t>
                       </a:r>
@@ -15735,6 +15865,7 @@
                         <a:solidFill>
                           <a:schemeClr val="tx1"/>
                         </a:solidFill>
+                        <a:latin typeface="Candara" panose="020E0502030303020204" pitchFamily="34" charset="0"/>
                       </a:endParaRPr>
                     </a:p>
                   </a:txBody>
@@ -15754,7 +15885,7 @@
                           <a:solidFill>
                             <a:schemeClr val="tx1"/>
                           </a:solidFill>
-                          <a:latin typeface="+mn-lt"/>
+                          <a:latin typeface="Candara" panose="020E0502030303020204" pitchFamily="34" charset="0"/>
                           <a:ea typeface="+mn-ea"/>
                           <a:cs typeface="+mn-cs"/>
                         </a:rPr>
@@ -15771,7 +15902,7 @@
                           <a:solidFill>
                             <a:schemeClr val="tx1"/>
                           </a:solidFill>
-                          <a:latin typeface="+mn-lt"/>
+                          <a:latin typeface="Candara" panose="020E0502030303020204" pitchFamily="34" charset="0"/>
                           <a:ea typeface="+mn-ea"/>
                           <a:cs typeface="+mn-cs"/>
                         </a:rPr>
@@ -15781,7 +15912,7 @@
                         <a:solidFill>
                           <a:schemeClr val="tx1"/>
                         </a:solidFill>
-                        <a:latin typeface="+mn-lt"/>
+                        <a:latin typeface="Candara" panose="020E0502030303020204" pitchFamily="34" charset="0"/>
                         <a:ea typeface="+mn-ea"/>
                         <a:cs typeface="+mn-cs"/>
                       </a:endParaRPr>
@@ -15806,6 +15937,7 @@
                           <a:solidFill>
                             <a:schemeClr val="tx1"/>
                           </a:solidFill>
+                          <a:latin typeface="Candara" panose="020E0502030303020204" pitchFamily="34" charset="0"/>
                         </a:rPr>
                         <a:t>Resources</a:t>
                       </a:r>
@@ -15813,6 +15945,7 @@
                         <a:solidFill>
                           <a:schemeClr val="tx1"/>
                         </a:solidFill>
+                        <a:latin typeface="Candara" panose="020E0502030303020204" pitchFamily="34" charset="0"/>
                       </a:endParaRPr>
                     </a:p>
                   </a:txBody>
@@ -15832,7 +15965,7 @@
                           <a:solidFill>
                             <a:schemeClr val="tx1"/>
                           </a:solidFill>
-                          <a:latin typeface="+mn-lt"/>
+                          <a:latin typeface="Candara" panose="020E0502030303020204" pitchFamily="34" charset="0"/>
                           <a:ea typeface="+mn-ea"/>
                           <a:cs typeface="+mn-cs"/>
                         </a:rPr>
@@ -15842,7 +15975,7 @@
                         <a:solidFill>
                           <a:schemeClr val="tx1"/>
                         </a:solidFill>
-                        <a:latin typeface="+mn-lt"/>
+                        <a:latin typeface="Candara" panose="020E0502030303020204" pitchFamily="34" charset="0"/>
                         <a:ea typeface="+mn-ea"/>
                         <a:cs typeface="+mn-cs"/>
                       </a:endParaRPr>
@@ -15867,6 +16000,7 @@
                           <a:solidFill>
                             <a:schemeClr val="tx1"/>
                           </a:solidFill>
+                          <a:latin typeface="Candara" panose="020E0502030303020204" pitchFamily="34" charset="0"/>
                         </a:rPr>
                         <a:t>Metrics</a:t>
                       </a:r>
@@ -15874,6 +16008,7 @@
                         <a:solidFill>
                           <a:schemeClr val="tx1"/>
                         </a:solidFill>
+                        <a:latin typeface="Candara" panose="020E0502030303020204" pitchFamily="34" charset="0"/>
                       </a:endParaRPr>
                     </a:p>
                   </a:txBody>
@@ -15893,7 +16028,7 @@
                           <a:solidFill>
                             <a:schemeClr val="tx1"/>
                           </a:solidFill>
-                          <a:latin typeface="+mn-lt"/>
+                          <a:latin typeface="Candara" panose="020E0502030303020204" pitchFamily="34" charset="0"/>
                           <a:ea typeface="+mn-ea"/>
                           <a:cs typeface="+mn-cs"/>
                         </a:rPr>
@@ -15910,7 +16045,7 @@
                           <a:solidFill>
                             <a:schemeClr val="tx1"/>
                           </a:solidFill>
-                          <a:latin typeface="+mn-lt"/>
+                          <a:latin typeface="Candara" panose="020E0502030303020204" pitchFamily="34" charset="0"/>
                           <a:ea typeface="+mn-ea"/>
                           <a:cs typeface="+mn-cs"/>
                         </a:rPr>
@@ -15920,7 +16055,7 @@
                         <a:solidFill>
                           <a:schemeClr val="tx1"/>
                         </a:solidFill>
-                        <a:latin typeface="+mn-lt"/>
+                        <a:latin typeface="Candara" panose="020E0502030303020204" pitchFamily="34" charset="0"/>
                         <a:ea typeface="+mn-ea"/>
                         <a:cs typeface="+mn-cs"/>
                       </a:endParaRPr>
@@ -16903,14 +17038,20 @@
           <a:p>
             <a:pPr algn="ctr"/>
             <a:r>
-              <a:rPr lang="en-US" sz="2800" dirty="0"/>
+              <a:rPr lang="en-US" sz="2800" dirty="0">
+                <a:latin typeface="Candara" panose="020E0502030303020204" pitchFamily="34" charset="0"/>
+              </a:rPr>
               <a:t>The </a:t>
             </a:r>
             <a:r>
-              <a:rPr lang="en-US" sz="2800" dirty="0" smtClean="0"/>
+              <a:rPr lang="en-US" sz="2800" dirty="0" smtClean="0">
+                <a:latin typeface="Candara" panose="020E0502030303020204" pitchFamily="34" charset="0"/>
+              </a:rPr>
               <a:t>metrics-based approach</a:t>
             </a:r>
-            <a:endParaRPr lang="en-US" sz="2800" dirty="0"/>
+            <a:endParaRPr lang="en-US" sz="2800" dirty="0">
+              <a:latin typeface="Candara" panose="020E0502030303020204" pitchFamily="34" charset="0"/>
+            </a:endParaRPr>
           </a:p>
         </p:txBody>
       </p:sp>
@@ -16950,10 +17091,14 @@
           <a:p>
             <a:pPr algn="ctr"/>
             <a:r>
-              <a:rPr lang="en-US" sz="2800" dirty="0" smtClean="0"/>
+              <a:rPr lang="en-US" sz="2800" dirty="0" smtClean="0">
+                <a:latin typeface="Candara" panose="020E0502030303020204" pitchFamily="34" charset="0"/>
+              </a:rPr>
               <a:t>The expert-based  approach</a:t>
             </a:r>
-            <a:endParaRPr lang="en-US" sz="2800" dirty="0"/>
+            <a:endParaRPr lang="en-US" sz="2800" dirty="0">
+              <a:latin typeface="Candara" panose="020E0502030303020204" pitchFamily="34" charset="0"/>
+            </a:endParaRPr>
           </a:p>
         </p:txBody>
       </p:sp>
@@ -16993,21 +17138,27 @@
           <a:p>
             <a:pPr algn="ctr"/>
             <a:r>
-              <a:rPr lang="en-US" sz="2000" dirty="0"/>
+              <a:rPr lang="en-US" sz="2000" dirty="0">
+                <a:latin typeface="Candara" panose="020E0502030303020204" pitchFamily="34" charset="0"/>
+              </a:rPr>
               <a:t>Estimating the testing effort based</a:t>
             </a:r>
           </a:p>
           <a:p>
             <a:pPr algn="ctr"/>
             <a:r>
-              <a:rPr lang="en-US" sz="2000" dirty="0"/>
+              <a:rPr lang="en-US" sz="2000" dirty="0">
+                <a:latin typeface="Candara" panose="020E0502030303020204" pitchFamily="34" charset="0"/>
+              </a:rPr>
               <a:t>on metrics of former or similar</a:t>
             </a:r>
           </a:p>
           <a:p>
             <a:pPr algn="ctr"/>
             <a:r>
-              <a:rPr lang="en-US" sz="2000" dirty="0"/>
+              <a:rPr lang="en-US" sz="2000" dirty="0">
+                <a:latin typeface="Candara" panose="020E0502030303020204" pitchFamily="34" charset="0"/>
+              </a:rPr>
               <a:t>projects or based on typical values</a:t>
             </a:r>
           </a:p>
@@ -17049,22 +17200,30 @@
           <a:p>
             <a:pPr algn="ctr"/>
             <a:r>
-              <a:rPr lang="en-US" sz="2000" dirty="0"/>
+              <a:rPr lang="en-US" sz="2000" dirty="0">
+                <a:latin typeface="Candara" panose="020E0502030303020204" pitchFamily="34" charset="0"/>
+              </a:rPr>
               <a:t>Estimating the tasks </a:t>
             </a:r>
             <a:r>
-              <a:rPr lang="en-US" sz="2000" dirty="0" smtClean="0"/>
+              <a:rPr lang="en-US" sz="2000" dirty="0" smtClean="0">
+                <a:latin typeface="Candara" panose="020E0502030303020204" pitchFamily="34" charset="0"/>
+              </a:rPr>
               <a:t>by the </a:t>
             </a:r>
             <a:r>
-              <a:rPr lang="en-US" sz="2000" dirty="0"/>
+              <a:rPr lang="en-US" sz="2000" dirty="0">
+                <a:latin typeface="Candara" panose="020E0502030303020204" pitchFamily="34" charset="0"/>
+              </a:rPr>
               <a:t>owner of</a:t>
             </a:r>
           </a:p>
           <a:p>
             <a:pPr algn="ctr"/>
             <a:r>
-              <a:rPr lang="en-US" sz="2000" dirty="0"/>
+              <a:rPr lang="en-US" sz="2000" dirty="0">
+                <a:latin typeface="Candara" panose="020E0502030303020204" pitchFamily="34" charset="0"/>
+              </a:rPr>
               <a:t>these tasks or by experts</a:t>
             </a:r>
           </a:p>
@@ -17641,12 +17800,16 @@
             <a:graphicFrameLocks noGrp="1"/>
           </p:cNvGraphicFramePr>
           <p:nvPr>
-            <p:extLst/>
+            <p:extLst>
+              <p:ext uri="{D42A27DB-BD31-4B8C-83A1-F6EECF244321}">
+                <p14:modId xmlns:p14="http://schemas.microsoft.com/office/powerpoint/2010/main" val="1191950956"/>
+              </p:ext>
+            </p:extLst>
           </p:nvPr>
         </p:nvGraphicFramePr>
         <p:xfrm>
-          <a:off x="1252728" y="2658194"/>
-          <a:ext cx="9189720" cy="3291840"/>
+          <a:off x="1017917" y="2546051"/>
+          <a:ext cx="9980761" cy="3291840"/>
         </p:xfrm>
         <a:graphic>
           <a:graphicData uri="http://schemas.openxmlformats.org/drawingml/2006/table">
@@ -17655,14 +17818,14 @@
                 <a:tableStyleId>{BC89EF96-8CEA-46FF-86C4-4CE0E7609802}</a:tableStyleId>
               </a:tblPr>
               <a:tblGrid>
-                <a:gridCol w="2851111">
+                <a:gridCol w="2872596">
                   <a:extLst>
                     <a:ext uri="{9D8B030D-6E8A-4147-A177-3AD203B41FA5}">
                       <a16:colId xmlns:a16="http://schemas.microsoft.com/office/drawing/2014/main" val="1062333029"/>
                     </a:ext>
                   </a:extLst>
                 </a:gridCol>
-                <a:gridCol w="6338609">
+                <a:gridCol w="7108165">
                   <a:extLst>
                     <a:ext uri="{9D8B030D-6E8A-4147-A177-3AD203B41FA5}">
                       <a16:colId xmlns:a16="http://schemas.microsoft.com/office/drawing/2014/main" val="152196366"/>
@@ -17677,10 +17840,14 @@
                     <a:lstStyle/>
                     <a:p>
                       <a:r>
-                        <a:rPr lang="en-US" b="0" dirty="0" smtClean="0"/>
+                        <a:rPr lang="en-US" b="0" dirty="0" smtClean="0">
+                          <a:latin typeface="Candara" panose="020E0502030303020204" pitchFamily="34" charset="0"/>
+                        </a:rPr>
                         <a:t>Product factors</a:t>
                       </a:r>
-                      <a:endParaRPr lang="en-US" b="0" dirty="0"/>
+                      <a:endParaRPr lang="en-US" b="0" dirty="0">
+                        <a:latin typeface="Candara" panose="020E0502030303020204" pitchFamily="34" charset="0"/>
+                      </a:endParaRPr>
                     </a:p>
                   </a:txBody>
                   <a:tcPr/>
@@ -17695,7 +17862,9 @@
                         <a:buChar char="•"/>
                       </a:pPr>
                       <a:r>
-                        <a:rPr lang="en-US" b="0" dirty="0" smtClean="0"/>
+                        <a:rPr lang="en-US" b="0" dirty="0" smtClean="0">
+                          <a:latin typeface="Candara" panose="020E0502030303020204" pitchFamily="34" charset="0"/>
+                        </a:rPr>
                         <a:t>the quality of the specification (the test basis)</a:t>
                       </a:r>
                     </a:p>
@@ -17705,7 +17874,9 @@
                         <a:buChar char="•"/>
                       </a:pPr>
                       <a:r>
-                        <a:rPr lang="en-US" b="0" dirty="0" smtClean="0"/>
+                        <a:rPr lang="en-US" b="0" dirty="0" smtClean="0">
+                          <a:latin typeface="Candara" panose="020E0502030303020204" pitchFamily="34" charset="0"/>
+                        </a:rPr>
                         <a:t>the size of the product</a:t>
                       </a:r>
                     </a:p>
@@ -17715,7 +17886,9 @@
                         <a:buChar char="•"/>
                       </a:pPr>
                       <a:r>
-                        <a:rPr lang="en-US" b="0" dirty="0" smtClean="0"/>
+                        <a:rPr lang="en-US" b="0" dirty="0" smtClean="0">
+                          <a:latin typeface="Candara" panose="020E0502030303020204" pitchFamily="34" charset="0"/>
+                        </a:rPr>
                         <a:t>the complexity of the problem domain</a:t>
                       </a:r>
                     </a:p>
@@ -17725,10 +17898,14 @@
                         <a:buChar char="•"/>
                       </a:pPr>
                       <a:r>
-                        <a:rPr lang="en-US" b="0" dirty="0" smtClean="0"/>
+                        <a:rPr lang="en-US" b="0" dirty="0" smtClean="0">
+                          <a:latin typeface="Candara" panose="020E0502030303020204" pitchFamily="34" charset="0"/>
+                        </a:rPr>
                         <a:t>the importance of non functional quality e.g. usability, performance, security etc.</a:t>
                       </a:r>
-                      <a:endParaRPr lang="en-US" b="0" dirty="0"/>
+                      <a:endParaRPr lang="en-US" b="0" dirty="0">
+                        <a:latin typeface="Candara" panose="020E0502030303020204" pitchFamily="34" charset="0"/>
+                      </a:endParaRPr>
                     </a:p>
                   </a:txBody>
                   <a:tcPr/>
@@ -17746,10 +17923,14 @@
                     <a:lstStyle/>
                     <a:p>
                       <a:r>
-                        <a:rPr lang="en-US" b="0" dirty="0" smtClean="0"/>
+                        <a:rPr lang="en-US" b="0" dirty="0" smtClean="0">
+                          <a:latin typeface="Candara" panose="020E0502030303020204" pitchFamily="34" charset="0"/>
+                        </a:rPr>
                         <a:t>Process factors</a:t>
                       </a:r>
-                      <a:endParaRPr lang="en-US" b="0" dirty="0"/>
+                      <a:endParaRPr lang="en-US" b="0" dirty="0">
+                        <a:latin typeface="Candara" panose="020E0502030303020204" pitchFamily="34" charset="0"/>
+                      </a:endParaRPr>
                     </a:p>
                   </a:txBody>
                   <a:tcPr/>
@@ -17764,7 +17945,9 @@
                         <a:buChar char="•"/>
                       </a:pPr>
                       <a:r>
-                        <a:rPr lang="en-US" b="0" dirty="0" smtClean="0"/>
+                        <a:rPr lang="en-US" b="0" dirty="0" smtClean="0">
+                          <a:latin typeface="Candara" panose="020E0502030303020204" pitchFamily="34" charset="0"/>
+                        </a:rPr>
                         <a:t>the development model</a:t>
                       </a:r>
                     </a:p>
@@ -17774,7 +17957,9 @@
                         <a:buChar char="•"/>
                       </a:pPr>
                       <a:r>
-                        <a:rPr lang="en-US" b="0" dirty="0" smtClean="0"/>
+                        <a:rPr lang="en-US" b="0" dirty="0" smtClean="0">
+                          <a:latin typeface="Candara" panose="020E0502030303020204" pitchFamily="34" charset="0"/>
+                        </a:rPr>
                         <a:t>availability of test tools e.g. test executing tools)</a:t>
                       </a:r>
                     </a:p>
@@ -17784,7 +17969,9 @@
                         <a:buChar char="•"/>
                       </a:pPr>
                       <a:r>
-                        <a:rPr lang="en-US" b="0" dirty="0" smtClean="0"/>
+                        <a:rPr lang="en-US" b="0" dirty="0" smtClean="0">
+                          <a:latin typeface="Candara" panose="020E0502030303020204" pitchFamily="34" charset="0"/>
+                        </a:rPr>
                         <a:t>skills of the people involved</a:t>
                       </a:r>
                     </a:p>
@@ -17794,10 +17981,14 @@
                         <a:buChar char="•"/>
                       </a:pPr>
                       <a:r>
-                        <a:rPr lang="en-US" b="0" dirty="0" smtClean="0"/>
+                        <a:rPr lang="en-US" b="0" dirty="0" smtClean="0">
+                          <a:latin typeface="Candara" panose="020E0502030303020204" pitchFamily="34" charset="0"/>
+                        </a:rPr>
                         <a:t>time pressure</a:t>
                       </a:r>
-                      <a:endParaRPr lang="en-US" b="0" dirty="0"/>
+                      <a:endParaRPr lang="en-US" b="0" dirty="0">
+                        <a:latin typeface="Candara" panose="020E0502030303020204" pitchFamily="34" charset="0"/>
+                      </a:endParaRPr>
                     </a:p>
                   </a:txBody>
                   <a:tcPr/>
@@ -17815,10 +18006,14 @@
                     <a:lstStyle/>
                     <a:p>
                       <a:r>
-                        <a:rPr lang="en-US" b="0" dirty="0" smtClean="0"/>
+                        <a:rPr lang="en-US" b="0" dirty="0" smtClean="0">
+                          <a:latin typeface="Candara" panose="020E0502030303020204" pitchFamily="34" charset="0"/>
+                        </a:rPr>
                         <a:t>The outcome of testing</a:t>
                       </a:r>
-                      <a:endParaRPr lang="en-US" b="0" dirty="0"/>
+                      <a:endParaRPr lang="en-US" b="0" dirty="0">
+                        <a:latin typeface="Candara" panose="020E0502030303020204" pitchFamily="34" charset="0"/>
+                      </a:endParaRPr>
                     </a:p>
                   </a:txBody>
                   <a:tcPr/>
@@ -17833,7 +18028,9 @@
                         <a:buChar char="•"/>
                       </a:pPr>
                       <a:r>
-                        <a:rPr lang="en-US" b="0" dirty="0" smtClean="0"/>
+                        <a:rPr lang="en-US" b="0" dirty="0" smtClean="0">
+                          <a:latin typeface="Candara" panose="020E0502030303020204" pitchFamily="34" charset="0"/>
+                        </a:rPr>
                         <a:t>the number of defects</a:t>
                       </a:r>
                     </a:p>
@@ -17843,10 +18040,14 @@
                         <a:buChar char="•"/>
                       </a:pPr>
                       <a:r>
-                        <a:rPr lang="en-US" b="0" dirty="0" smtClean="0"/>
+                        <a:rPr lang="en-US" b="0" dirty="0" smtClean="0">
+                          <a:latin typeface="Candara" panose="020E0502030303020204" pitchFamily="34" charset="0"/>
+                        </a:rPr>
                         <a:t>the amount of rework required</a:t>
                       </a:r>
-                      <a:endParaRPr lang="en-US" b="0" dirty="0"/>
+                      <a:endParaRPr lang="en-US" b="0" dirty="0">
+                        <a:latin typeface="Candara" panose="020E0502030303020204" pitchFamily="34" charset="0"/>
+                      </a:endParaRPr>
                     </a:p>
                   </a:txBody>
                   <a:tcPr/>
@@ -18013,7 +18214,7 @@
         </p:nvSpPr>
         <p:spPr>
           <a:xfrm>
-            <a:off x="1344168" y="4894421"/>
+            <a:off x="1344168" y="4756398"/>
             <a:ext cx="4261104" cy="1115568"/>
           </a:xfrm>
           <a:prstGeom prst="roundRect">
@@ -18041,30 +18242,44 @@
           <a:p>
             <a:pPr algn="ctr"/>
             <a:r>
-              <a:rPr lang="en-US" sz="2000" dirty="0"/>
+              <a:rPr lang="en-US" sz="2000" dirty="0">
+                <a:latin typeface="Candara" panose="020E0502030303020204" pitchFamily="34" charset="0"/>
+              </a:rPr>
               <a:t>Preventative </a:t>
             </a:r>
             <a:r>
-              <a:rPr lang="en-US" sz="2000" dirty="0" smtClean="0"/>
+              <a:rPr lang="en-US" sz="2000" dirty="0" smtClean="0">
+                <a:latin typeface="Candara" panose="020E0502030303020204" pitchFamily="34" charset="0"/>
+              </a:rPr>
               <a:t>approaches: Tests </a:t>
             </a:r>
             <a:r>
-              <a:rPr lang="en-US" sz="2000" dirty="0"/>
+              <a:rPr lang="en-US" sz="2000" dirty="0">
+                <a:latin typeface="Candara" panose="020E0502030303020204" pitchFamily="34" charset="0"/>
+              </a:rPr>
               <a:t>are </a:t>
             </a:r>
             <a:r>
-              <a:rPr lang="en-US" sz="2000" dirty="0" smtClean="0"/>
+              <a:rPr lang="en-US" sz="2000" dirty="0" smtClean="0">
+                <a:latin typeface="Candara" panose="020E0502030303020204" pitchFamily="34" charset="0"/>
+              </a:rPr>
               <a:t>designed as </a:t>
             </a:r>
             <a:r>
-              <a:rPr lang="en-US" sz="2000" dirty="0"/>
+              <a:rPr lang="en-US" sz="2000" dirty="0">
+                <a:latin typeface="Candara" panose="020E0502030303020204" pitchFamily="34" charset="0"/>
+              </a:rPr>
               <a:t>early </a:t>
             </a:r>
             <a:r>
-              <a:rPr lang="en-US" sz="2000" dirty="0" smtClean="0"/>
+              <a:rPr lang="en-US" sz="2000" dirty="0" smtClean="0">
+                <a:latin typeface="Candara" panose="020E0502030303020204" pitchFamily="34" charset="0"/>
+              </a:rPr>
               <a:t>as possible</a:t>
             </a:r>
-            <a:endParaRPr lang="en-US" sz="2000" dirty="0"/>
+            <a:endParaRPr lang="en-US" sz="2000" dirty="0">
+              <a:latin typeface="Candara" panose="020E0502030303020204" pitchFamily="34" charset="0"/>
+            </a:endParaRPr>
           </a:p>
         </p:txBody>
       </p:sp>
@@ -18076,7 +18291,7 @@
         </p:nvSpPr>
         <p:spPr>
           <a:xfrm>
-            <a:off x="6339840" y="4894421"/>
+            <a:off x="6339840" y="4756398"/>
             <a:ext cx="4261104" cy="1115568"/>
           </a:xfrm>
           <a:prstGeom prst="roundRect">
@@ -18104,30 +18319,44 @@
           <a:p>
             <a:pPr algn="ctr"/>
             <a:r>
-              <a:rPr lang="en-US" sz="2000" dirty="0"/>
+              <a:rPr lang="en-US" sz="2000" dirty="0">
+                <a:latin typeface="Candara" panose="020E0502030303020204" pitchFamily="34" charset="0"/>
+              </a:rPr>
               <a:t>Reactive </a:t>
             </a:r>
             <a:r>
-              <a:rPr lang="en-US" sz="2000" dirty="0" smtClean="0"/>
+              <a:rPr lang="en-US" sz="2000" dirty="0" smtClean="0">
+                <a:latin typeface="Candara" panose="020E0502030303020204" pitchFamily="34" charset="0"/>
+              </a:rPr>
               <a:t>approaches: Test </a:t>
             </a:r>
             <a:r>
-              <a:rPr lang="en-US" sz="2000" dirty="0"/>
+              <a:rPr lang="en-US" sz="2000" dirty="0">
+                <a:latin typeface="Candara" panose="020E0502030303020204" pitchFamily="34" charset="0"/>
+              </a:rPr>
               <a:t>design </a:t>
             </a:r>
             <a:r>
-              <a:rPr lang="en-US" sz="2000" dirty="0" smtClean="0"/>
+              <a:rPr lang="en-US" sz="2000" dirty="0" smtClean="0">
+                <a:latin typeface="Candara" panose="020E0502030303020204" pitchFamily="34" charset="0"/>
+              </a:rPr>
               <a:t>comes after the software </a:t>
             </a:r>
             <a:r>
-              <a:rPr lang="en-US" sz="2000" dirty="0"/>
+              <a:rPr lang="en-US" sz="2000" dirty="0">
+                <a:latin typeface="Candara" panose="020E0502030303020204" pitchFamily="34" charset="0"/>
+              </a:rPr>
               <a:t>or system has </a:t>
             </a:r>
             <a:r>
-              <a:rPr lang="en-US" sz="2000" dirty="0" smtClean="0"/>
+              <a:rPr lang="en-US" sz="2000" dirty="0" smtClean="0">
+                <a:latin typeface="Candara" panose="020E0502030303020204" pitchFamily="34" charset="0"/>
+              </a:rPr>
               <a:t>been produced</a:t>
             </a:r>
-            <a:endParaRPr lang="en-US" sz="2000" dirty="0"/>
+            <a:endParaRPr lang="en-US" sz="2000" dirty="0">
+              <a:latin typeface="Candara" panose="020E0502030303020204" pitchFamily="34" charset="0"/>
+            </a:endParaRPr>
           </a:p>
         </p:txBody>
       </p:sp>
@@ -18214,12 +18443,16 @@
             <a:graphicFrameLocks noGrp="1"/>
           </p:cNvGraphicFramePr>
           <p:nvPr>
-            <p:extLst/>
+            <p:extLst>
+              <p:ext uri="{D42A27DB-BD31-4B8C-83A1-F6EECF244321}">
+                <p14:modId xmlns:p14="http://schemas.microsoft.com/office/powerpoint/2010/main" val="3273166532"/>
+              </p:ext>
+            </p:extLst>
           </p:nvPr>
         </p:nvGraphicFramePr>
         <p:xfrm>
-          <a:off x="838200" y="1825625"/>
-          <a:ext cx="10515600" cy="3942080"/>
+          <a:off x="672860" y="1604515"/>
+          <a:ext cx="10680940" cy="4539848"/>
         </p:xfrm>
         <a:graphic>
           <a:graphicData uri="http://schemas.openxmlformats.org/drawingml/2006/table">
@@ -18228,14 +18461,14 @@
                 <a:tableStyleId>{BC89EF96-8CEA-46FF-86C4-4CE0E7609802}</a:tableStyleId>
               </a:tblPr>
               <a:tblGrid>
-                <a:gridCol w="3377184">
+                <a:gridCol w="3269412">
                   <a:extLst>
                     <a:ext uri="{9D8B030D-6E8A-4147-A177-3AD203B41FA5}">
                       <a16:colId xmlns:a16="http://schemas.microsoft.com/office/drawing/2014/main" val="1062333029"/>
                     </a:ext>
                   </a:extLst>
                 </a:gridCol>
-                <a:gridCol w="7138416">
+                <a:gridCol w="7411528">
                   <a:extLst>
                     <a:ext uri="{9D8B030D-6E8A-4147-A177-3AD203B41FA5}">
                       <a16:colId xmlns:a16="http://schemas.microsoft.com/office/drawing/2014/main" val="152196366"/>
@@ -18243,17 +18476,21 @@
                   </a:extLst>
                 </a:gridCol>
               </a:tblGrid>
-              <a:tr h="370840">
+              <a:tr h="649960">
                 <a:tc>
                   <a:txBody>
                     <a:bodyPr/>
                     <a:lstStyle/>
                     <a:p>
                       <a:r>
-                        <a:rPr lang="en-US" b="0" dirty="0" smtClean="0"/>
+                        <a:rPr lang="en-US" b="0" dirty="0" smtClean="0">
+                          <a:latin typeface="Candara" panose="020E0502030303020204" pitchFamily="34" charset="0"/>
+                        </a:rPr>
                         <a:t>Analytical approaches</a:t>
                       </a:r>
-                      <a:endParaRPr lang="en-US" b="0" dirty="0"/>
+                      <a:endParaRPr lang="en-US" b="0" dirty="0">
+                        <a:latin typeface="Candara" panose="020E0502030303020204" pitchFamily="34" charset="0"/>
+                      </a:endParaRPr>
                     </a:p>
                   </a:txBody>
                   <a:tcPr/>
@@ -18268,10 +18505,14 @@
                         <a:buNone/>
                       </a:pPr>
                       <a:r>
-                        <a:rPr lang="en-US" b="0" dirty="0" smtClean="0"/>
+                        <a:rPr lang="en-US" b="0" dirty="0" smtClean="0">
+                          <a:latin typeface="Candara" panose="020E0502030303020204" pitchFamily="34" charset="0"/>
+                        </a:rPr>
                         <a:t>e.g. risk-based testing -testing is directed to areas of greatest risk, requirement based testing</a:t>
                       </a:r>
-                      <a:endParaRPr lang="en-US" b="0" dirty="0"/>
+                      <a:endParaRPr lang="en-US" b="0" dirty="0">
+                        <a:latin typeface="Candara" panose="020E0502030303020204" pitchFamily="34" charset="0"/>
+                      </a:endParaRPr>
                     </a:p>
                   </a:txBody>
                   <a:tcPr/>
@@ -18282,17 +18523,21 @@
                   </a:ext>
                 </a:extLst>
               </a:tr>
-              <a:tr h="370840">
+              <a:tr h="649960">
                 <a:tc>
                   <a:txBody>
                     <a:bodyPr/>
                     <a:lstStyle/>
                     <a:p>
                       <a:r>
-                        <a:rPr lang="en-US" b="0" dirty="0" smtClean="0"/>
+                        <a:rPr lang="en-US" b="0" dirty="0" smtClean="0">
+                          <a:latin typeface="Candara" panose="020E0502030303020204" pitchFamily="34" charset="0"/>
+                        </a:rPr>
                         <a:t>Model based approaches</a:t>
                       </a:r>
-                      <a:endParaRPr lang="en-US" b="0" dirty="0"/>
+                      <a:endParaRPr lang="en-US" b="0" dirty="0">
+                        <a:latin typeface="Candara" panose="020E0502030303020204" pitchFamily="34" charset="0"/>
+                      </a:endParaRPr>
                     </a:p>
                   </a:txBody>
                   <a:tcPr/>
@@ -18307,7 +18552,9 @@
                         <a:buNone/>
                       </a:pPr>
                       <a:r>
-                        <a:rPr lang="en-US" b="0" dirty="0" smtClean="0"/>
+                        <a:rPr lang="en-US" b="0" dirty="0" smtClean="0">
+                          <a:latin typeface="Candara" panose="020E0502030303020204" pitchFamily="34" charset="0"/>
+                        </a:rPr>
                         <a:t>e.g. testing using statistical information about failure rates (such as</a:t>
                       </a:r>
                     </a:p>
@@ -18317,10 +18564,14 @@
                         <a:buNone/>
                       </a:pPr>
                       <a:r>
-                        <a:rPr lang="en-US" b="0" dirty="0" smtClean="0"/>
+                        <a:rPr lang="en-US" b="0" dirty="0" smtClean="0">
+                          <a:latin typeface="Candara" panose="020E0502030303020204" pitchFamily="34" charset="0"/>
+                        </a:rPr>
                         <a:t>reliability growth models)</a:t>
                       </a:r>
-                      <a:endParaRPr lang="en-US" b="0" dirty="0"/>
+                      <a:endParaRPr lang="en-US" b="0" dirty="0">
+                        <a:latin typeface="Candara" panose="020E0502030303020204" pitchFamily="34" charset="0"/>
+                      </a:endParaRPr>
                     </a:p>
                   </a:txBody>
                   <a:tcPr/>
@@ -18331,17 +18582,21 @@
                   </a:ext>
                 </a:extLst>
               </a:tr>
-              <a:tr h="370840">
+              <a:tr h="649960">
                 <a:tc>
                   <a:txBody>
                     <a:bodyPr/>
                     <a:lstStyle/>
                     <a:p>
                       <a:r>
-                        <a:rPr lang="en-US" b="0" dirty="0" smtClean="0"/>
+                        <a:rPr lang="en-US" b="0" dirty="0" smtClean="0">
+                          <a:latin typeface="Candara" panose="020E0502030303020204" pitchFamily="34" charset="0"/>
+                        </a:rPr>
                         <a:t>Methodical approaches</a:t>
                       </a:r>
-                      <a:endParaRPr lang="en-US" b="0" dirty="0"/>
+                      <a:endParaRPr lang="en-US" b="0" dirty="0">
+                        <a:latin typeface="Candara" panose="020E0502030303020204" pitchFamily="34" charset="0"/>
+                      </a:endParaRPr>
                     </a:p>
                   </a:txBody>
                   <a:tcPr/>
@@ -18356,7 +18611,9 @@
                         <a:buNone/>
                       </a:pPr>
                       <a:r>
-                        <a:rPr lang="en-US" b="0" dirty="0" smtClean="0"/>
+                        <a:rPr lang="en-US" b="0" dirty="0" smtClean="0">
+                          <a:latin typeface="Candara" panose="020E0502030303020204" pitchFamily="34" charset="0"/>
+                        </a:rPr>
                         <a:t>e.g. failure based (including error guessing and fault attacks),</a:t>
                       </a:r>
                     </a:p>
@@ -18366,10 +18623,14 @@
                         <a:buNone/>
                       </a:pPr>
                       <a:r>
-                        <a:rPr lang="en-US" b="0" dirty="0" smtClean="0"/>
+                        <a:rPr lang="en-US" b="0" dirty="0" smtClean="0">
+                          <a:latin typeface="Candara" panose="020E0502030303020204" pitchFamily="34" charset="0"/>
+                        </a:rPr>
                         <a:t>experienced based, check list based, and quality characteristic based</a:t>
                       </a:r>
-                      <a:endParaRPr lang="en-US" b="0" dirty="0"/>
+                      <a:endParaRPr lang="en-US" b="0" dirty="0">
+                        <a:latin typeface="Candara" panose="020E0502030303020204" pitchFamily="34" charset="0"/>
+                      </a:endParaRPr>
                     </a:p>
                   </a:txBody>
                   <a:tcPr/>
@@ -18380,17 +18641,21 @@
                   </a:ext>
                 </a:extLst>
               </a:tr>
-              <a:tr h="370840">
+              <a:tr h="649960">
                 <a:tc>
                   <a:txBody>
                     <a:bodyPr/>
                     <a:lstStyle/>
                     <a:p>
                       <a:r>
-                        <a:rPr lang="en-US" b="0" dirty="0" smtClean="0"/>
+                        <a:rPr lang="en-US" b="0" dirty="0" smtClean="0">
+                          <a:latin typeface="Candara" panose="020E0502030303020204" pitchFamily="34" charset="0"/>
+                        </a:rPr>
                         <a:t>Process/standard compliant approaches</a:t>
                       </a:r>
-                      <a:endParaRPr lang="en-US" b="0" dirty="0"/>
+                      <a:endParaRPr lang="en-US" b="0" dirty="0">
+                        <a:latin typeface="Candara" panose="020E0502030303020204" pitchFamily="34" charset="0"/>
+                      </a:endParaRPr>
                     </a:p>
                   </a:txBody>
                   <a:tcPr/>
@@ -18405,7 +18670,9 @@
                         <a:buNone/>
                       </a:pPr>
                       <a:r>
-                        <a:rPr lang="en-US" b="0" dirty="0" smtClean="0"/>
+                        <a:rPr lang="en-US" b="0" dirty="0" smtClean="0">
+                          <a:latin typeface="Candara" panose="020E0502030303020204" pitchFamily="34" charset="0"/>
+                        </a:rPr>
                         <a:t>e.g. specified by industry specific standards or the various agile</a:t>
                       </a:r>
                     </a:p>
@@ -18415,10 +18682,14 @@
                         <a:buNone/>
                       </a:pPr>
                       <a:r>
-                        <a:rPr lang="en-US" b="0" dirty="0" smtClean="0"/>
+                        <a:rPr lang="en-US" b="0" dirty="0" smtClean="0">
+                          <a:latin typeface="Candara" panose="020E0502030303020204" pitchFamily="34" charset="0"/>
+                        </a:rPr>
                         <a:t>methodologies</a:t>
                       </a:r>
-                      <a:endParaRPr lang="en-US" b="0" dirty="0"/>
+                      <a:endParaRPr lang="en-US" b="0" dirty="0">
+                        <a:latin typeface="Candara" panose="020E0502030303020204" pitchFamily="34" charset="0"/>
+                      </a:endParaRPr>
                     </a:p>
                   </a:txBody>
                   <a:tcPr/>
@@ -18429,17 +18700,21 @@
                   </a:ext>
                 </a:extLst>
               </a:tr>
-              <a:tr h="370840">
+              <a:tr h="649960">
                 <a:tc>
                   <a:txBody>
                     <a:bodyPr/>
                     <a:lstStyle/>
                     <a:p>
                       <a:r>
-                        <a:rPr lang="en-US" b="0" dirty="0" smtClean="0"/>
+                        <a:rPr lang="en-US" b="0" dirty="0" smtClean="0">
+                          <a:latin typeface="Candara" panose="020E0502030303020204" pitchFamily="34" charset="0"/>
+                        </a:rPr>
                         <a:t>Dynamic and heuristic approaches</a:t>
                       </a:r>
-                      <a:endParaRPr lang="en-US" b="0" dirty="0"/>
+                      <a:endParaRPr lang="en-US" b="0" dirty="0">
+                        <a:latin typeface="Candara" panose="020E0502030303020204" pitchFamily="34" charset="0"/>
+                      </a:endParaRPr>
                     </a:p>
                   </a:txBody>
                   <a:tcPr/>
@@ -18454,10 +18729,14 @@
                         <a:buNone/>
                       </a:pPr>
                       <a:r>
-                        <a:rPr lang="en-US" b="0" dirty="0" smtClean="0"/>
+                        <a:rPr lang="en-US" b="0" dirty="0" smtClean="0">
+                          <a:latin typeface="Candara" panose="020E0502030303020204" pitchFamily="34" charset="0"/>
+                        </a:rPr>
                         <a:t>e.g. exploratory testing, execution &amp; evaluation are concurrent tasks.</a:t>
                       </a:r>
-                      <a:endParaRPr lang="en-US" b="0" dirty="0"/>
+                      <a:endParaRPr lang="en-US" b="0" dirty="0">
+                        <a:latin typeface="Candara" panose="020E0502030303020204" pitchFamily="34" charset="0"/>
+                      </a:endParaRPr>
                     </a:p>
                   </a:txBody>
                   <a:tcPr/>
@@ -18468,17 +18747,21 @@
                   </a:ext>
                 </a:extLst>
               </a:tr>
-              <a:tr h="370840">
+              <a:tr h="372227">
                 <a:tc>
                   <a:txBody>
                     <a:bodyPr/>
                     <a:lstStyle/>
                     <a:p>
                       <a:r>
-                        <a:rPr lang="en-US" b="0" dirty="0" smtClean="0"/>
+                        <a:rPr lang="en-US" b="0" dirty="0" smtClean="0">
+                          <a:latin typeface="Candara" panose="020E0502030303020204" pitchFamily="34" charset="0"/>
+                        </a:rPr>
                         <a:t>Consultative approaches</a:t>
                       </a:r>
-                      <a:endParaRPr lang="en-US" b="0" dirty="0"/>
+                      <a:endParaRPr lang="en-US" b="0" dirty="0">
+                        <a:latin typeface="Candara" panose="020E0502030303020204" pitchFamily="34" charset="0"/>
+                      </a:endParaRPr>
                     </a:p>
                   </a:txBody>
                   <a:tcPr/>
@@ -18493,10 +18776,14 @@
                         <a:buNone/>
                       </a:pPr>
                       <a:r>
-                        <a:rPr lang="en-US" b="0" dirty="0" smtClean="0"/>
+                        <a:rPr lang="en-US" b="0" dirty="0" smtClean="0">
+                          <a:latin typeface="Candara" panose="020E0502030303020204" pitchFamily="34" charset="0"/>
+                        </a:rPr>
                         <a:t>e.g. test coverage is evaluated by domain experts outside the test team.</a:t>
                       </a:r>
-                      <a:endParaRPr lang="en-US" b="0" dirty="0"/>
+                      <a:endParaRPr lang="en-US" b="0" dirty="0">
+                        <a:latin typeface="Candara" panose="020E0502030303020204" pitchFamily="34" charset="0"/>
+                      </a:endParaRPr>
                     </a:p>
                   </a:txBody>
                   <a:tcPr/>
@@ -18507,17 +18794,21 @@
                   </a:ext>
                 </a:extLst>
               </a:tr>
-              <a:tr h="370840">
+              <a:tr h="917821">
                 <a:tc>
                   <a:txBody>
                     <a:bodyPr/>
                     <a:lstStyle/>
                     <a:p>
                       <a:r>
-                        <a:rPr lang="en-US" b="0" dirty="0" smtClean="0"/>
+                        <a:rPr lang="en-US" b="0" dirty="0" smtClean="0">
+                          <a:latin typeface="Candara" panose="020E0502030303020204" pitchFamily="34" charset="0"/>
+                        </a:rPr>
                         <a:t>Regression-averse approaches</a:t>
                       </a:r>
-                      <a:endParaRPr lang="en-US" b="0" dirty="0"/>
+                      <a:endParaRPr lang="en-US" b="0" dirty="0">
+                        <a:latin typeface="Candara" panose="020E0502030303020204" pitchFamily="34" charset="0"/>
+                      </a:endParaRPr>
                     </a:p>
                   </a:txBody>
                   <a:tcPr/>
@@ -18532,7 +18823,9 @@
                         <a:buNone/>
                       </a:pPr>
                       <a:r>
-                        <a:rPr lang="en-US" b="0" dirty="0" smtClean="0"/>
+                        <a:rPr lang="en-US" b="0" dirty="0" smtClean="0">
+                          <a:latin typeface="Candara" panose="020E0502030303020204" pitchFamily="34" charset="0"/>
+                        </a:rPr>
                         <a:t>include reuse of existing test material, extensive automation of functional</a:t>
                       </a:r>
                     </a:p>
@@ -18542,10 +18835,14 @@
                         <a:buNone/>
                       </a:pPr>
                       <a:r>
-                        <a:rPr lang="en-US" b="0" dirty="0" smtClean="0"/>
+                        <a:rPr lang="en-US" b="0" dirty="0" smtClean="0">
+                          <a:latin typeface="Candara" panose="020E0502030303020204" pitchFamily="34" charset="0"/>
+                        </a:rPr>
                         <a:t>regression tests</a:t>
                       </a:r>
-                      <a:endParaRPr lang="en-US" b="0" dirty="0"/>
+                      <a:endParaRPr lang="en-US" b="0" dirty="0">
+                        <a:latin typeface="Candara" panose="020E0502030303020204" pitchFamily="34" charset="0"/>
+                      </a:endParaRPr>
                     </a:p>
                   </a:txBody>
                   <a:tcPr/>
@@ -20574,7 +20871,7 @@
               <a:buNone/>
             </a:pPr>
             <a:r>
-              <a:rPr lang="en-US" dirty="0"/>
+              <a:rPr lang="en-US" b="1" dirty="0"/>
               <a:t>Objectives</a:t>
             </a:r>
           </a:p>
@@ -21021,14 +21318,14 @@
           </a:ln>
           <a:extLst>
             <a:ext uri="{909E8E84-426E-40dd-AFC4-6F175D3DCCD1}">
-              <a14:hiddenFill xmlns:a14="http://schemas.microsoft.com/office/drawing/2010/main" xmlns="">
+              <a14:hiddenFill xmlns="" xmlns:a14="http://schemas.microsoft.com/office/drawing/2010/main">
                 <a:solidFill>
                   <a:srgbClr val="FFFFFF"/>
                 </a:solidFill>
               </a14:hiddenFill>
             </a:ext>
             <a:ext uri="{91240B29-F687-4f45-9708-019B960494DF}">
-              <a14:hiddenLine xmlns:a14="http://schemas.microsoft.com/office/drawing/2010/main" xmlns="" w="9525">
+              <a14:hiddenLine xmlns="" xmlns:a14="http://schemas.microsoft.com/office/drawing/2010/main" w="9525">
                 <a:solidFill>
                   <a:srgbClr val="000000"/>
                 </a:solidFill>
@@ -22057,7 +22354,7 @@
           <a:noFill/>
           <a:extLst>
             <a:ext uri="{909E8E84-426E-40dd-AFC4-6F175D3DCCD1}">
-              <a14:hiddenFill xmlns:a14="http://schemas.microsoft.com/office/drawing/2010/main" xmlns="">
+              <a14:hiddenFill xmlns="" xmlns:a14="http://schemas.microsoft.com/office/drawing/2010/main">
                 <a:solidFill>
                   <a:srgbClr val="FFFFFF"/>
                 </a:solidFill>
@@ -22186,7 +22483,7 @@
         </p:blipFill>
         <p:spPr>
           <a:xfrm>
-            <a:off x="1103376" y="3083770"/>
+            <a:off x="1047698" y="3040638"/>
             <a:ext cx="10250424" cy="3198158"/>
           </a:xfrm>
           <a:prstGeom prst="rect">
@@ -22890,7 +23187,7 @@
           <a:noFill/>
           <a:extLst>
             <a:ext uri="{909E8E84-426E-40dd-AFC4-6F175D3DCCD1}">
-              <a14:hiddenFill xmlns:a14="http://schemas.microsoft.com/office/drawing/2010/main" xmlns="">
+              <a14:hiddenFill xmlns="" xmlns:a14="http://schemas.microsoft.com/office/drawing/2010/main">
                 <a:solidFill>
                   <a:srgbClr val="FFFFFF"/>
                 </a:solidFill>
@@ -23359,7 +23656,7 @@
           <a:noFill/>
           <a:extLst>
             <a:ext uri="{909E8E84-426E-40dd-AFC4-6F175D3DCCD1}">
-              <a14:hiddenFill xmlns:a14="http://schemas.microsoft.com/office/drawing/2010/main" xmlns="">
+              <a14:hiddenFill xmlns="" xmlns:a14="http://schemas.microsoft.com/office/drawing/2010/main">
                 <a:solidFill>
                   <a:srgbClr val="FFFFFF"/>
                 </a:solidFill>
@@ -23768,7 +24065,7 @@
           <a:noFill/>
           <a:extLst>
             <a:ext uri="{909E8E84-426E-40dd-AFC4-6F175D3DCCD1}">
-              <a14:hiddenFill xmlns:a14="http://schemas.microsoft.com/office/drawing/2010/main" xmlns="">
+              <a14:hiddenFill xmlns="" xmlns:a14="http://schemas.microsoft.com/office/drawing/2010/main">
                 <a:solidFill>
                   <a:srgbClr val="FFFFFF"/>
                 </a:solidFill>
@@ -24728,7 +25025,7 @@
           <a:noFill/>
           <a:extLst>
             <a:ext uri="{909E8E84-426E-40dd-AFC4-6F175D3DCCD1}">
-              <a14:hiddenFill xmlns:a14="http://schemas.microsoft.com/office/drawing/2010/main" xmlns="">
+              <a14:hiddenFill xmlns="" xmlns:a14="http://schemas.microsoft.com/office/drawing/2010/main">
                 <a:solidFill>
                   <a:srgbClr val="FFFFFF"/>
                 </a:solidFill>
@@ -25016,14 +25313,14 @@
           <p:nvPr>
             <p:extLst>
               <p:ext uri="{D42A27DB-BD31-4B8C-83A1-F6EECF244321}">
-                <p14:modId xmlns:p14="http://schemas.microsoft.com/office/powerpoint/2010/main" val="2845852698"/>
+                <p14:modId xmlns:p14="http://schemas.microsoft.com/office/powerpoint/2010/main" val="3833400439"/>
               </p:ext>
             </p:extLst>
           </p:nvPr>
         </p:nvGraphicFramePr>
         <p:xfrm>
-          <a:off x="952500" y="2422802"/>
-          <a:ext cx="10287000" cy="3696992"/>
+          <a:off x="845389" y="2286000"/>
+          <a:ext cx="10394111" cy="3940513"/>
         </p:xfrm>
         <a:graphic>
           <a:graphicData uri="http://schemas.openxmlformats.org/drawingml/2006/table">
@@ -25032,14 +25329,14 @@
                 <a:tableStyleId>{BC89EF96-8CEA-46FF-86C4-4CE0E7609802}</a:tableStyleId>
               </a:tblPr>
               <a:tblGrid>
-                <a:gridCol w="3789948">
+                <a:gridCol w="4140679">
                   <a:extLst>
                     <a:ext uri="{9D8B030D-6E8A-4147-A177-3AD203B41FA5}">
                       <a16:colId xmlns:a16="http://schemas.microsoft.com/office/drawing/2014/main" val="850995660"/>
                     </a:ext>
                   </a:extLst>
                 </a:gridCol>
-                <a:gridCol w="6497052">
+                <a:gridCol w="6253432">
                   <a:extLst>
                     <a:ext uri="{9D8B030D-6E8A-4147-A177-3AD203B41FA5}">
                       <a16:colId xmlns:a16="http://schemas.microsoft.com/office/drawing/2014/main" val="1344314899"/>
@@ -25047,7 +25344,7 @@
                   </a:extLst>
                 </a:gridCol>
               </a:tblGrid>
-              <a:tr h="375157">
+              <a:tr h="388650">
                 <a:tc>
                   <a:txBody>
                     <a:bodyPr/>
@@ -25057,11 +25354,13 @@
                       <a:r>
                         <a:rPr lang="en-US" sz="1800" baseline="0" dirty="0" smtClean="0">
                           <a:effectLst/>
+                          <a:latin typeface="Candara" panose="020E0502030303020204" pitchFamily="34" charset="0"/>
                         </a:rPr>
                         <a:t>Risk</a:t>
                       </a:r>
                       <a:endParaRPr lang="en-US" sz="1800" b="1" baseline="0" dirty="0">
                         <a:effectLst/>
+                        <a:latin typeface="Candara" panose="020E0502030303020204" pitchFamily="34" charset="0"/>
                       </a:endParaRPr>
                     </a:p>
                   </a:txBody>
@@ -25076,11 +25375,13 @@
                       <a:r>
                         <a:rPr lang="en-US" sz="1800" baseline="0" dirty="0" smtClean="0">
                           <a:effectLst/>
+                          <a:latin typeface="Candara" panose="020E0502030303020204" pitchFamily="34" charset="0"/>
                         </a:rPr>
                         <a:t>Mitigation</a:t>
                       </a:r>
                       <a:endParaRPr lang="en-US" sz="1800" b="1" baseline="0" dirty="0">
                         <a:effectLst/>
+                        <a:latin typeface="Candara" panose="020E0502030303020204" pitchFamily="34" charset="0"/>
                       </a:endParaRPr>
                     </a:p>
                   </a:txBody>
@@ -25092,7 +25393,7 @@
                   </a:ext>
                 </a:extLst>
               </a:tr>
-              <a:tr h="706737">
+              <a:tr h="732155">
                 <a:tc>
                   <a:txBody>
                     <a:bodyPr/>
@@ -25102,12 +25403,14 @@
                       <a:r>
                         <a:rPr lang="en-US" sz="1600" baseline="0" dirty="0" smtClean="0">
                           <a:effectLst/>
+                          <a:latin typeface="Candara" panose="020E0502030303020204" pitchFamily="34" charset="0"/>
                         </a:rPr>
                         <a:t>Team </a:t>
                       </a:r>
                       <a:r>
                         <a:rPr lang="en-US" sz="1600" baseline="0" dirty="0">
                           <a:effectLst/>
+                          <a:latin typeface="Candara" panose="020E0502030303020204" pitchFamily="34" charset="0"/>
                         </a:rPr>
                         <a:t>member lack the required skills for website testing.</a:t>
                       </a:r>
@@ -25124,12 +25427,14 @@
                       <a:r>
                         <a:rPr lang="en-US" sz="1600" baseline="0" dirty="0" smtClean="0">
                           <a:effectLst/>
+                          <a:latin typeface="Candara" panose="020E0502030303020204" pitchFamily="34" charset="0"/>
                         </a:rPr>
                         <a:t>Plan</a:t>
                       </a:r>
                       <a:r>
                         <a:rPr lang="en-US" sz="1600" baseline="0" dirty="0">
                           <a:effectLst/>
+                          <a:latin typeface="Candara" panose="020E0502030303020204" pitchFamily="34" charset="0"/>
                         </a:rPr>
                         <a:t> training course to skill up your members</a:t>
                       </a:r>
@@ -25143,7 +25448,7 @@
                   </a:ext>
                 </a:extLst>
               </a:tr>
-              <a:tr h="706737">
+              <a:tr h="732155">
                 <a:tc>
                   <a:txBody>
                     <a:bodyPr/>
@@ -25153,12 +25458,14 @@
                       <a:r>
                         <a:rPr lang="en-US" sz="1600" baseline="0" dirty="0" smtClean="0">
                           <a:effectLst/>
+                          <a:latin typeface="Candara" panose="020E0502030303020204" pitchFamily="34" charset="0"/>
                         </a:rPr>
                         <a:t>The </a:t>
                       </a:r>
                       <a:r>
                         <a:rPr lang="en-US" sz="1600" baseline="0" dirty="0">
                           <a:effectLst/>
+                          <a:latin typeface="Candara" panose="020E0502030303020204" pitchFamily="34" charset="0"/>
                         </a:rPr>
                         <a:t>project schedule is too tight; it's hard to complete this project on time</a:t>
                       </a:r>
@@ -25175,23 +25482,27 @@
                       <a:r>
                         <a:rPr lang="en-US" sz="1600" baseline="0" dirty="0" smtClean="0">
                           <a:effectLst/>
+                          <a:latin typeface="Candara" panose="020E0502030303020204" pitchFamily="34" charset="0"/>
                         </a:rPr>
                         <a:t>Set</a:t>
                       </a:r>
                       <a:r>
                         <a:rPr lang="en-US" sz="1600" baseline="0" dirty="0">
                           <a:effectLst/>
+                          <a:latin typeface="Candara" panose="020E0502030303020204" pitchFamily="34" charset="0"/>
                         </a:rPr>
                         <a:t> Test Priority for each of the test </a:t>
                       </a:r>
                       <a:r>
                         <a:rPr lang="en-US" sz="1600" baseline="0" dirty="0" smtClean="0">
                           <a:effectLst/>
+                          <a:latin typeface="Candara" panose="020E0502030303020204" pitchFamily="34" charset="0"/>
                         </a:rPr>
                         <a:t>activity</a:t>
                       </a:r>
                       <a:endParaRPr lang="en-US" sz="1600" baseline="0" dirty="0">
                         <a:effectLst/>
+                        <a:latin typeface="Candara" panose="020E0502030303020204" pitchFamily="34" charset="0"/>
                       </a:endParaRPr>
                     </a:p>
                   </a:txBody>
@@ -25203,7 +25514,7 @@
                   </a:ext>
                 </a:extLst>
               </a:tr>
-              <a:tr h="494887">
+              <a:tr h="512686">
                 <a:tc>
                   <a:txBody>
                     <a:bodyPr/>
@@ -25213,12 +25524,14 @@
                       <a:r>
                         <a:rPr lang="en-US" sz="1600" baseline="0" dirty="0" smtClean="0">
                           <a:effectLst/>
+                          <a:latin typeface="Candara" panose="020E0502030303020204" pitchFamily="34" charset="0"/>
                         </a:rPr>
                         <a:t>Test </a:t>
                       </a:r>
                       <a:r>
                         <a:rPr lang="en-US" sz="1600" baseline="0" dirty="0">
                           <a:effectLst/>
+                          <a:latin typeface="Candara" panose="020E0502030303020204" pitchFamily="34" charset="0"/>
                         </a:rPr>
                         <a:t>Manager has poor management skill</a:t>
                       </a:r>
@@ -25235,12 +25548,14 @@
                       <a:r>
                         <a:rPr lang="en-US" sz="1600" baseline="0" dirty="0" smtClean="0">
                           <a:effectLst/>
+                          <a:latin typeface="Candara" panose="020E0502030303020204" pitchFamily="34" charset="0"/>
                         </a:rPr>
                         <a:t>Plan</a:t>
                       </a:r>
                       <a:r>
                         <a:rPr lang="en-US" sz="1600" baseline="0" dirty="0">
                           <a:effectLst/>
+                          <a:latin typeface="Candara" panose="020E0502030303020204" pitchFamily="34" charset="0"/>
                         </a:rPr>
                         <a:t> leadership training for manager</a:t>
                       </a:r>
@@ -25254,7 +25569,7 @@
                   </a:ext>
                 </a:extLst>
               </a:tr>
-              <a:tr h="706737">
+              <a:tr h="842712">
                 <a:tc>
                   <a:txBody>
                     <a:bodyPr/>
@@ -25264,17 +25579,20 @@
                       <a:r>
                         <a:rPr lang="en-US" sz="1600" baseline="0" dirty="0" smtClean="0">
                           <a:effectLst/>
+                          <a:latin typeface="Candara" panose="020E0502030303020204" pitchFamily="34" charset="0"/>
                         </a:rPr>
                         <a:t>A </a:t>
                       </a:r>
                       <a:r>
                         <a:rPr lang="en-US" sz="1600" baseline="0" dirty="0">
                           <a:effectLst/>
+                          <a:latin typeface="Candara" panose="020E0502030303020204" pitchFamily="34" charset="0"/>
                         </a:rPr>
                         <a:t>lack of cooperation negatively affects your </a:t>
                       </a:r>
                       <a:endParaRPr lang="en-US" sz="1600" baseline="0" dirty="0" smtClean="0">
                         <a:effectLst/>
+                        <a:latin typeface="Candara" panose="020E0502030303020204" pitchFamily="34" charset="0"/>
                       </a:endParaRPr>
                     </a:p>
                     <a:p>
@@ -25282,12 +25600,14 @@
                       <a:r>
                         <a:rPr lang="en-US" sz="1600" baseline="0" dirty="0" smtClean="0">
                           <a:effectLst/>
+                          <a:latin typeface="Candara" panose="020E0502030303020204" pitchFamily="34" charset="0"/>
                         </a:rPr>
                         <a:t>employees</a:t>
                       </a:r>
                       <a:r>
                         <a:rPr lang="en-US" sz="1600" baseline="0" dirty="0">
                           <a:effectLst/>
+                          <a:latin typeface="Candara" panose="020E0502030303020204" pitchFamily="34" charset="0"/>
                         </a:rPr>
                         <a:t>' productivity</a:t>
                       </a:r>
@@ -25304,12 +25624,14 @@
                       <a:r>
                         <a:rPr lang="en-US" sz="1600" baseline="0" dirty="0" smtClean="0">
                           <a:effectLst/>
+                          <a:latin typeface="Candara" panose="020E0502030303020204" pitchFamily="34" charset="0"/>
                         </a:rPr>
                         <a:t>Encourage</a:t>
                       </a:r>
                       <a:r>
                         <a:rPr lang="en-US" sz="1600" baseline="0" dirty="0">
                           <a:effectLst/>
+                          <a:latin typeface="Candara" panose="020E0502030303020204" pitchFamily="34" charset="0"/>
                         </a:rPr>
                         <a:t> each team member in his task, and inspire them to greater efforts.  </a:t>
                       </a:r>
@@ -25323,7 +25645,7 @@
                   </a:ext>
                 </a:extLst>
               </a:tr>
-              <a:tr h="706737">
+              <a:tr h="732155">
                 <a:tc>
                   <a:txBody>
                     <a:bodyPr/>
@@ -25333,12 +25655,14 @@
                       <a:r>
                         <a:rPr lang="en-US" sz="1600" baseline="0" dirty="0" smtClean="0">
                           <a:effectLst/>
+                          <a:latin typeface="Candara" panose="020E0502030303020204" pitchFamily="34" charset="0"/>
                         </a:rPr>
                         <a:t>Wrong </a:t>
                       </a:r>
                       <a:r>
                         <a:rPr lang="en-US" sz="1600" baseline="0" dirty="0">
                           <a:effectLst/>
+                          <a:latin typeface="Candara" panose="020E0502030303020204" pitchFamily="34" charset="0"/>
                         </a:rPr>
                         <a:t>budget estimate and cost overruns</a:t>
                       </a:r>
@@ -25355,12 +25679,14 @@
                       <a:r>
                         <a:rPr lang="en-US" sz="1600" baseline="0" dirty="0" smtClean="0">
                           <a:effectLst/>
+                          <a:latin typeface="Candara" panose="020E0502030303020204" pitchFamily="34" charset="0"/>
                         </a:rPr>
                         <a:t>Establish </a:t>
                       </a:r>
                       <a:r>
                         <a:rPr lang="en-US" sz="1600" baseline="0" dirty="0">
                           <a:effectLst/>
+                          <a:latin typeface="Candara" panose="020E0502030303020204" pitchFamily="34" charset="0"/>
                         </a:rPr>
                         <a:t>the scope before beginning work, pay a lot of attention to project planning and constantly track and measure the progress</a:t>
                       </a:r>
@@ -25602,7 +25928,7 @@
           <a:noFill/>
           <a:extLst>
             <a:ext uri="{909E8E84-426E-40dd-AFC4-6F175D3DCCD1}">
-              <a14:hiddenFill xmlns:a14="http://schemas.microsoft.com/office/drawing/2010/main" xmlns="">
+              <a14:hiddenFill xmlns="" xmlns:a14="http://schemas.microsoft.com/office/drawing/2010/main">
                 <a:solidFill>
                   <a:srgbClr val="FFFFFF"/>
                 </a:solidFill>
@@ -28052,7 +28378,7 @@
           <p:nvPr>
             <p:extLst>
               <p:ext uri="{D42A27DB-BD31-4B8C-83A1-F6EECF244321}">
-                <p14:modId xmlns:p14="http://schemas.microsoft.com/office/powerpoint/2010/main" val="568981040"/>
+                <p14:modId xmlns:p14="http://schemas.microsoft.com/office/powerpoint/2010/main" val="3622830695"/>
               </p:ext>
             </p:extLst>
           </p:nvPr>
@@ -28099,6 +28425,7 @@
                       <a:pPr algn="l" fontAlgn="t"/>
                       <a:endParaRPr lang="en-US" sz="1400" dirty="0" smtClean="0">
                         <a:effectLst/>
+                        <a:latin typeface="Candara" panose="020E0502030303020204" pitchFamily="34" charset="0"/>
                       </a:endParaRPr>
                     </a:p>
                     <a:p>
@@ -28106,11 +28433,13 @@
                       <a:r>
                         <a:rPr lang="en-US" sz="1400" dirty="0" smtClean="0">
                           <a:effectLst/>
+                          <a:latin typeface="Candara" panose="020E0502030303020204" pitchFamily="34" charset="0"/>
                         </a:rPr>
                         <a:t>Task</a:t>
                       </a:r>
                       <a:endParaRPr lang="en-US" sz="1400" b="1" dirty="0">
                         <a:effectLst/>
+                        <a:latin typeface="Candara" panose="020E0502030303020204" pitchFamily="34" charset="0"/>
                       </a:endParaRPr>
                     </a:p>
                   </a:txBody>
@@ -28124,6 +28453,7 @@
                       <a:pPr algn="l" fontAlgn="t"/>
                       <a:endParaRPr lang="en-US" sz="1400" dirty="0" smtClean="0">
                         <a:effectLst/>
+                        <a:latin typeface="Candara" panose="020E0502030303020204" pitchFamily="34" charset="0"/>
                       </a:endParaRPr>
                     </a:p>
                     <a:p>
@@ -28131,11 +28461,13 @@
                       <a:r>
                         <a:rPr lang="en-US" sz="1400" dirty="0" smtClean="0">
                           <a:effectLst/>
+                          <a:latin typeface="Candara" panose="020E0502030303020204" pitchFamily="34" charset="0"/>
                         </a:rPr>
                         <a:t>Members</a:t>
                       </a:r>
                       <a:endParaRPr lang="en-US" sz="1400" b="1" dirty="0">
                         <a:effectLst/>
+                        <a:latin typeface="Candara" panose="020E0502030303020204" pitchFamily="34" charset="0"/>
                       </a:endParaRPr>
                     </a:p>
                   </a:txBody>
@@ -28149,6 +28481,7 @@
                       <a:pPr algn="l" fontAlgn="t"/>
                       <a:endParaRPr lang="en-US" sz="1400" dirty="0" smtClean="0">
                         <a:effectLst/>
+                        <a:latin typeface="Candara" panose="020E0502030303020204" pitchFamily="34" charset="0"/>
                       </a:endParaRPr>
                     </a:p>
                     <a:p>
@@ -28156,17 +28489,20 @@
                       <a:r>
                         <a:rPr lang="en-US" sz="1400" dirty="0" smtClean="0">
                           <a:effectLst/>
+                          <a:latin typeface="Candara" panose="020E0502030303020204" pitchFamily="34" charset="0"/>
                         </a:rPr>
                         <a:t>Estimate </a:t>
                       </a:r>
                       <a:r>
                         <a:rPr lang="en-US" sz="1400" dirty="0">
                           <a:effectLst/>
+                          <a:latin typeface="Candara" panose="020E0502030303020204" pitchFamily="34" charset="0"/>
                         </a:rPr>
                         <a:t>effort</a:t>
                       </a:r>
                       <a:endParaRPr lang="en-US" sz="1400" b="1" dirty="0">
                         <a:effectLst/>
+                        <a:latin typeface="Candara" panose="020E0502030303020204" pitchFamily="34" charset="0"/>
                       </a:endParaRPr>
                     </a:p>
                   </a:txBody>
@@ -28187,6 +28523,7 @@
                       <a:pPr algn="l" fontAlgn="t"/>
                       <a:endParaRPr lang="en-US" sz="1300" dirty="0" smtClean="0">
                         <a:effectLst/>
+                        <a:latin typeface="Candara" panose="020E0502030303020204" pitchFamily="34" charset="0"/>
                       </a:endParaRPr>
                     </a:p>
                     <a:p>
@@ -28194,12 +28531,14 @@
                       <a:r>
                         <a:rPr lang="en-US" sz="1300" dirty="0" smtClean="0">
                           <a:effectLst/>
+                          <a:latin typeface="Candara" panose="020E0502030303020204" pitchFamily="34" charset="0"/>
                         </a:rPr>
                         <a:t>Create </a:t>
                       </a:r>
                       <a:r>
                         <a:rPr lang="en-US" sz="1300" dirty="0">
                           <a:effectLst/>
+                          <a:latin typeface="Candara" panose="020E0502030303020204" pitchFamily="34" charset="0"/>
                         </a:rPr>
                         <a:t>the test specification</a:t>
                       </a:r>
@@ -28215,6 +28554,7 @@
                       <a:pPr algn="l" fontAlgn="t"/>
                       <a:endParaRPr lang="en-US" sz="1300" dirty="0" smtClean="0">
                         <a:effectLst/>
+                        <a:latin typeface="Candara" panose="020E0502030303020204" pitchFamily="34" charset="0"/>
                       </a:endParaRPr>
                     </a:p>
                     <a:p>
@@ -28222,12 +28562,14 @@
                       <a:r>
                         <a:rPr lang="en-US" sz="1300" dirty="0" smtClean="0">
                           <a:effectLst/>
+                          <a:latin typeface="Candara" panose="020E0502030303020204" pitchFamily="34" charset="0"/>
                         </a:rPr>
                         <a:t>Test </a:t>
                       </a:r>
                       <a:r>
                         <a:rPr lang="en-US" sz="1300" dirty="0">
                           <a:effectLst/>
+                          <a:latin typeface="Candara" panose="020E0502030303020204" pitchFamily="34" charset="0"/>
                         </a:rPr>
                         <a:t>Designer</a:t>
                       </a:r>
@@ -28243,6 +28585,7 @@
                       <a:pPr algn="l" fontAlgn="t"/>
                       <a:endParaRPr lang="en-US" sz="1300" dirty="0" smtClean="0">
                         <a:effectLst/>
+                        <a:latin typeface="Candara" panose="020E0502030303020204" pitchFamily="34" charset="0"/>
                       </a:endParaRPr>
                     </a:p>
                     <a:p>
@@ -28250,12 +28593,14 @@
                       <a:r>
                         <a:rPr lang="en-US" sz="1300" dirty="0" smtClean="0">
                           <a:effectLst/>
+                          <a:latin typeface="Candara" panose="020E0502030303020204" pitchFamily="34" charset="0"/>
                         </a:rPr>
                         <a:t>170 </a:t>
                       </a:r>
                       <a:r>
                         <a:rPr lang="en-US" sz="1300" dirty="0">
                           <a:effectLst/>
+                          <a:latin typeface="Candara" panose="020E0502030303020204" pitchFamily="34" charset="0"/>
                         </a:rPr>
                         <a:t>man-hour</a:t>
                       </a:r>
@@ -28278,6 +28623,7 @@
                       <a:pPr algn="l" fontAlgn="t"/>
                       <a:endParaRPr lang="en-US" sz="1300" dirty="0" smtClean="0">
                         <a:effectLst/>
+                        <a:latin typeface="Candara" panose="020E0502030303020204" pitchFamily="34" charset="0"/>
                       </a:endParaRPr>
                     </a:p>
                     <a:p>
@@ -28285,12 +28631,14 @@
                       <a:r>
                         <a:rPr lang="en-US" sz="1300" dirty="0" smtClean="0">
                           <a:effectLst/>
+                          <a:latin typeface="Candara" panose="020E0502030303020204" pitchFamily="34" charset="0"/>
                         </a:rPr>
                         <a:t>Perform </a:t>
                       </a:r>
                       <a:r>
                         <a:rPr lang="en-US" sz="1300" dirty="0">
                           <a:effectLst/>
+                          <a:latin typeface="Candara" panose="020E0502030303020204" pitchFamily="34" charset="0"/>
                         </a:rPr>
                         <a:t>Test Execution</a:t>
                       </a:r>
@@ -28306,6 +28654,7 @@
                       <a:pPr algn="l" fontAlgn="t"/>
                       <a:endParaRPr lang="en-US" sz="1300" dirty="0" smtClean="0">
                         <a:effectLst/>
+                        <a:latin typeface="Candara" panose="020E0502030303020204" pitchFamily="34" charset="0"/>
                       </a:endParaRPr>
                     </a:p>
                     <a:p>
@@ -28313,12 +28662,14 @@
                       <a:r>
                         <a:rPr lang="en-US" sz="1300" dirty="0" smtClean="0">
                           <a:effectLst/>
+                          <a:latin typeface="Candara" panose="020E0502030303020204" pitchFamily="34" charset="0"/>
                         </a:rPr>
                         <a:t>Tester</a:t>
                       </a:r>
                       <a:r>
                         <a:rPr lang="en-US" sz="1300" dirty="0">
                           <a:effectLst/>
+                          <a:latin typeface="Candara" panose="020E0502030303020204" pitchFamily="34" charset="0"/>
                         </a:rPr>
                         <a:t>, Test Administrator</a:t>
                       </a:r>
@@ -28334,6 +28685,7 @@
                       <a:pPr algn="l" fontAlgn="t"/>
                       <a:endParaRPr lang="en-US" sz="1300" dirty="0" smtClean="0">
                         <a:effectLst/>
+                        <a:latin typeface="Candara" panose="020E0502030303020204" pitchFamily="34" charset="0"/>
                       </a:endParaRPr>
                     </a:p>
                     <a:p>
@@ -28341,12 +28693,14 @@
                       <a:r>
                         <a:rPr lang="en-US" sz="1300" dirty="0" smtClean="0">
                           <a:effectLst/>
+                          <a:latin typeface="Candara" panose="020E0502030303020204" pitchFamily="34" charset="0"/>
                         </a:rPr>
                         <a:t>80 </a:t>
                       </a:r>
                       <a:r>
                         <a:rPr lang="en-US" sz="1300" dirty="0">
                           <a:effectLst/>
+                          <a:latin typeface="Candara" panose="020E0502030303020204" pitchFamily="34" charset="0"/>
                         </a:rPr>
                         <a:t>man-hour</a:t>
                       </a:r>
@@ -28369,6 +28723,7 @@
                       <a:pPr algn="l" fontAlgn="t"/>
                       <a:endParaRPr lang="en-US" sz="1300" dirty="0" smtClean="0">
                         <a:effectLst/>
+                        <a:latin typeface="Candara" panose="020E0502030303020204" pitchFamily="34" charset="0"/>
                       </a:endParaRPr>
                     </a:p>
                     <a:p>
@@ -28376,12 +28731,14 @@
                       <a:r>
                         <a:rPr lang="en-US" sz="1300" dirty="0" smtClean="0">
                           <a:effectLst/>
+                          <a:latin typeface="Candara" panose="020E0502030303020204" pitchFamily="34" charset="0"/>
                         </a:rPr>
                         <a:t>Test </a:t>
                       </a:r>
                       <a:r>
                         <a:rPr lang="en-US" sz="1300" dirty="0">
                           <a:effectLst/>
+                          <a:latin typeface="Candara" panose="020E0502030303020204" pitchFamily="34" charset="0"/>
                         </a:rPr>
                         <a:t>Report</a:t>
                       </a:r>
@@ -28397,6 +28754,7 @@
                       <a:pPr algn="l" fontAlgn="t"/>
                       <a:endParaRPr lang="en-US" sz="1300" dirty="0" smtClean="0">
                         <a:effectLst/>
+                        <a:latin typeface="Candara" panose="020E0502030303020204" pitchFamily="34" charset="0"/>
                       </a:endParaRPr>
                     </a:p>
                     <a:p>
@@ -28404,11 +28762,13 @@
                       <a:r>
                         <a:rPr lang="en-US" sz="1300" dirty="0" smtClean="0">
                           <a:effectLst/>
+                          <a:latin typeface="Candara" panose="020E0502030303020204" pitchFamily="34" charset="0"/>
                         </a:rPr>
                         <a:t>Tester</a:t>
                       </a:r>
                       <a:endParaRPr lang="en-US" sz="1300" dirty="0">
                         <a:effectLst/>
+                        <a:latin typeface="Candara" panose="020E0502030303020204" pitchFamily="34" charset="0"/>
                       </a:endParaRPr>
                     </a:p>
                   </a:txBody>
@@ -28422,6 +28782,7 @@
                       <a:pPr algn="l" fontAlgn="t"/>
                       <a:endParaRPr lang="en-US" sz="1300" dirty="0" smtClean="0">
                         <a:effectLst/>
+                        <a:latin typeface="Candara" panose="020E0502030303020204" pitchFamily="34" charset="0"/>
                       </a:endParaRPr>
                     </a:p>
                     <a:p>
@@ -28429,12 +28790,14 @@
                       <a:r>
                         <a:rPr lang="en-US" sz="1300" dirty="0" smtClean="0">
                           <a:effectLst/>
+                          <a:latin typeface="Candara" panose="020E0502030303020204" pitchFamily="34" charset="0"/>
                         </a:rPr>
                         <a:t>10 </a:t>
                       </a:r>
                       <a:r>
                         <a:rPr lang="en-US" sz="1300" dirty="0">
                           <a:effectLst/>
+                          <a:latin typeface="Candara" panose="020E0502030303020204" pitchFamily="34" charset="0"/>
                         </a:rPr>
                         <a:t>man-hour</a:t>
                       </a:r>
@@ -28457,6 +28820,7 @@
                       <a:pPr algn="l" fontAlgn="t"/>
                       <a:endParaRPr lang="en-US" sz="1300" dirty="0" smtClean="0">
                         <a:effectLst/>
+                        <a:latin typeface="Candara" panose="020E0502030303020204" pitchFamily="34" charset="0"/>
                       </a:endParaRPr>
                     </a:p>
                     <a:p>
@@ -28464,12 +28828,14 @@
                       <a:r>
                         <a:rPr lang="en-US" sz="1300" dirty="0" smtClean="0">
                           <a:effectLst/>
+                          <a:latin typeface="Candara" panose="020E0502030303020204" pitchFamily="34" charset="0"/>
                         </a:rPr>
                         <a:t>Test </a:t>
                       </a:r>
                       <a:r>
                         <a:rPr lang="en-US" sz="1300" dirty="0">
                           <a:effectLst/>
+                          <a:latin typeface="Candara" panose="020E0502030303020204" pitchFamily="34" charset="0"/>
                         </a:rPr>
                         <a:t>Delivery</a:t>
                       </a:r>
@@ -28486,6 +28852,7 @@
                       <a:r>
                         <a:rPr lang="en-US" sz="1300" dirty="0">
                           <a:effectLst/>
+                          <a:latin typeface="Candara" panose="020E0502030303020204" pitchFamily="34" charset="0"/>
                         </a:rPr>
                         <a:t> </a:t>
                       </a:r>
@@ -28501,6 +28868,7 @@
                       <a:pPr algn="l" fontAlgn="t"/>
                       <a:endParaRPr lang="en-US" sz="1300" dirty="0" smtClean="0">
                         <a:effectLst/>
+                        <a:latin typeface="Candara" panose="020E0502030303020204" pitchFamily="34" charset="0"/>
                       </a:endParaRPr>
                     </a:p>
                     <a:p>
@@ -28508,12 +28876,14 @@
                       <a:r>
                         <a:rPr lang="en-US" sz="1300" dirty="0" smtClean="0">
                           <a:effectLst/>
+                          <a:latin typeface="Candara" panose="020E0502030303020204" pitchFamily="34" charset="0"/>
                         </a:rPr>
                         <a:t>20 </a:t>
                       </a:r>
                       <a:r>
                         <a:rPr lang="en-US" sz="1300" dirty="0">
                           <a:effectLst/>
+                          <a:latin typeface="Candara" panose="020E0502030303020204" pitchFamily="34" charset="0"/>
                         </a:rPr>
                         <a:t>man-hour</a:t>
                       </a:r>
@@ -28536,6 +28906,7 @@
                       <a:pPr algn="l" fontAlgn="t"/>
                       <a:endParaRPr lang="en-US" sz="1300" dirty="0" smtClean="0">
                         <a:effectLst/>
+                        <a:latin typeface="Candara" panose="020E0502030303020204" pitchFamily="34" charset="0"/>
                       </a:endParaRPr>
                     </a:p>
                     <a:p>
@@ -28543,11 +28914,13 @@
                       <a:r>
                         <a:rPr lang="en-US" sz="1300" dirty="0" smtClean="0">
                           <a:effectLst/>
+                          <a:latin typeface="Candara" panose="020E0502030303020204" pitchFamily="34" charset="0"/>
                         </a:rPr>
                         <a:t>Total</a:t>
                       </a:r>
                       <a:endParaRPr lang="en-US" sz="1300" dirty="0">
                         <a:effectLst/>
+                        <a:latin typeface="Candara" panose="020E0502030303020204" pitchFamily="34" charset="0"/>
                       </a:endParaRPr>
                     </a:p>
                   </a:txBody>
@@ -28562,6 +28935,7 @@
                       <a:r>
                         <a:rPr lang="en-US" sz="1300" dirty="0">
                           <a:effectLst/>
+                          <a:latin typeface="Candara" panose="020E0502030303020204" pitchFamily="34" charset="0"/>
                         </a:rPr>
                         <a:t> </a:t>
                       </a:r>
@@ -28577,6 +28951,7 @@
                       <a:pPr algn="l" fontAlgn="t"/>
                       <a:endParaRPr lang="en-US" sz="1300" dirty="0" smtClean="0">
                         <a:effectLst/>
+                        <a:latin typeface="Candara" panose="020E0502030303020204" pitchFamily="34" charset="0"/>
                       </a:endParaRPr>
                     </a:p>
                     <a:p>
@@ -28584,12 +28959,14 @@
                       <a:r>
                         <a:rPr lang="en-US" sz="1300" dirty="0" smtClean="0">
                           <a:effectLst/>
+                          <a:latin typeface="Candara" panose="020E0502030303020204" pitchFamily="34" charset="0"/>
                         </a:rPr>
                         <a:t>280 </a:t>
                       </a:r>
                       <a:r>
                         <a:rPr lang="en-US" sz="1300" dirty="0">
                           <a:effectLst/>
+                          <a:latin typeface="Candara" panose="020E0502030303020204" pitchFamily="34" charset="0"/>
                         </a:rPr>
                         <a:t>man-hour</a:t>
                       </a:r>
@@ -28660,6 +29037,7 @@
                 <a:solidFill>
                   <a:schemeClr val="tx1"/>
                 </a:solidFill>
+                <a:latin typeface="Candara" panose="020E0502030303020204" pitchFamily="34" charset="0"/>
               </a:rPr>
               <a:t>How can we estimate required effort?</a:t>
             </a:r>
@@ -28877,8 +29255,8 @@
         </p:nvSpPr>
         <p:spPr>
           <a:xfrm>
-            <a:off x="552091" y="1595887"/>
-            <a:ext cx="10748513" cy="4459856"/>
+            <a:off x="526211" y="1483743"/>
+            <a:ext cx="10774393" cy="4606506"/>
           </a:xfrm>
         </p:spPr>
         <p:txBody>
@@ -29455,7 +29833,7 @@
           <a:noFill/>
           <a:extLst>
             <a:ext uri="{909E8E84-426E-40dd-AFC4-6F175D3DCCD1}">
-              <a14:hiddenFill xmlns:a14="http://schemas.microsoft.com/office/drawing/2010/main" xmlns="">
+              <a14:hiddenFill xmlns="" xmlns:a14="http://schemas.microsoft.com/office/drawing/2010/main">
                 <a:solidFill>
                   <a:srgbClr val="FFFFFF"/>
                 </a:solidFill>
@@ -30270,7 +30648,7 @@
         </p:blipFill>
         <p:spPr>
           <a:xfrm>
-            <a:off x="694081" y="1670349"/>
+            <a:off x="616447" y="1585618"/>
             <a:ext cx="10957657" cy="4528939"/>
           </a:xfrm>
           <a:prstGeom prst="rect">
@@ -30764,7 +31142,7 @@
           <a:bodyPr/>
           <a:lstStyle/>
           <a:p>
-            <a:endParaRPr lang="en-US"/>
+            <a:endParaRPr lang="en-US" dirty="0"/>
           </a:p>
         </p:txBody>
       </p:sp>
@@ -30784,7 +31162,7 @@
         </p:blipFill>
         <p:spPr>
           <a:xfrm>
-            <a:off x="2164271" y="1851600"/>
+            <a:off x="2224656" y="1619937"/>
             <a:ext cx="6568250" cy="4460300"/>
           </a:xfrm>
           <a:prstGeom prst="rect">
@@ -30942,23 +31320,33 @@
           <a:p>
             <a:pPr algn="ctr"/>
             <a:r>
-              <a:rPr lang="en-US" sz="2400" dirty="0"/>
+              <a:rPr lang="en-US" sz="2400" dirty="0">
+                <a:latin typeface="Candara" panose="020E0502030303020204" pitchFamily="34" charset="0"/>
+              </a:rPr>
               <a:t>What happened </a:t>
             </a:r>
             <a:r>
-              <a:rPr lang="en-US" sz="2400" dirty="0" smtClean="0"/>
+              <a:rPr lang="en-US" sz="2400" dirty="0" smtClean="0">
+                <a:latin typeface="Candara" panose="020E0502030303020204" pitchFamily="34" charset="0"/>
+              </a:rPr>
               <a:t>during a </a:t>
             </a:r>
             <a:r>
-              <a:rPr lang="en-US" sz="2400" dirty="0"/>
+              <a:rPr lang="en-US" sz="2400" dirty="0">
+                <a:latin typeface="Candara" panose="020E0502030303020204" pitchFamily="34" charset="0"/>
+              </a:rPr>
               <a:t>period of testing </a:t>
             </a:r>
             <a:r>
-              <a:rPr lang="en-US" sz="2400" dirty="0" smtClean="0"/>
+              <a:rPr lang="en-US" sz="2400" dirty="0" smtClean="0">
+                <a:latin typeface="Candara" panose="020E0502030303020204" pitchFamily="34" charset="0"/>
+              </a:rPr>
               <a:t>(</a:t>
             </a:r>
             <a:r>
-              <a:rPr lang="en-US" sz="2400" dirty="0"/>
+              <a:rPr lang="en-US" sz="2400" dirty="0">
+                <a:latin typeface="Candara" panose="020E0502030303020204" pitchFamily="34" charset="0"/>
+              </a:rPr>
               <a:t>ex: dates when exit criteria were met)</a:t>
             </a:r>
           </a:p>
@@ -31000,43 +31388,63 @@
           <a:p>
             <a:pPr algn="ctr"/>
             <a:r>
-              <a:rPr lang="en-US" sz="2400" dirty="0"/>
+              <a:rPr lang="en-US" sz="2400" dirty="0">
+                <a:latin typeface="Candara" panose="020E0502030303020204" pitchFamily="34" charset="0"/>
+              </a:rPr>
               <a:t>Analyzed </a:t>
             </a:r>
             <a:r>
-              <a:rPr lang="en-US" sz="2400" dirty="0" smtClean="0"/>
+              <a:rPr lang="en-US" sz="2400" dirty="0" smtClean="0">
+                <a:latin typeface="Candara" panose="020E0502030303020204" pitchFamily="34" charset="0"/>
+              </a:rPr>
               <a:t>metrics to support decisions about </a:t>
             </a:r>
             <a:r>
-              <a:rPr lang="en-US" sz="2400" dirty="0"/>
+              <a:rPr lang="en-US" sz="2400" dirty="0">
+                <a:latin typeface="Candara" panose="020E0502030303020204" pitchFamily="34" charset="0"/>
+              </a:rPr>
               <a:t>future </a:t>
             </a:r>
             <a:r>
-              <a:rPr lang="en-US" sz="2400" dirty="0" smtClean="0"/>
+              <a:rPr lang="en-US" sz="2400" dirty="0" smtClean="0">
+                <a:latin typeface="Candara" panose="020E0502030303020204" pitchFamily="34" charset="0"/>
+              </a:rPr>
               <a:t>actions</a:t>
             </a:r>
-            <a:endParaRPr lang="en-US" sz="2400" dirty="0"/>
+            <a:endParaRPr lang="en-US" sz="2400" dirty="0">
+              <a:latin typeface="Candara" panose="020E0502030303020204" pitchFamily="34" charset="0"/>
+            </a:endParaRPr>
           </a:p>
           <a:p>
             <a:pPr algn="ctr"/>
             <a:r>
-              <a:rPr lang="en-US" sz="2400" dirty="0"/>
+              <a:rPr lang="en-US" sz="2400" dirty="0">
+                <a:latin typeface="Candara" panose="020E0502030303020204" pitchFamily="34" charset="0"/>
+              </a:rPr>
               <a:t>(ex: the </a:t>
             </a:r>
             <a:r>
-              <a:rPr lang="en-US" sz="2400" dirty="0" smtClean="0"/>
+              <a:rPr lang="en-US" sz="2400" dirty="0" smtClean="0">
+                <a:latin typeface="Candara" panose="020E0502030303020204" pitchFamily="34" charset="0"/>
+              </a:rPr>
               <a:t>economic benefit </a:t>
             </a:r>
             <a:r>
-              <a:rPr lang="en-US" sz="2400" dirty="0"/>
+              <a:rPr lang="en-US" sz="2400" dirty="0">
+                <a:latin typeface="Candara" panose="020E0502030303020204" pitchFamily="34" charset="0"/>
+              </a:rPr>
               <a:t>of </a:t>
             </a:r>
             <a:r>
-              <a:rPr lang="en-US" sz="2400" dirty="0" smtClean="0"/>
+              <a:rPr lang="en-US" sz="2400" dirty="0" smtClean="0">
+                <a:latin typeface="Candara" panose="020E0502030303020204" pitchFamily="34" charset="0"/>
+              </a:rPr>
               <a:t>continued testing</a:t>
             </a:r>
             <a:r>
-              <a:rPr lang="en-US" sz="2400" dirty="0"/>
+              <a:rPr lang="en-US" sz="2400" dirty="0">
+                <a:latin typeface="Candara" panose="020E0502030303020204" pitchFamily="34" charset="0"/>
+              </a:rPr>
               <a:t>)</a:t>
             </a:r>
           </a:p>
@@ -31943,7 +32351,7 @@
         </p:blipFill>
         <p:spPr>
           <a:xfrm>
-            <a:off x="1251861" y="3582233"/>
+            <a:off x="1243235" y="3418331"/>
             <a:ext cx="9688277" cy="1705213"/>
           </a:xfrm>
           <a:prstGeom prst="rect">
@@ -32953,18 +33361,26 @@
           <a:p>
             <a:pPr algn="ctr"/>
             <a:r>
-              <a:rPr lang="en-US" sz="2400" dirty="0" smtClean="0"/>
+              <a:rPr lang="en-US" sz="2700" dirty="0" smtClean="0">
+                <a:latin typeface="Candara" panose="020E0502030303020204" pitchFamily="34" charset="0"/>
+              </a:rPr>
               <a:t>The likelihood of </a:t>
             </a:r>
             <a:r>
-              <a:rPr lang="en-US" sz="2400" dirty="0"/>
+              <a:rPr lang="en-US" sz="2700" dirty="0">
+                <a:latin typeface="Candara" panose="020E0502030303020204" pitchFamily="34" charset="0"/>
+              </a:rPr>
               <a:t>an adverse </a:t>
             </a:r>
             <a:r>
-              <a:rPr lang="en-US" sz="2400" dirty="0" smtClean="0"/>
+              <a:rPr lang="en-US" sz="2700" dirty="0" smtClean="0">
+                <a:latin typeface="Candara" panose="020E0502030303020204" pitchFamily="34" charset="0"/>
+              </a:rPr>
               <a:t>event happening</a:t>
             </a:r>
-            <a:endParaRPr lang="en-US" sz="2400" dirty="0"/>
+            <a:endParaRPr lang="en-US" sz="2700" dirty="0">
+              <a:latin typeface="Candara" panose="020E0502030303020204" pitchFamily="34" charset="0"/>
+            </a:endParaRPr>
           </a:p>
         </p:txBody>
       </p:sp>
@@ -33004,11 +33420,15 @@
           <a:p>
             <a:pPr algn="ctr"/>
             <a:r>
-              <a:rPr lang="en-US" sz="2400" dirty="0" smtClean="0"/>
+              <a:rPr lang="en-US" sz="2700" dirty="0" smtClean="0">
+                <a:latin typeface="Candara" panose="020E0502030303020204" pitchFamily="34" charset="0"/>
+              </a:rPr>
               <a:t>The impact: the harm resulting from </a:t>
             </a:r>
             <a:r>
-              <a:rPr lang="en-US" sz="2400" dirty="0"/>
+              <a:rPr lang="en-US" sz="2700" dirty="0">
+                <a:latin typeface="Candara" panose="020E0502030303020204" pitchFamily="34" charset="0"/>
+              </a:rPr>
               <a:t>that event</a:t>
             </a:r>
           </a:p>
@@ -33437,7 +33857,11 @@
           </p:cNvGraphicFramePr>
           <p:nvPr>
             <p:ph idx="1"/>
-            <p:extLst/>
+            <p:extLst>
+              <p:ext uri="{D42A27DB-BD31-4B8C-83A1-F6EECF244321}">
+                <p14:modId xmlns:p14="http://schemas.microsoft.com/office/powerpoint/2010/main" val="4077127011"/>
+              </p:ext>
+            </p:extLst>
           </p:nvPr>
         </p:nvGraphicFramePr>
         <p:xfrm>
@@ -36048,7 +36472,7 @@
             <p:ph idx="1"/>
             <p:extLst>
               <p:ext uri="{D42A27DB-BD31-4B8C-83A1-F6EECF244321}">
-                <p14:modId xmlns:p14="http://schemas.microsoft.com/office/powerpoint/2010/main" val="69182728"/>
+                <p14:modId xmlns:p14="http://schemas.microsoft.com/office/powerpoint/2010/main" val="3029927735"/>
               </p:ext>
             </p:extLst>
           </p:nvPr>
@@ -36103,14 +36527,16 @@
                         <a:defRPr/>
                       </a:pPr>
                       <a:r>
-                        <a:rPr lang="en-US" sz="1500" b="0" u="none" strike="noStrike" kern="1200" baseline="0" dirty="0" smtClean="0"/>
+                        <a:rPr lang="en-US" sz="1500" b="0" u="none" strike="noStrike" kern="1200" baseline="0" dirty="0" smtClean="0">
+                          <a:latin typeface="Candara" panose="020E0502030303020204" pitchFamily="34" charset="0"/>
+                        </a:rPr>
                         <a:t>Coordination	</a:t>
                       </a:r>
                       <a:endParaRPr lang="en-US" sz="1500" b="0" i="0" u="none" strike="noStrike" kern="1200" baseline="0" dirty="0" smtClean="0">
                         <a:solidFill>
                           <a:schemeClr val="lt1"/>
                         </a:solidFill>
-                        <a:latin typeface="+mn-lt"/>
+                        <a:latin typeface="Candara" panose="020E0502030303020204" pitchFamily="34" charset="0"/>
                         <a:ea typeface="+mn-ea"/>
                         <a:cs typeface="+mn-cs"/>
                       </a:endParaRPr>
@@ -36124,10 +36550,14 @@
                     <a:lstStyle/>
                     <a:p>
                       <a:r>
-                        <a:rPr lang="en-US" sz="1500" b="0" dirty="0" smtClean="0"/>
+                        <a:rPr lang="en-US" sz="1500" b="0" dirty="0" smtClean="0">
+                          <a:latin typeface="Candara" panose="020E0502030303020204" pitchFamily="34" charset="0"/>
+                        </a:rPr>
                         <a:t>of the test strategy and plan with project managers</a:t>
                       </a:r>
-                      <a:endParaRPr lang="en-US" sz="1500" b="0" dirty="0"/>
+                      <a:endParaRPr lang="en-US" sz="1500" b="0" dirty="0">
+                        <a:latin typeface="Candara" panose="020E0502030303020204" pitchFamily="34" charset="0"/>
+                      </a:endParaRPr>
                     </a:p>
                   </a:txBody>
                   <a:tcPr/>
@@ -36145,10 +36575,14 @@
                     <a:lstStyle/>
                     <a:p>
                       <a:r>
-                        <a:rPr lang="en-US" sz="1500" b="0" dirty="0" smtClean="0"/>
+                        <a:rPr lang="en-US" sz="1500" b="0" dirty="0" smtClean="0">
+                          <a:latin typeface="Candara" panose="020E0502030303020204" pitchFamily="34" charset="0"/>
+                        </a:rPr>
                         <a:t>Plan the tests</a:t>
                       </a:r>
-                      <a:endParaRPr lang="en-US" sz="1500" b="0" dirty="0"/>
+                      <a:endParaRPr lang="en-US" sz="1500" b="0" dirty="0">
+                        <a:latin typeface="Candara" panose="020E0502030303020204" pitchFamily="34" charset="0"/>
+                      </a:endParaRPr>
                     </a:p>
                   </a:txBody>
                   <a:tcPr/>
@@ -36163,7 +36597,7 @@
                           <a:solidFill>
                             <a:schemeClr val="tx1"/>
                           </a:solidFill>
-                          <a:latin typeface="+mn-lt"/>
+                          <a:latin typeface="Candara" panose="020E0502030303020204" pitchFamily="34" charset="0"/>
                           <a:ea typeface="+mn-ea"/>
                           <a:cs typeface="+mn-cs"/>
                         </a:rPr>
@@ -36180,7 +36614,7 @@
                           <a:solidFill>
                             <a:schemeClr val="tx1"/>
                           </a:solidFill>
-                          <a:latin typeface="+mn-lt"/>
+                          <a:latin typeface="Candara" panose="020E0502030303020204" pitchFamily="34" charset="0"/>
                           <a:ea typeface="+mn-ea"/>
                           <a:cs typeface="+mn-cs"/>
                         </a:rPr>
@@ -36197,7 +36631,7 @@
                           <a:solidFill>
                             <a:schemeClr val="tx1"/>
                           </a:solidFill>
-                          <a:latin typeface="+mn-lt"/>
+                          <a:latin typeface="Candara" panose="020E0502030303020204" pitchFamily="34" charset="0"/>
                           <a:ea typeface="+mn-ea"/>
                           <a:cs typeface="+mn-cs"/>
                         </a:rPr>
@@ -36214,7 +36648,7 @@
                           <a:solidFill>
                             <a:schemeClr val="tx1"/>
                           </a:solidFill>
-                          <a:latin typeface="+mn-lt"/>
+                          <a:latin typeface="Candara" panose="020E0502030303020204" pitchFamily="34" charset="0"/>
                           <a:ea typeface="+mn-ea"/>
                           <a:cs typeface="+mn-cs"/>
                         </a:rPr>
@@ -36231,7 +36665,7 @@
                           <a:solidFill>
                             <a:schemeClr val="tx1"/>
                           </a:solidFill>
-                          <a:latin typeface="+mn-lt"/>
+                          <a:latin typeface="Candara" panose="020E0502030303020204" pitchFamily="34" charset="0"/>
                           <a:ea typeface="+mn-ea"/>
                           <a:cs typeface="+mn-cs"/>
                         </a:rPr>
@@ -36248,7 +36682,7 @@
                           <a:solidFill>
                             <a:schemeClr val="tx1"/>
                           </a:solidFill>
-                          <a:latin typeface="+mn-lt"/>
+                          <a:latin typeface="Candara" panose="020E0502030303020204" pitchFamily="34" charset="0"/>
                           <a:ea typeface="+mn-ea"/>
                           <a:cs typeface="+mn-cs"/>
                         </a:rPr>
@@ -36271,16 +36705,22 @@
                     <a:lstStyle/>
                     <a:p>
                       <a:r>
-                        <a:rPr lang="en-US" sz="1500" b="0" dirty="0" smtClean="0"/>
+                        <a:rPr lang="en-US" sz="1500" b="0" dirty="0" smtClean="0">
+                          <a:latin typeface="Candara" panose="020E0502030303020204" pitchFamily="34" charset="0"/>
+                        </a:rPr>
                         <a:t>Test specifications,</a:t>
                       </a:r>
                     </a:p>
                     <a:p>
                       <a:r>
-                        <a:rPr lang="en-US" sz="1500" b="0" dirty="0" smtClean="0"/>
+                        <a:rPr lang="en-US" sz="1500" b="0" dirty="0" smtClean="0">
+                          <a:latin typeface="Candara" panose="020E0502030303020204" pitchFamily="34" charset="0"/>
+                        </a:rPr>
                         <a:t>preparation and execution</a:t>
                       </a:r>
-                      <a:endParaRPr lang="en-US" sz="1500" b="0" dirty="0"/>
+                      <a:endParaRPr lang="en-US" sz="1500" b="0" dirty="0">
+                        <a:latin typeface="Candara" panose="020E0502030303020204" pitchFamily="34" charset="0"/>
+                      </a:endParaRPr>
                     </a:p>
                   </a:txBody>
                   <a:tcPr/>
@@ -36291,7 +36731,9 @@
                     <a:lstStyle/>
                     <a:p>
                       <a:r>
-                        <a:rPr lang="en-US" sz="1500" b="0" dirty="0" smtClean="0"/>
+                        <a:rPr lang="en-US" sz="1500" b="0" dirty="0" smtClean="0">
+                          <a:latin typeface="Candara" panose="020E0502030303020204" pitchFamily="34" charset="0"/>
+                        </a:rPr>
                         <a:t>Initiate the specification, preparation, implementation and execution of tests</a:t>
                       </a:r>
                     </a:p>
@@ -36301,7 +36743,9 @@
                         <a:buChar char="•"/>
                       </a:pPr>
                       <a:r>
-                        <a:rPr lang="en-US" sz="1500" b="0" dirty="0" smtClean="0"/>
+                        <a:rPr lang="en-US" sz="1500" b="0" dirty="0" smtClean="0">
+                          <a:latin typeface="Candara" panose="020E0502030303020204" pitchFamily="34" charset="0"/>
+                        </a:rPr>
                         <a:t>monitor the test results</a:t>
                       </a:r>
                     </a:p>
@@ -36311,10 +36755,14 @@
                         <a:buChar char="•"/>
                       </a:pPr>
                       <a:r>
-                        <a:rPr lang="en-US" sz="1500" b="0" dirty="0" smtClean="0"/>
+                        <a:rPr lang="en-US" sz="1500" b="0" dirty="0" smtClean="0">
+                          <a:latin typeface="Candara" panose="020E0502030303020204" pitchFamily="34" charset="0"/>
+                        </a:rPr>
                         <a:t>check the exit criteria</a:t>
                       </a:r>
-                      <a:endParaRPr lang="en-US" sz="1500" b="0" dirty="0"/>
+                      <a:endParaRPr lang="en-US" sz="1500" b="0" dirty="0">
+                        <a:latin typeface="Candara" panose="020E0502030303020204" pitchFamily="34" charset="0"/>
+                      </a:endParaRPr>
                     </a:p>
                   </a:txBody>
                   <a:tcPr/>
@@ -36332,10 +36780,14 @@
                     <a:lstStyle/>
                     <a:p>
                       <a:r>
-                        <a:rPr lang="en-US" sz="1500" b="0" dirty="0" smtClean="0"/>
+                        <a:rPr lang="en-US" sz="1500" b="0" dirty="0" smtClean="0">
+                          <a:latin typeface="Candara" panose="020E0502030303020204" pitchFamily="34" charset="0"/>
+                        </a:rPr>
                         <a:t>Adapt planning</a:t>
                       </a:r>
-                      <a:endParaRPr lang="en-US" sz="1500" b="0" dirty="0"/>
+                      <a:endParaRPr lang="en-US" sz="1500" b="0" dirty="0">
+                        <a:latin typeface="Candara" panose="020E0502030303020204" pitchFamily="34" charset="0"/>
+                      </a:endParaRPr>
                     </a:p>
                   </a:txBody>
                   <a:tcPr/>
@@ -36367,7 +36819,7 @@
                           <a:solidFill>
                             <a:schemeClr val="tx1"/>
                           </a:solidFill>
-                          <a:latin typeface="+mn-lt"/>
+                          <a:latin typeface="Candara" panose="020E0502030303020204" pitchFamily="34" charset="0"/>
                           <a:ea typeface="+mn-ea"/>
                           <a:cs typeface="+mn-cs"/>
                         </a:rPr>
@@ -36390,10 +36842,14 @@
                     <a:lstStyle/>
                     <a:p>
                       <a:r>
-                        <a:rPr lang="en-US" sz="1500" b="0" dirty="0" smtClean="0"/>
+                        <a:rPr lang="en-US" sz="1500" b="0" dirty="0" smtClean="0">
+                          <a:latin typeface="Candara" panose="020E0502030303020204" pitchFamily="34" charset="0"/>
+                        </a:rPr>
                         <a:t>Manage test configuration</a:t>
                       </a:r>
-                      <a:endParaRPr lang="en-US" sz="1500" b="0" dirty="0"/>
+                      <a:endParaRPr lang="en-US" sz="1500" b="0" dirty="0">
+                        <a:latin typeface="Candara" panose="020E0502030303020204" pitchFamily="34" charset="0"/>
+                      </a:endParaRPr>
                     </a:p>
                   </a:txBody>
                   <a:tcPr/>
@@ -36404,10 +36860,14 @@
                     <a:lstStyle/>
                     <a:p>
                       <a:r>
-                        <a:rPr lang="en-US" sz="1500" b="0" dirty="0" smtClean="0"/>
+                        <a:rPr lang="en-US" sz="1500" b="0" dirty="0" smtClean="0">
+                          <a:latin typeface="Candara" panose="020E0502030303020204" pitchFamily="34" charset="0"/>
+                        </a:rPr>
                         <a:t>Set up adequate configuration management for traceability</a:t>
                       </a:r>
-                      <a:endParaRPr lang="en-US" sz="1500" b="0" dirty="0"/>
+                      <a:endParaRPr lang="en-US" sz="1500" b="0" dirty="0">
+                        <a:latin typeface="Candara" panose="020E0502030303020204" pitchFamily="34" charset="0"/>
+                      </a:endParaRPr>
                     </a:p>
                   </a:txBody>
                   <a:tcPr/>
@@ -36425,10 +36885,14 @@
                     <a:lstStyle/>
                     <a:p>
                       <a:r>
-                        <a:rPr lang="en-US" sz="1500" b="0" dirty="0" smtClean="0"/>
+                        <a:rPr lang="en-US" sz="1500" b="0" dirty="0" smtClean="0">
+                          <a:latin typeface="Candara" panose="020E0502030303020204" pitchFamily="34" charset="0"/>
+                        </a:rPr>
                         <a:t>Introduce metrics</a:t>
                       </a:r>
-                      <a:endParaRPr lang="en-US" sz="1500" b="0" dirty="0"/>
+                      <a:endParaRPr lang="en-US" sz="1500" b="0" dirty="0">
+                        <a:latin typeface="Candara" panose="020E0502030303020204" pitchFamily="34" charset="0"/>
+                      </a:endParaRPr>
                     </a:p>
                   </a:txBody>
                   <a:tcPr/>
@@ -36439,10 +36903,14 @@
                     <a:lstStyle/>
                     <a:p>
                       <a:r>
-                        <a:rPr lang="en-US" sz="1500" b="0" dirty="0" smtClean="0"/>
+                        <a:rPr lang="en-US" sz="1500" b="0" dirty="0" smtClean="0">
+                          <a:latin typeface="Candara" panose="020E0502030303020204" pitchFamily="34" charset="0"/>
+                        </a:rPr>
                         <a:t>For measuring test progress and evaluating the quality of testing &amp; product</a:t>
                       </a:r>
-                      <a:endParaRPr lang="en-US" sz="1500" b="0" dirty="0"/>
+                      <a:endParaRPr lang="en-US" sz="1500" b="0" dirty="0">
+                        <a:latin typeface="Candara" panose="020E0502030303020204" pitchFamily="34" charset="0"/>
+                      </a:endParaRPr>
                     </a:p>
                   </a:txBody>
                   <a:tcPr/>
@@ -36460,10 +36928,14 @@
                     <a:lstStyle/>
                     <a:p>
                       <a:r>
-                        <a:rPr lang="en-US" sz="1500" b="0" dirty="0" smtClean="0"/>
+                        <a:rPr lang="en-US" sz="1500" b="0" dirty="0" smtClean="0">
+                          <a:latin typeface="Candara" panose="020E0502030303020204" pitchFamily="34" charset="0"/>
+                        </a:rPr>
                         <a:t>Automation of tests</a:t>
                       </a:r>
-                      <a:endParaRPr lang="en-US" sz="1500" b="0" dirty="0"/>
+                      <a:endParaRPr lang="en-US" sz="1500" b="0" dirty="0">
+                        <a:latin typeface="Candara" panose="020E0502030303020204" pitchFamily="34" charset="0"/>
+                      </a:endParaRPr>
                     </a:p>
                   </a:txBody>
                   <a:tcPr/>
@@ -36474,10 +36946,14 @@
                     <a:lstStyle/>
                     <a:p>
                       <a:r>
-                        <a:rPr lang="en-US" sz="1500" b="0" dirty="0" smtClean="0"/>
+                        <a:rPr lang="en-US" sz="1500" b="0" dirty="0" smtClean="0">
+                          <a:latin typeface="Candara" panose="020E0502030303020204" pitchFamily="34" charset="0"/>
+                        </a:rPr>
                         <a:t>Decide what should be automated, to what degree, and how</a:t>
                       </a:r>
-                      <a:endParaRPr lang="en-US" sz="1500" b="0" dirty="0"/>
+                      <a:endParaRPr lang="en-US" sz="1500" b="0" dirty="0">
+                        <a:latin typeface="Candara" panose="020E0502030303020204" pitchFamily="34" charset="0"/>
+                      </a:endParaRPr>
                     </a:p>
                   </a:txBody>
                   <a:tcPr/>
@@ -36495,10 +36971,14 @@
                     <a:lstStyle/>
                     <a:p>
                       <a:r>
-                        <a:rPr lang="en-US" sz="1500" b="0" dirty="0" smtClean="0"/>
+                        <a:rPr lang="en-US" sz="1500" b="0" dirty="0" smtClean="0">
+                          <a:latin typeface="Candara" panose="020E0502030303020204" pitchFamily="34" charset="0"/>
+                        </a:rPr>
                         <a:t>Select test tools</a:t>
                       </a:r>
-                      <a:endParaRPr lang="en-US" sz="1500" b="0" dirty="0"/>
+                      <a:endParaRPr lang="en-US" sz="1500" b="0" dirty="0">
+                        <a:latin typeface="Candara" panose="020E0502030303020204" pitchFamily="34" charset="0"/>
+                      </a:endParaRPr>
                     </a:p>
                   </a:txBody>
                   <a:tcPr/>
@@ -36509,10 +36989,14 @@
                     <a:lstStyle/>
                     <a:p>
                       <a:r>
-                        <a:rPr lang="en-US" sz="1500" b="0" dirty="0" smtClean="0"/>
+                        <a:rPr lang="en-US" sz="1500" b="0" dirty="0" smtClean="0">
+                          <a:latin typeface="Candara" panose="020E0502030303020204" pitchFamily="34" charset="0"/>
+                        </a:rPr>
                         <a:t>Select tools to support testing and organize trainings for tool users</a:t>
                       </a:r>
-                      <a:endParaRPr lang="en-US" sz="1500" b="0" dirty="0"/>
+                      <a:endParaRPr lang="en-US" sz="1500" b="0" dirty="0">
+                        <a:latin typeface="Candara" panose="020E0502030303020204" pitchFamily="34" charset="0"/>
+                      </a:endParaRPr>
                     </a:p>
                   </a:txBody>
                   <a:tcPr/>
@@ -36530,10 +37014,14 @@
                     <a:lstStyle/>
                     <a:p>
                       <a:r>
-                        <a:rPr lang="en-US" sz="1500" b="0" dirty="0" smtClean="0"/>
+                        <a:rPr lang="en-US" sz="1500" b="0" dirty="0" smtClean="0">
+                          <a:latin typeface="Candara" panose="020E0502030303020204" pitchFamily="34" charset="0"/>
+                        </a:rPr>
                         <a:t>Test environment</a:t>
                       </a:r>
-                      <a:endParaRPr lang="en-US" sz="1500" b="0" dirty="0"/>
+                      <a:endParaRPr lang="en-US" sz="1500" b="0" dirty="0">
+                        <a:latin typeface="Candara" panose="020E0502030303020204" pitchFamily="34" charset="0"/>
+                      </a:endParaRPr>
                     </a:p>
                   </a:txBody>
                   <a:tcPr/>
@@ -36544,10 +37032,14 @@
                     <a:lstStyle/>
                     <a:p>
                       <a:r>
-                        <a:rPr lang="en-US" sz="1500" b="0" dirty="0" smtClean="0"/>
+                        <a:rPr lang="en-US" sz="1500" b="0" dirty="0" smtClean="0">
+                          <a:latin typeface="Candara" panose="020E0502030303020204" pitchFamily="34" charset="0"/>
+                        </a:rPr>
                         <a:t>Decide about the implementation of the test environment</a:t>
                       </a:r>
-                      <a:endParaRPr lang="en-US" sz="1500" b="0" dirty="0"/>
+                      <a:endParaRPr lang="en-US" sz="1500" b="0" dirty="0">
+                        <a:latin typeface="Candara" panose="020E0502030303020204" pitchFamily="34" charset="0"/>
+                      </a:endParaRPr>
                     </a:p>
                   </a:txBody>
                   <a:tcPr/>
@@ -36565,10 +37057,14 @@
                     <a:lstStyle/>
                     <a:p>
                       <a:r>
-                        <a:rPr lang="en-US" sz="1500" b="0" dirty="0" smtClean="0"/>
+                        <a:rPr lang="en-US" sz="1500" b="0" dirty="0" smtClean="0">
+                          <a:latin typeface="Candara" panose="020E0502030303020204" pitchFamily="34" charset="0"/>
+                        </a:rPr>
                         <a:t>Test summary reports</a:t>
                       </a:r>
-                      <a:endParaRPr lang="en-US" sz="1500" b="0" dirty="0"/>
+                      <a:endParaRPr lang="en-US" sz="1500" b="0" dirty="0">
+                        <a:latin typeface="Candara" panose="020E0502030303020204" pitchFamily="34" charset="0"/>
+                      </a:endParaRPr>
                     </a:p>
                   </a:txBody>
                   <a:tcPr/>
@@ -36579,10 +37075,14 @@
                     <a:lstStyle/>
                     <a:p>
                       <a:r>
-                        <a:rPr lang="en-US" sz="1500" b="0" dirty="0" smtClean="0"/>
+                        <a:rPr lang="en-US" sz="1500" b="0" dirty="0" smtClean="0">
+                          <a:latin typeface="Candara" panose="020E0502030303020204" pitchFamily="34" charset="0"/>
+                        </a:rPr>
                         <a:t>Write test summary reports based on the information gathered during testing</a:t>
                       </a:r>
-                      <a:endParaRPr lang="en-US" sz="1500" b="0" dirty="0"/>
+                      <a:endParaRPr lang="en-US" sz="1500" b="0" dirty="0">
+                        <a:latin typeface="Candara" panose="020E0502030303020204" pitchFamily="34" charset="0"/>
+                      </a:endParaRPr>
                     </a:p>
                   </a:txBody>
                   <a:tcPr/>

--- a/SE401/Lectures/5-Test Management/Test Management.pptx
+++ b/SE401/Lectures/5-Test Management/Test Management.pptx
@@ -1819,15 +1819,27 @@
 </file>
 
 <file path=ppt/diagrams/colors3.xml><?xml version="1.0" encoding="utf-8"?>
-<dgm:colorsDef xmlns:dgm="http://schemas.openxmlformats.org/drawingml/2006/diagram" xmlns:a="http://schemas.openxmlformats.org/drawingml/2006/main" uniqueId="urn:microsoft.com/office/officeart/2005/8/colors/accent1_2">
+<dgm:colorsDef xmlns:dgm="http://schemas.openxmlformats.org/drawingml/2006/diagram" xmlns:a="http://schemas.openxmlformats.org/drawingml/2006/main" uniqueId="urn:microsoft.com/office/officeart/2005/8/colors/accent3_2">
   <dgm:title val=""/>
   <dgm:desc val=""/>
   <dgm:catLst>
-    <dgm:cat type="accent1" pri="11200"/>
+    <dgm:cat type="accent3" pri="11200"/>
   </dgm:catLst>
   <dgm:styleLbl name="node0">
     <dgm:fillClrLst meth="repeat">
-      <a:schemeClr val="accent1"/>
+      <a:schemeClr val="accent3"/>
+    </dgm:fillClrLst>
+    <dgm:linClrLst meth="repeat">
+      <a:schemeClr val="lt1"/>
+    </dgm:linClrLst>
+    <dgm:effectClrLst/>
+    <dgm:txLinClrLst/>
+    <dgm:txFillClrLst/>
+    <dgm:txEffectClrLst/>
+  </dgm:styleLbl>
+  <dgm:styleLbl name="node1">
+    <dgm:fillClrLst meth="repeat">
+      <a:schemeClr val="accent3"/>
     </dgm:fillClrLst>
     <dgm:linClrLst meth="repeat">
       <a:schemeClr val="lt1"/>
@@ -1839,22 +1851,10 @@
   </dgm:styleLbl>
   <dgm:styleLbl name="alignNode1">
     <dgm:fillClrLst meth="repeat">
-      <a:schemeClr val="accent1"/>
+      <a:schemeClr val="accent3"/>
     </dgm:fillClrLst>
     <dgm:linClrLst meth="repeat">
-      <a:schemeClr val="accent1"/>
-    </dgm:linClrLst>
-    <dgm:effectClrLst/>
-    <dgm:txLinClrLst/>
-    <dgm:txFillClrLst/>
-    <dgm:txEffectClrLst/>
-  </dgm:styleLbl>
-  <dgm:styleLbl name="node1">
-    <dgm:fillClrLst meth="repeat">
-      <a:schemeClr val="accent1"/>
-    </dgm:fillClrLst>
-    <dgm:linClrLst meth="repeat">
-      <a:schemeClr val="lt1"/>
+      <a:schemeClr val="accent3"/>
     </dgm:linClrLst>
     <dgm:effectClrLst/>
     <dgm:txLinClrLst/>
@@ -1863,7 +1863,7 @@
   </dgm:styleLbl>
   <dgm:styleLbl name="lnNode1">
     <dgm:fillClrLst meth="repeat">
-      <a:schemeClr val="accent1"/>
+      <a:schemeClr val="accent3"/>
     </dgm:fillClrLst>
     <dgm:linClrLst meth="repeat">
       <a:schemeClr val="lt1"/>
@@ -1875,7 +1875,7 @@
   </dgm:styleLbl>
   <dgm:styleLbl name="vennNode1">
     <dgm:fillClrLst meth="repeat">
-      <a:schemeClr val="accent1">
+      <a:schemeClr val="accent3">
         <a:alpha val="50000"/>
       </a:schemeClr>
     </dgm:fillClrLst>
@@ -1889,7 +1889,7 @@
   </dgm:styleLbl>
   <dgm:styleLbl name="node2">
     <dgm:fillClrLst meth="repeat">
-      <a:schemeClr val="accent1"/>
+      <a:schemeClr val="accent3"/>
     </dgm:fillClrLst>
     <dgm:linClrLst meth="repeat">
       <a:schemeClr val="lt1"/>
@@ -1901,7 +1901,7 @@
   </dgm:styleLbl>
   <dgm:styleLbl name="node3">
     <dgm:fillClrLst meth="repeat">
-      <a:schemeClr val="accent1"/>
+      <a:schemeClr val="accent3"/>
     </dgm:fillClrLst>
     <dgm:linClrLst meth="repeat">
       <a:schemeClr val="lt1"/>
@@ -1913,7 +1913,7 @@
   </dgm:styleLbl>
   <dgm:styleLbl name="node4">
     <dgm:fillClrLst meth="repeat">
-      <a:schemeClr val="accent1"/>
+      <a:schemeClr val="accent3"/>
     </dgm:fillClrLst>
     <dgm:linClrLst meth="repeat">
       <a:schemeClr val="lt1"/>
@@ -1925,7 +1925,7 @@
   </dgm:styleLbl>
   <dgm:styleLbl name="fgImgPlace1">
     <dgm:fillClrLst meth="repeat">
-      <a:schemeClr val="accent1">
+      <a:schemeClr val="accent3">
         <a:tint val="50000"/>
       </a:schemeClr>
     </dgm:fillClrLst>
@@ -1941,7 +1941,7 @@
   </dgm:styleLbl>
   <dgm:styleLbl name="alignImgPlace1">
     <dgm:fillClrLst meth="repeat">
-      <a:schemeClr val="accent1">
+      <a:schemeClr val="accent3">
         <a:tint val="50000"/>
       </a:schemeClr>
     </dgm:fillClrLst>
@@ -1957,7 +1957,7 @@
   </dgm:styleLbl>
   <dgm:styleLbl name="bgImgPlace1">
     <dgm:fillClrLst meth="repeat">
-      <a:schemeClr val="accent1">
+      <a:schemeClr val="accent3">
         <a:tint val="50000"/>
       </a:schemeClr>
     </dgm:fillClrLst>
@@ -1973,12 +1973,12 @@
   </dgm:styleLbl>
   <dgm:styleLbl name="sibTrans2D1">
     <dgm:fillClrLst meth="repeat">
-      <a:schemeClr val="accent1">
+      <a:schemeClr val="accent3">
         <a:tint val="60000"/>
       </a:schemeClr>
     </dgm:fillClrLst>
     <dgm:linClrLst meth="repeat">
-      <a:schemeClr val="accent1">
+      <a:schemeClr val="accent3">
         <a:tint val="60000"/>
       </a:schemeClr>
     </dgm:linClrLst>
@@ -1989,12 +1989,12 @@
   </dgm:styleLbl>
   <dgm:styleLbl name="fgSibTrans2D1">
     <dgm:fillClrLst meth="repeat">
-      <a:schemeClr val="accent1">
+      <a:schemeClr val="accent3">
         <a:tint val="60000"/>
       </a:schemeClr>
     </dgm:fillClrLst>
     <dgm:linClrLst meth="repeat">
-      <a:schemeClr val="accent1">
+      <a:schemeClr val="accent3">
         <a:tint val="60000"/>
       </a:schemeClr>
     </dgm:linClrLst>
@@ -2005,12 +2005,12 @@
   </dgm:styleLbl>
   <dgm:styleLbl name="bgSibTrans2D1">
     <dgm:fillClrLst meth="repeat">
-      <a:schemeClr val="accent1">
+      <a:schemeClr val="accent3">
         <a:tint val="60000"/>
       </a:schemeClr>
     </dgm:fillClrLst>
     <dgm:linClrLst meth="repeat">
-      <a:schemeClr val="accent1">
+      <a:schemeClr val="accent3">
         <a:tint val="60000"/>
       </a:schemeClr>
     </dgm:linClrLst>
@@ -2021,10 +2021,10 @@
   </dgm:styleLbl>
   <dgm:styleLbl name="sibTrans1D1">
     <dgm:fillClrLst meth="repeat">
-      <a:schemeClr val="accent1"/>
+      <a:schemeClr val="accent3"/>
     </dgm:fillClrLst>
     <dgm:linClrLst meth="repeat">
-      <a:schemeClr val="accent1"/>
+      <a:schemeClr val="accent3"/>
     </dgm:linClrLst>
     <dgm:effectClrLst/>
     <dgm:txLinClrLst/>
@@ -2035,10 +2035,10 @@
   </dgm:styleLbl>
   <dgm:styleLbl name="callout">
     <dgm:fillClrLst meth="repeat">
-      <a:schemeClr val="accent1"/>
+      <a:schemeClr val="accent3"/>
     </dgm:fillClrLst>
     <dgm:linClrLst meth="repeat">
-      <a:schemeClr val="accent1">
+      <a:schemeClr val="accent3">
         <a:tint val="50000"/>
       </a:schemeClr>
     </dgm:linClrLst>
@@ -2051,7 +2051,7 @@
   </dgm:styleLbl>
   <dgm:styleLbl name="asst0">
     <dgm:fillClrLst meth="repeat">
-      <a:schemeClr val="accent1"/>
+      <a:schemeClr val="accent3"/>
     </dgm:fillClrLst>
     <dgm:linClrLst meth="repeat">
       <a:schemeClr val="lt1"/>
@@ -2063,7 +2063,7 @@
   </dgm:styleLbl>
   <dgm:styleLbl name="asst1">
     <dgm:fillClrLst meth="repeat">
-      <a:schemeClr val="accent1"/>
+      <a:schemeClr val="accent3"/>
     </dgm:fillClrLst>
     <dgm:linClrLst meth="repeat">
       <a:schemeClr val="lt1"/>
@@ -2075,7 +2075,7 @@
   </dgm:styleLbl>
   <dgm:styleLbl name="asst2">
     <dgm:fillClrLst meth="repeat">
-      <a:schemeClr val="accent1"/>
+      <a:schemeClr val="accent3"/>
     </dgm:fillClrLst>
     <dgm:linClrLst meth="repeat">
       <a:schemeClr val="lt1"/>
@@ -2087,7 +2087,7 @@
   </dgm:styleLbl>
   <dgm:styleLbl name="asst3">
     <dgm:fillClrLst meth="repeat">
-      <a:schemeClr val="accent1"/>
+      <a:schemeClr val="accent3"/>
     </dgm:fillClrLst>
     <dgm:linClrLst meth="repeat">
       <a:schemeClr val="lt1"/>
@@ -2099,7 +2099,7 @@
   </dgm:styleLbl>
   <dgm:styleLbl name="asst4">
     <dgm:fillClrLst meth="repeat">
-      <a:schemeClr val="accent1"/>
+      <a:schemeClr val="accent3"/>
     </dgm:fillClrLst>
     <dgm:linClrLst meth="repeat">
       <a:schemeClr val="lt1"/>
@@ -2111,12 +2111,12 @@
   </dgm:styleLbl>
   <dgm:styleLbl name="parChTrans2D1">
     <dgm:fillClrLst meth="repeat">
-      <a:schemeClr val="accent1">
+      <a:schemeClr val="accent3">
         <a:tint val="60000"/>
       </a:schemeClr>
     </dgm:fillClrLst>
     <dgm:linClrLst meth="repeat">
-      <a:schemeClr val="accent1">
+      <a:schemeClr val="accent3">
         <a:tint val="60000"/>
       </a:schemeClr>
     </dgm:linClrLst>
@@ -2129,10 +2129,10 @@
   </dgm:styleLbl>
   <dgm:styleLbl name="parChTrans2D2">
     <dgm:fillClrLst meth="repeat">
-      <a:schemeClr val="accent1"/>
+      <a:schemeClr val="accent3"/>
     </dgm:fillClrLst>
     <dgm:linClrLst meth="repeat">
-      <a:schemeClr val="accent1"/>
+      <a:schemeClr val="accent3"/>
     </dgm:linClrLst>
     <dgm:effectClrLst/>
     <dgm:txLinClrLst/>
@@ -2143,10 +2143,10 @@
   </dgm:styleLbl>
   <dgm:styleLbl name="parChTrans2D3">
     <dgm:fillClrLst meth="repeat">
-      <a:schemeClr val="accent1"/>
+      <a:schemeClr val="accent3"/>
     </dgm:fillClrLst>
     <dgm:linClrLst meth="repeat">
-      <a:schemeClr val="accent1"/>
+      <a:schemeClr val="accent3"/>
     </dgm:linClrLst>
     <dgm:effectClrLst/>
     <dgm:txLinClrLst/>
@@ -2157,10 +2157,10 @@
   </dgm:styleLbl>
   <dgm:styleLbl name="parChTrans2D4">
     <dgm:fillClrLst meth="repeat">
-      <a:schemeClr val="accent1"/>
+      <a:schemeClr val="accent3"/>
     </dgm:fillClrLst>
     <dgm:linClrLst meth="repeat">
-      <a:schemeClr val="accent1"/>
+      <a:schemeClr val="accent3"/>
     </dgm:linClrLst>
     <dgm:effectClrLst/>
     <dgm:txLinClrLst/>
@@ -2171,10 +2171,10 @@
   </dgm:styleLbl>
   <dgm:styleLbl name="parChTrans1D1">
     <dgm:fillClrLst meth="repeat">
-      <a:schemeClr val="accent1"/>
+      <a:schemeClr val="accent3"/>
     </dgm:fillClrLst>
     <dgm:linClrLst meth="repeat">
-      <a:schemeClr val="accent1">
+      <a:schemeClr val="accent3">
         <a:shade val="60000"/>
       </a:schemeClr>
     </dgm:linClrLst>
@@ -2187,10 +2187,10 @@
   </dgm:styleLbl>
   <dgm:styleLbl name="parChTrans1D2">
     <dgm:fillClrLst meth="repeat">
-      <a:schemeClr val="accent1"/>
+      <a:schemeClr val="accent3"/>
     </dgm:fillClrLst>
     <dgm:linClrLst meth="repeat">
-      <a:schemeClr val="accent1">
+      <a:schemeClr val="accent3">
         <a:shade val="60000"/>
       </a:schemeClr>
     </dgm:linClrLst>
@@ -2203,10 +2203,10 @@
   </dgm:styleLbl>
   <dgm:styleLbl name="parChTrans1D3">
     <dgm:fillClrLst meth="repeat">
-      <a:schemeClr val="accent1"/>
+      <a:schemeClr val="accent3"/>
     </dgm:fillClrLst>
     <dgm:linClrLst meth="repeat">
-      <a:schemeClr val="accent1">
+      <a:schemeClr val="accent3">
         <a:shade val="80000"/>
       </a:schemeClr>
     </dgm:linClrLst>
@@ -2219,10 +2219,10 @@
   </dgm:styleLbl>
   <dgm:styleLbl name="parChTrans1D4">
     <dgm:fillClrLst meth="repeat">
-      <a:schemeClr val="accent1"/>
+      <a:schemeClr val="accent3"/>
     </dgm:fillClrLst>
     <dgm:linClrLst meth="repeat">
-      <a:schemeClr val="accent1">
+      <a:schemeClr val="accent3">
         <a:shade val="80000"/>
       </a:schemeClr>
     </dgm:linClrLst>
@@ -2240,7 +2240,7 @@
       </a:schemeClr>
     </dgm:fillClrLst>
     <dgm:linClrLst meth="repeat">
-      <a:schemeClr val="accent1"/>
+      <a:schemeClr val="accent3"/>
     </dgm:linClrLst>
     <dgm:effectClrLst/>
     <dgm:txLinClrLst/>
@@ -2256,7 +2256,7 @@
       </a:schemeClr>
     </dgm:fillClrLst>
     <dgm:linClrLst meth="repeat">
-      <a:schemeClr val="accent1"/>
+      <a:schemeClr val="accent3"/>
     </dgm:linClrLst>
     <dgm:effectClrLst/>
     <dgm:txLinClrLst/>
@@ -2272,7 +2272,7 @@
       </a:schemeClr>
     </dgm:fillClrLst>
     <dgm:linClrLst meth="repeat">
-      <a:schemeClr val="accent1"/>
+      <a:schemeClr val="accent3"/>
     </dgm:linClrLst>
     <dgm:effectClrLst/>
     <dgm:txLinClrLst/>
@@ -2288,7 +2288,7 @@
       </a:schemeClr>
     </dgm:fillClrLst>
     <dgm:linClrLst meth="repeat">
-      <a:schemeClr val="accent1"/>
+      <a:schemeClr val="accent3"/>
     </dgm:linClrLst>
     <dgm:effectClrLst/>
     <dgm:txLinClrLst/>
@@ -2304,7 +2304,7 @@
       </a:schemeClr>
     </dgm:fillClrLst>
     <dgm:linClrLst meth="repeat">
-      <a:schemeClr val="accent1"/>
+      <a:schemeClr val="accent3"/>
     </dgm:linClrLst>
     <dgm:effectClrLst/>
     <dgm:txLinClrLst/>
@@ -2318,7 +2318,7 @@
       <a:schemeClr val="lt1"/>
     </dgm:fillClrLst>
     <dgm:linClrLst meth="repeat">
-      <a:schemeClr val="accent1"/>
+      <a:schemeClr val="accent3"/>
     </dgm:linClrLst>
     <dgm:effectClrLst/>
     <dgm:txLinClrLst/>
@@ -2332,7 +2332,7 @@
       <a:schemeClr val="lt1"/>
     </dgm:fillClrLst>
     <dgm:linClrLst meth="repeat">
-      <a:schemeClr val="accent1"/>
+      <a:schemeClr val="accent3"/>
     </dgm:linClrLst>
     <dgm:effectClrLst/>
     <dgm:txLinClrLst/>
@@ -2346,7 +2346,7 @@
       <a:schemeClr val="lt1"/>
     </dgm:fillClrLst>
     <dgm:linClrLst meth="repeat">
-      <a:schemeClr val="accent1"/>
+      <a:schemeClr val="accent3"/>
     </dgm:linClrLst>
     <dgm:effectClrLst/>
     <dgm:txLinClrLst/>
@@ -2357,13 +2357,13 @@
   </dgm:styleLbl>
   <dgm:styleLbl name="fgAccFollowNode1">
     <dgm:fillClrLst meth="repeat">
-      <a:schemeClr val="accent1">
+      <a:schemeClr val="accent3">
         <a:alpha val="90000"/>
         <a:tint val="40000"/>
       </a:schemeClr>
     </dgm:fillClrLst>
     <dgm:linClrLst meth="repeat">
-      <a:schemeClr val="accent1">
+      <a:schemeClr val="accent3">
         <a:alpha val="90000"/>
         <a:tint val="40000"/>
       </a:schemeClr>
@@ -2377,13 +2377,13 @@
   </dgm:styleLbl>
   <dgm:styleLbl name="alignAccFollowNode1">
     <dgm:fillClrLst meth="repeat">
-      <a:schemeClr val="accent1">
+      <a:schemeClr val="accent3">
         <a:alpha val="90000"/>
         <a:tint val="40000"/>
       </a:schemeClr>
     </dgm:fillClrLst>
     <dgm:linClrLst meth="repeat">
-      <a:schemeClr val="accent1">
+      <a:schemeClr val="accent3">
         <a:alpha val="90000"/>
         <a:tint val="40000"/>
       </a:schemeClr>
@@ -2397,13 +2397,13 @@
   </dgm:styleLbl>
   <dgm:styleLbl name="bgAccFollowNode1">
     <dgm:fillClrLst meth="repeat">
-      <a:schemeClr val="accent1">
+      <a:schemeClr val="accent3">
         <a:alpha val="90000"/>
         <a:tint val="40000"/>
       </a:schemeClr>
     </dgm:fillClrLst>
     <dgm:linClrLst meth="repeat">
-      <a:schemeClr val="accent1">
+      <a:schemeClr val="accent3">
         <a:alpha val="90000"/>
         <a:tint val="40000"/>
       </a:schemeClr>
@@ -2422,7 +2422,7 @@
       </a:schemeClr>
     </dgm:fillClrLst>
     <dgm:linClrLst meth="repeat">
-      <a:schemeClr val="accent1"/>
+      <a:schemeClr val="accent3"/>
     </dgm:linClrLst>
     <dgm:effectClrLst/>
     <dgm:txLinClrLst/>
@@ -2438,7 +2438,7 @@
       </a:schemeClr>
     </dgm:fillClrLst>
     <dgm:linClrLst meth="repeat">
-      <a:schemeClr val="accent1"/>
+      <a:schemeClr val="accent3"/>
     </dgm:linClrLst>
     <dgm:effectClrLst/>
     <dgm:txLinClrLst/>
@@ -2454,7 +2454,7 @@
       </a:schemeClr>
     </dgm:fillClrLst>
     <dgm:linClrLst meth="repeat">
-      <a:schemeClr val="accent1"/>
+      <a:schemeClr val="accent3"/>
     </dgm:linClrLst>
     <dgm:effectClrLst/>
     <dgm:txLinClrLst/>
@@ -2470,7 +2470,7 @@
       </a:schemeClr>
     </dgm:fillClrLst>
     <dgm:linClrLst meth="repeat">
-      <a:schemeClr val="accent1"/>
+      <a:schemeClr val="accent3"/>
     </dgm:linClrLst>
     <dgm:effectClrLst/>
     <dgm:txLinClrLst/>
@@ -2481,12 +2481,12 @@
   </dgm:styleLbl>
   <dgm:styleLbl name="bgShp">
     <dgm:fillClrLst meth="repeat">
-      <a:schemeClr val="accent1">
+      <a:schemeClr val="accent3">
         <a:tint val="40000"/>
       </a:schemeClr>
     </dgm:fillClrLst>
     <dgm:linClrLst meth="repeat">
-      <a:schemeClr val="accent1"/>
+      <a:schemeClr val="accent3"/>
     </dgm:linClrLst>
     <dgm:effectClrLst/>
     <dgm:txLinClrLst/>
@@ -2497,12 +2497,12 @@
   </dgm:styleLbl>
   <dgm:styleLbl name="dkBgShp">
     <dgm:fillClrLst meth="repeat">
-      <a:schemeClr val="accent1">
+      <a:schemeClr val="accent3">
         <a:shade val="80000"/>
       </a:schemeClr>
     </dgm:fillClrLst>
     <dgm:linClrLst meth="repeat">
-      <a:schemeClr val="accent1"/>
+      <a:schemeClr val="accent3"/>
     </dgm:linClrLst>
     <dgm:effectClrLst/>
     <dgm:txLinClrLst/>
@@ -2513,13 +2513,13 @@
   </dgm:styleLbl>
   <dgm:styleLbl name="trBgShp">
     <dgm:fillClrLst meth="repeat">
-      <a:schemeClr val="accent1">
+      <a:schemeClr val="accent3">
         <a:tint val="50000"/>
         <a:alpha val="40000"/>
       </a:schemeClr>
     </dgm:fillClrLst>
     <dgm:linClrLst meth="repeat">
-      <a:schemeClr val="accent1"/>
+      <a:schemeClr val="accent3"/>
     </dgm:linClrLst>
     <dgm:effectClrLst/>
     <dgm:txLinClrLst/>
@@ -2530,7 +2530,7 @@
   </dgm:styleLbl>
   <dgm:styleLbl name="fgShp">
     <dgm:fillClrLst meth="repeat">
-      <a:schemeClr val="accent1">
+      <a:schemeClr val="accent3">
         <a:tint val="60000"/>
       </a:schemeClr>
     </dgm:fillClrLst>
@@ -3214,7 +3214,7 @@
 <dgm:dataModel xmlns:dgm="http://schemas.openxmlformats.org/drawingml/2006/diagram" xmlns:a="http://schemas.openxmlformats.org/drawingml/2006/main">
   <dgm:ptLst>
     <dgm:pt modelId="{9D110A29-7A0B-4A2E-AD84-9B0D8DA9D360}" type="doc">
-      <dgm:prSet loTypeId="urn:microsoft.com/office/officeart/2005/8/layout/hList1" loCatId="list" qsTypeId="urn:microsoft.com/office/officeart/2005/8/quickstyle/simple1" qsCatId="simple" csTypeId="urn:microsoft.com/office/officeart/2005/8/colors/accent1_2" csCatId="accent1" phldr="1"/>
+      <dgm:prSet loTypeId="urn:microsoft.com/office/officeart/2005/8/layout/hList1" loCatId="list" qsTypeId="urn:microsoft.com/office/officeart/2005/8/quickstyle/simple1" qsCatId="simple" csTypeId="urn:microsoft.com/office/officeart/2005/8/colors/accent3_2" csCatId="accent3" phldr="1"/>
       <dgm:spPr/>
       <dgm:t>
         <a:bodyPr/>
@@ -3225,19 +3225,19 @@
       </dgm:t>
     </dgm:pt>
     <dgm:pt modelId="{C74217A2-7D3C-4239-B713-C8B269175DD5}">
-      <dgm:prSet phldrT="[Text]"/>
+      <dgm:prSet phldrT="[Text]" custT="1"/>
       <dgm:spPr/>
       <dgm:t>
         <a:bodyPr/>
         <a:lstStyle/>
         <a:p>
           <a:r>
-            <a:rPr lang="en-US" dirty="0" smtClean="0">
+            <a:rPr lang="en-US" sz="2300" dirty="0" smtClean="0">
               <a:latin typeface="Candara" panose="020E0502030303020204" pitchFamily="34" charset="0"/>
             </a:rPr>
             <a:t>Organizational Factors</a:t>
           </a:r>
-          <a:endParaRPr lang="en-US" dirty="0">
+          <a:endParaRPr lang="en-US" sz="2300" dirty="0">
             <a:latin typeface="Candara" panose="020E0502030303020204" pitchFamily="34" charset="0"/>
           </a:endParaRPr>
         </a:p>
@@ -3266,17 +3266,27 @@
       </dgm:t>
     </dgm:pt>
     <dgm:pt modelId="{1C785495-DE29-403F-A04D-E3409120E2B8}">
-      <dgm:prSet phldrT="[Text]"/>
+      <dgm:prSet phldrT="[Text]" custT="1"/>
       <dgm:spPr/>
       <dgm:t>
         <a:bodyPr/>
         <a:lstStyle/>
         <a:p>
           <a:r>
-            <a:rPr lang="en-US" dirty="0" smtClean="0"/>
-            <a:t>Skill and staff shortage</a:t>
+            <a:rPr lang="en-US" sz="2100" dirty="0" smtClean="0">
+              <a:latin typeface="Candara" panose="020E0502030303020204" pitchFamily="34" charset="0"/>
+            </a:rPr>
+            <a:t>Skill/staff </a:t>
           </a:r>
-          <a:endParaRPr lang="en-US" dirty="0"/>
+          <a:r>
+            <a:rPr lang="en-US" sz="2100" dirty="0" smtClean="0">
+              <a:latin typeface="Candara" panose="020E0502030303020204" pitchFamily="34" charset="0"/>
+            </a:rPr>
+            <a:t>shortage</a:t>
+          </a:r>
+          <a:endParaRPr lang="en-US" sz="2100" dirty="0">
+            <a:latin typeface="Candara" panose="020E0502030303020204" pitchFamily="34" charset="0"/>
+          </a:endParaRPr>
         </a:p>
       </dgm:t>
     </dgm:pt>
@@ -3303,17 +3313,27 @@
       </dgm:t>
     </dgm:pt>
     <dgm:pt modelId="{933795DB-EBD3-42A5-9F05-3FDE52340FBB}">
-      <dgm:prSet phldrT="[Text]"/>
+      <dgm:prSet phldrT="[Text]" custT="1"/>
       <dgm:spPr/>
       <dgm:t>
         <a:bodyPr/>
         <a:lstStyle/>
         <a:p>
           <a:r>
-            <a:rPr lang="en-US" dirty="0" smtClean="0"/>
-            <a:t>Personal and training issues</a:t>
+            <a:rPr lang="en-US" sz="2100" dirty="0" smtClean="0">
+              <a:latin typeface="Candara" panose="020E0502030303020204" pitchFamily="34" charset="0"/>
+            </a:rPr>
+            <a:t>Personal/training </a:t>
           </a:r>
-          <a:endParaRPr lang="en-US" dirty="0"/>
+          <a:r>
+            <a:rPr lang="en-US" sz="2100" dirty="0" smtClean="0">
+              <a:latin typeface="Candara" panose="020E0502030303020204" pitchFamily="34" charset="0"/>
+            </a:rPr>
+            <a:t>issues</a:t>
+          </a:r>
+          <a:endParaRPr lang="en-US" sz="2100" dirty="0">
+            <a:latin typeface="Candara" panose="020E0502030303020204" pitchFamily="34" charset="0"/>
+          </a:endParaRPr>
         </a:p>
       </dgm:t>
     </dgm:pt>
@@ -3340,19 +3360,19 @@
       </dgm:t>
     </dgm:pt>
     <dgm:pt modelId="{DDD0B274-FF42-44FA-9763-36432F12F6F9}">
-      <dgm:prSet phldrT="[Text]"/>
+      <dgm:prSet phldrT="[Text]" custT="1"/>
       <dgm:spPr/>
       <dgm:t>
         <a:bodyPr/>
         <a:lstStyle/>
         <a:p>
           <a:r>
-            <a:rPr lang="en-US" dirty="0" smtClean="0">
+            <a:rPr lang="en-US" sz="2300" dirty="0" smtClean="0">
               <a:latin typeface="Candara" panose="020E0502030303020204" pitchFamily="34" charset="0"/>
             </a:rPr>
             <a:t>Technical Issues</a:t>
           </a:r>
-          <a:endParaRPr lang="en-US" dirty="0">
+          <a:endParaRPr lang="en-US" sz="2300" dirty="0">
             <a:latin typeface="Candara" panose="020E0502030303020204" pitchFamily="34" charset="0"/>
           </a:endParaRPr>
         </a:p>
@@ -3381,17 +3401,21 @@
       </dgm:t>
     </dgm:pt>
     <dgm:pt modelId="{36AC6971-5B2E-4E7F-961B-BD6E93837DB3}">
-      <dgm:prSet phldrT="[Text]"/>
+      <dgm:prSet phldrT="[Text]" custT="1"/>
       <dgm:spPr/>
       <dgm:t>
         <a:bodyPr/>
         <a:lstStyle/>
         <a:p>
           <a:r>
-            <a:rPr lang="en-US" dirty="0" smtClean="0"/>
+            <a:rPr lang="en-US" sz="2100" dirty="0" smtClean="0">
+              <a:latin typeface="Candara" panose="020E0502030303020204" pitchFamily="34" charset="0"/>
+            </a:rPr>
             <a:t>Problems in defining the right requirements</a:t>
           </a:r>
-          <a:endParaRPr lang="en-US" dirty="0"/>
+          <a:endParaRPr lang="en-US" sz="2100" dirty="0">
+            <a:latin typeface="Candara" panose="020E0502030303020204" pitchFamily="34" charset="0"/>
+          </a:endParaRPr>
         </a:p>
       </dgm:t>
     </dgm:pt>
@@ -3418,17 +3442,21 @@
       </dgm:t>
     </dgm:pt>
     <dgm:pt modelId="{E7026019-9EE8-457F-B94B-7DD063BA77B3}">
-      <dgm:prSet phldrT="[Text]"/>
+      <dgm:prSet phldrT="[Text]" custT="1"/>
       <dgm:spPr/>
       <dgm:t>
         <a:bodyPr/>
         <a:lstStyle/>
         <a:p>
           <a:r>
-            <a:rPr lang="en-US" dirty="0" smtClean="0"/>
+            <a:rPr lang="en-US" sz="2100" dirty="0" smtClean="0">
+              <a:latin typeface="Candara" panose="020E0502030303020204" pitchFamily="34" charset="0"/>
+            </a:rPr>
             <a:t>The extent that requirements can be met given existing constraints</a:t>
           </a:r>
-          <a:endParaRPr lang="en-US" dirty="0"/>
+          <a:endParaRPr lang="en-US" sz="2100" dirty="0">
+            <a:latin typeface="Candara" panose="020E0502030303020204" pitchFamily="34" charset="0"/>
+          </a:endParaRPr>
         </a:p>
       </dgm:t>
     </dgm:pt>
@@ -3455,19 +3483,19 @@
       </dgm:t>
     </dgm:pt>
     <dgm:pt modelId="{731F9475-2C67-4995-B3D2-5C16341EFDC4}">
-      <dgm:prSet phldrT="[Text]"/>
+      <dgm:prSet phldrT="[Text]" custT="1"/>
       <dgm:spPr/>
       <dgm:t>
         <a:bodyPr/>
         <a:lstStyle/>
         <a:p>
           <a:r>
-            <a:rPr lang="en-US" dirty="0" smtClean="0">
+            <a:rPr lang="en-US" sz="2300" dirty="0" smtClean="0">
               <a:latin typeface="Candara" panose="020E0502030303020204" pitchFamily="34" charset="0"/>
             </a:rPr>
             <a:t>Supplier Issues</a:t>
           </a:r>
-          <a:endParaRPr lang="en-US" dirty="0">
+          <a:endParaRPr lang="en-US" sz="2300" dirty="0">
             <a:latin typeface="Candara" panose="020E0502030303020204" pitchFamily="34" charset="0"/>
           </a:endParaRPr>
         </a:p>
@@ -3496,17 +3524,21 @@
       </dgm:t>
     </dgm:pt>
     <dgm:pt modelId="{5B5E37B1-CFC9-41BD-BBA8-743CDBCD43AD}">
-      <dgm:prSet phldrT="[Text]"/>
+      <dgm:prSet phldrT="[Text]" custT="1"/>
       <dgm:spPr/>
       <dgm:t>
         <a:bodyPr/>
         <a:lstStyle/>
         <a:p>
           <a:r>
-            <a:rPr lang="en-US" dirty="0" smtClean="0"/>
+            <a:rPr lang="en-US" sz="2200" dirty="0" smtClean="0">
+              <a:latin typeface="Candara" panose="020E0502030303020204" pitchFamily="34" charset="0"/>
+            </a:rPr>
             <a:t>Failure of a third part</a:t>
           </a:r>
-          <a:endParaRPr lang="en-US" dirty="0"/>
+          <a:endParaRPr lang="en-US" sz="2200" dirty="0">
+            <a:latin typeface="Candara" panose="020E0502030303020204" pitchFamily="34" charset="0"/>
+          </a:endParaRPr>
         </a:p>
       </dgm:t>
     </dgm:pt>
@@ -3533,17 +3565,21 @@
       </dgm:t>
     </dgm:pt>
     <dgm:pt modelId="{FB5F400F-1D44-4049-8EC5-FAEBDA052B07}">
-      <dgm:prSet phldrT="[Text]"/>
+      <dgm:prSet phldrT="[Text]" custT="1"/>
       <dgm:spPr/>
       <dgm:t>
         <a:bodyPr/>
         <a:lstStyle/>
         <a:p>
           <a:r>
-            <a:rPr lang="en-US" dirty="0" smtClean="0"/>
+            <a:rPr lang="en-US" sz="2200" dirty="0" smtClean="0">
+              <a:latin typeface="Candara" panose="020E0502030303020204" pitchFamily="34" charset="0"/>
+            </a:rPr>
             <a:t>Contractual issues</a:t>
           </a:r>
-          <a:endParaRPr lang="en-US" dirty="0"/>
+          <a:endParaRPr lang="en-US" sz="2200" dirty="0">
+            <a:latin typeface="Candara" panose="020E0502030303020204" pitchFamily="34" charset="0"/>
+          </a:endParaRPr>
         </a:p>
       </dgm:t>
     </dgm:pt>
@@ -3570,17 +3606,27 @@
       </dgm:t>
     </dgm:pt>
     <dgm:pt modelId="{3F0B1036-802A-45AA-AFA6-22A44E6ECC1E}">
-      <dgm:prSet phldrT="[Text]"/>
+      <dgm:prSet phldrT="[Text]" custT="1"/>
       <dgm:spPr/>
       <dgm:t>
         <a:bodyPr/>
         <a:lstStyle/>
         <a:p>
           <a:r>
-            <a:rPr lang="en-US" dirty="0" smtClean="0"/>
-            <a:t>Problems with testers communicating their needs and test results</a:t>
+            <a:rPr lang="en-US" sz="2100" dirty="0" smtClean="0">
+              <a:latin typeface="Candara" panose="020E0502030303020204" pitchFamily="34" charset="0"/>
+            </a:rPr>
+            <a:t>Testers communicating </a:t>
           </a:r>
-          <a:endParaRPr lang="en-US" dirty="0"/>
+          <a:r>
+            <a:rPr lang="en-US" sz="2100" dirty="0" smtClean="0">
+              <a:latin typeface="Candara" panose="020E0502030303020204" pitchFamily="34" charset="0"/>
+            </a:rPr>
+            <a:t>their needs and test results</a:t>
+          </a:r>
+          <a:endParaRPr lang="en-US" sz="2100" dirty="0">
+            <a:latin typeface="Candara" panose="020E0502030303020204" pitchFamily="34" charset="0"/>
+          </a:endParaRPr>
         </a:p>
       </dgm:t>
     </dgm:pt>
@@ -3607,17 +3653,21 @@
       </dgm:t>
     </dgm:pt>
     <dgm:pt modelId="{624425B1-53DC-4BA1-B95C-C9BD9A8ABF3A}">
-      <dgm:prSet phldrT="[Text]"/>
+      <dgm:prSet phldrT="[Text]" custT="1"/>
       <dgm:spPr/>
       <dgm:t>
         <a:bodyPr/>
         <a:lstStyle/>
         <a:p>
           <a:r>
-            <a:rPr lang="en-US" dirty="0" smtClean="0"/>
+            <a:rPr lang="en-US" sz="2100" dirty="0" smtClean="0">
+              <a:latin typeface="Candara" panose="020E0502030303020204" pitchFamily="34" charset="0"/>
+            </a:rPr>
             <a:t>Improper attitude toward testing</a:t>
           </a:r>
-          <a:endParaRPr lang="en-US" dirty="0"/>
+          <a:endParaRPr lang="en-US" sz="2100" dirty="0">
+            <a:latin typeface="Candara" panose="020E0502030303020204" pitchFamily="34" charset="0"/>
+          </a:endParaRPr>
         </a:p>
       </dgm:t>
     </dgm:pt>
@@ -3644,17 +3694,21 @@
       </dgm:t>
     </dgm:pt>
     <dgm:pt modelId="{87B5D4FD-0B09-4110-BB16-D595328A9370}">
-      <dgm:prSet phldrT="[Text]"/>
+      <dgm:prSet phldrT="[Text]" custT="1"/>
       <dgm:spPr/>
       <dgm:t>
         <a:bodyPr/>
         <a:lstStyle/>
         <a:p>
           <a:r>
-            <a:rPr lang="en-US" dirty="0" smtClean="0"/>
+            <a:rPr lang="en-US" sz="2100" dirty="0" smtClean="0">
+              <a:latin typeface="Candara" panose="020E0502030303020204" pitchFamily="34" charset="0"/>
+            </a:rPr>
             <a:t>The quality of design, code, and tests</a:t>
           </a:r>
-          <a:endParaRPr lang="en-US" dirty="0"/>
+          <a:endParaRPr lang="en-US" sz="2100" dirty="0">
+            <a:latin typeface="Candara" panose="020E0502030303020204" pitchFamily="34" charset="0"/>
+          </a:endParaRPr>
         </a:p>
       </dgm:t>
     </dgm:pt>
@@ -3700,9 +3754,16 @@
     <dgm:pt modelId="{CD0B2979-D43A-42ED-A795-1CDFC310C1C8}" type="pres">
       <dgm:prSet presAssocID="{C74217A2-7D3C-4239-B713-C8B269175DD5}" presName="composite" presStyleCnt="0"/>
       <dgm:spPr/>
+      <dgm:t>
+        <a:bodyPr/>
+        <a:lstStyle/>
+        <a:p>
+          <a:endParaRPr lang="en-US"/>
+        </a:p>
+      </dgm:t>
     </dgm:pt>
     <dgm:pt modelId="{41C55D64-83F5-4795-B11C-59E0BFEADE8D}" type="pres">
-      <dgm:prSet presAssocID="{C74217A2-7D3C-4239-B713-C8B269175DD5}" presName="parTx" presStyleLbl="alignNode1" presStyleIdx="0" presStyleCnt="3">
+      <dgm:prSet presAssocID="{C74217A2-7D3C-4239-B713-C8B269175DD5}" presName="parTx" presStyleLbl="alignNode1" presStyleIdx="0" presStyleCnt="3" custScaleY="100000">
         <dgm:presLayoutVars>
           <dgm:chMax val="0"/>
           <dgm:chPref val="0"/>
@@ -3736,13 +3797,27 @@
     <dgm:pt modelId="{E2DF82E3-E035-4786-9219-5CD3A5E1A0C7}" type="pres">
       <dgm:prSet presAssocID="{CABA2F1D-C038-448F-BA26-2563E0F9BEF1}" presName="space" presStyleCnt="0"/>
       <dgm:spPr/>
+      <dgm:t>
+        <a:bodyPr/>
+        <a:lstStyle/>
+        <a:p>
+          <a:endParaRPr lang="en-US"/>
+        </a:p>
+      </dgm:t>
     </dgm:pt>
     <dgm:pt modelId="{1206C232-9BE4-4BB0-8D49-5B290548B559}" type="pres">
       <dgm:prSet presAssocID="{DDD0B274-FF42-44FA-9763-36432F12F6F9}" presName="composite" presStyleCnt="0"/>
       <dgm:spPr/>
+      <dgm:t>
+        <a:bodyPr/>
+        <a:lstStyle/>
+        <a:p>
+          <a:endParaRPr lang="en-US"/>
+        </a:p>
+      </dgm:t>
     </dgm:pt>
     <dgm:pt modelId="{5CEC4D4E-DAA0-48F0-8D85-5F930E285A43}" type="pres">
-      <dgm:prSet presAssocID="{DDD0B274-FF42-44FA-9763-36432F12F6F9}" presName="parTx" presStyleLbl="alignNode1" presStyleIdx="1" presStyleCnt="3">
+      <dgm:prSet presAssocID="{DDD0B274-FF42-44FA-9763-36432F12F6F9}" presName="parTx" presStyleLbl="alignNode1" presStyleIdx="1" presStyleCnt="3" custScaleY="100000">
         <dgm:presLayoutVars>
           <dgm:chMax val="0"/>
           <dgm:chPref val="0"/>
@@ -3776,13 +3851,27 @@
     <dgm:pt modelId="{95153FA3-A011-432C-9182-9F0FCC8CF242}" type="pres">
       <dgm:prSet presAssocID="{E4582429-B314-4F8A-AC6A-187B42C97043}" presName="space" presStyleCnt="0"/>
       <dgm:spPr/>
+      <dgm:t>
+        <a:bodyPr/>
+        <a:lstStyle/>
+        <a:p>
+          <a:endParaRPr lang="en-US"/>
+        </a:p>
+      </dgm:t>
     </dgm:pt>
     <dgm:pt modelId="{E89FDCB2-4B75-4728-9D6A-BF8314479CAF}" type="pres">
       <dgm:prSet presAssocID="{731F9475-2C67-4995-B3D2-5C16341EFDC4}" presName="composite" presStyleCnt="0"/>
       <dgm:spPr/>
+      <dgm:t>
+        <a:bodyPr/>
+        <a:lstStyle/>
+        <a:p>
+          <a:endParaRPr lang="en-US"/>
+        </a:p>
+      </dgm:t>
     </dgm:pt>
     <dgm:pt modelId="{F306744E-D93F-4D98-8D38-717E988F6949}" type="pres">
-      <dgm:prSet presAssocID="{731F9475-2C67-4995-B3D2-5C16341EFDC4}" presName="parTx" presStyleLbl="alignNode1" presStyleIdx="2" presStyleCnt="3">
+      <dgm:prSet presAssocID="{731F9475-2C67-4995-B3D2-5C16341EFDC4}" presName="parTx" presStyleLbl="alignNode1" presStyleIdx="2" presStyleCnt="3" custScaleY="100000">
         <dgm:presLayoutVars>
           <dgm:chMax val="0"/>
           <dgm:chPref val="0"/>
@@ -3831,11 +3920,11 @@
     <dgm:cxn modelId="{C2C1F5B4-1F21-4CA8-A68F-EDF06C46BA04}" srcId="{DDD0B274-FF42-44FA-9763-36432F12F6F9}" destId="{87B5D4FD-0B09-4110-BB16-D595328A9370}" srcOrd="2" destOrd="0" parTransId="{FE01A55E-F237-4310-BE38-CE1005376C0F}" sibTransId="{29A46ECF-6256-41FE-9C1F-DC8736A911E9}"/>
     <dgm:cxn modelId="{86FFF943-C549-4B26-A4F3-67D276A2BD8E}" type="presOf" srcId="{9D110A29-7A0B-4A2E-AD84-9B0D8DA9D360}" destId="{CBBEB52D-C5C4-4544-BB1E-7104347E8239}" srcOrd="0" destOrd="0" presId="urn:microsoft.com/office/officeart/2005/8/layout/hList1"/>
     <dgm:cxn modelId="{4E21DC15-E2FD-47B1-8F02-FB66C8A7C503}" type="presOf" srcId="{36AC6971-5B2E-4E7F-961B-BD6E93837DB3}" destId="{93113A4E-EF60-49BF-865E-F74DD6EAD7A0}" srcOrd="0" destOrd="0" presId="urn:microsoft.com/office/officeart/2005/8/layout/hList1"/>
+    <dgm:cxn modelId="{C4694EDD-852A-402C-B1FC-2F3BECC1A722}" type="presOf" srcId="{DDD0B274-FF42-44FA-9763-36432F12F6F9}" destId="{5CEC4D4E-DAA0-48F0-8D85-5F930E285A43}" srcOrd="0" destOrd="0" presId="urn:microsoft.com/office/officeart/2005/8/layout/hList1"/>
     <dgm:cxn modelId="{C3FB59FD-4BF7-4F4F-A727-3C34C0368BC1}" type="presOf" srcId="{C74217A2-7D3C-4239-B713-C8B269175DD5}" destId="{41C55D64-83F5-4795-B11C-59E0BFEADE8D}" srcOrd="0" destOrd="0" presId="urn:microsoft.com/office/officeart/2005/8/layout/hList1"/>
-    <dgm:cxn modelId="{C4694EDD-852A-402C-B1FC-2F3BECC1A722}" type="presOf" srcId="{DDD0B274-FF42-44FA-9763-36432F12F6F9}" destId="{5CEC4D4E-DAA0-48F0-8D85-5F930E285A43}" srcOrd="0" destOrd="0" presId="urn:microsoft.com/office/officeart/2005/8/layout/hList1"/>
     <dgm:cxn modelId="{66491B8E-D4C2-4167-9E14-118DED892709}" srcId="{731F9475-2C67-4995-B3D2-5C16341EFDC4}" destId="{FB5F400F-1D44-4049-8EC5-FAEBDA052B07}" srcOrd="1" destOrd="0" parTransId="{4A5D0BB8-1170-4BC2-A295-51CAB5B2D347}" sibTransId="{C0718289-B316-4630-9CCD-CB54979DC407}"/>
+    <dgm:cxn modelId="{199378E9-E316-425B-A1FE-203278FF0B58}" type="presOf" srcId="{624425B1-53DC-4BA1-B95C-C9BD9A8ABF3A}" destId="{5C254CA2-7E89-4F6D-90FC-2C1E9E11A380}" srcOrd="0" destOrd="3" presId="urn:microsoft.com/office/officeart/2005/8/layout/hList1"/>
     <dgm:cxn modelId="{9B871A3A-8620-4042-85A9-5D80244392A2}" type="presOf" srcId="{87B5D4FD-0B09-4110-BB16-D595328A9370}" destId="{93113A4E-EF60-49BF-865E-F74DD6EAD7A0}" srcOrd="0" destOrd="2" presId="urn:microsoft.com/office/officeart/2005/8/layout/hList1"/>
-    <dgm:cxn modelId="{199378E9-E316-425B-A1FE-203278FF0B58}" type="presOf" srcId="{624425B1-53DC-4BA1-B95C-C9BD9A8ABF3A}" destId="{5C254CA2-7E89-4F6D-90FC-2C1E9E11A380}" srcOrd="0" destOrd="3" presId="urn:microsoft.com/office/officeart/2005/8/layout/hList1"/>
     <dgm:cxn modelId="{2C3DE458-2354-42E6-A016-E1A9FC77A4AA}" srcId="{9D110A29-7A0B-4A2E-AD84-9B0D8DA9D360}" destId="{C74217A2-7D3C-4239-B713-C8B269175DD5}" srcOrd="0" destOrd="0" parTransId="{315B31AA-7B18-47B2-B861-4B98E37FCC97}" sibTransId="{CABA2F1D-C038-448F-BA26-2563E0F9BEF1}"/>
     <dgm:cxn modelId="{F9791F14-5A05-42BB-B7EF-B433191C4567}" srcId="{C74217A2-7D3C-4239-B713-C8B269175DD5}" destId="{933795DB-EBD3-42A5-9F05-3FDE52340FBB}" srcOrd="1" destOrd="0" parTransId="{AD75A5B6-A7E4-4B94-99A2-C025067A0B47}" sibTransId="{0CCC2C0D-B8B0-4655-A14F-BA2BF031884B}"/>
     <dgm:cxn modelId="{5C53B19B-760B-4B56-BBB0-3C07877B2D74}" type="presOf" srcId="{FB5F400F-1D44-4049-8EC5-FAEBDA052B07}" destId="{3C261575-159D-4F5B-885D-C4CE9AAA9171}" srcOrd="0" destOrd="1" presId="urn:microsoft.com/office/officeart/2005/8/layout/hList1"/>
@@ -4814,14 +4903,14 @@
       </dsp:nvSpPr>
       <dsp:spPr>
         <a:xfrm>
-          <a:off x="3286" y="491875"/>
-          <a:ext cx="3203971" cy="662400"/>
+          <a:off x="3286" y="301689"/>
+          <a:ext cx="3203971" cy="1281588"/>
         </a:xfrm>
         <a:prstGeom prst="rect">
           <a:avLst/>
         </a:prstGeom>
         <a:solidFill>
-          <a:schemeClr val="accent1">
+          <a:schemeClr val="accent3">
             <a:hueOff val="0"/>
             <a:satOff val="0"/>
             <a:lumOff val="0"/>
@@ -4830,7 +4919,7 @@
         </a:solidFill>
         <a:ln w="12700" cap="flat" cmpd="sng" algn="ctr">
           <a:solidFill>
-            <a:schemeClr val="accent1">
+            <a:schemeClr val="accent3">
               <a:hueOff val="0"/>
               <a:satOff val="0"/>
               <a:lumOff val="0"/>
@@ -4885,8 +4974,8 @@
         </a:p>
       </dsp:txBody>
       <dsp:txXfrm>
-        <a:off x="3286" y="491875"/>
-        <a:ext cx="3203971" cy="662400"/>
+        <a:off x="3286" y="301689"/>
+        <a:ext cx="3203971" cy="1281588"/>
       </dsp:txXfrm>
     </dsp:sp>
     <dsp:sp modelId="{5C254CA2-7E89-4F6D-90FC-2C1E9E11A380}">
@@ -4896,14 +4985,14 @@
       </dsp:nvSpPr>
       <dsp:spPr>
         <a:xfrm>
-          <a:off x="3286" y="1154276"/>
-          <a:ext cx="3203971" cy="3093615"/>
+          <a:off x="3286" y="1583277"/>
+          <a:ext cx="3203971" cy="2854800"/>
         </a:xfrm>
         <a:prstGeom prst="rect">
           <a:avLst/>
         </a:prstGeom>
         <a:solidFill>
-          <a:schemeClr val="accent1">
+          <a:schemeClr val="accent3">
             <a:alpha val="90000"/>
             <a:tint val="40000"/>
             <a:hueOff val="0"/>
@@ -4914,7 +5003,7 @@
         </a:solidFill>
         <a:ln w="12700" cap="flat" cmpd="sng" algn="ctr">
           <a:solidFill>
-            <a:schemeClr val="accent1">
+            <a:schemeClr val="accent3">
               <a:alpha val="90000"/>
               <a:tint val="40000"/>
               <a:hueOff val="0"/>
@@ -4941,12 +5030,12 @@
         <a:fontRef idx="minor"/>
       </dsp:style>
       <dsp:txBody>
-        <a:bodyPr spcFirstLastPara="0" vert="horz" wrap="square" lIns="122682" tIns="122682" rIns="163576" bIns="184023" numCol="1" spcCol="1270" anchor="t" anchorCtr="0">
+        <a:bodyPr spcFirstLastPara="0" vert="horz" wrap="square" lIns="112014" tIns="112014" rIns="149352" bIns="168021" numCol="1" spcCol="1270" anchor="t" anchorCtr="0">
           <a:noAutofit/>
         </a:bodyPr>
         <a:lstStyle/>
         <a:p>
-          <a:pPr marL="228600" lvl="1" indent="-228600" algn="l" defTabSz="1022350">
+          <a:pPr marL="228600" lvl="1" indent="-228600" algn="l" defTabSz="933450">
             <a:lnSpc>
               <a:spcPct val="90000"/>
             </a:lnSpc>
@@ -4959,13 +5048,23 @@
             <a:buChar char="••"/>
           </a:pPr>
           <a:r>
-            <a:rPr lang="en-US" sz="2300" kern="1200" dirty="0" smtClean="0"/>
-            <a:t>Skill and staff shortage</a:t>
+            <a:rPr lang="en-US" sz="2100" kern="1200" dirty="0" smtClean="0">
+              <a:latin typeface="Candara" panose="020E0502030303020204" pitchFamily="34" charset="0"/>
+            </a:rPr>
+            <a:t>Skill/staff </a:t>
           </a:r>
-          <a:endParaRPr lang="en-US" sz="2300" kern="1200" dirty="0"/>
+          <a:r>
+            <a:rPr lang="en-US" sz="2100" kern="1200" dirty="0" smtClean="0">
+              <a:latin typeface="Candara" panose="020E0502030303020204" pitchFamily="34" charset="0"/>
+            </a:rPr>
+            <a:t>shortage</a:t>
+          </a:r>
+          <a:endParaRPr lang="en-US" sz="2100" kern="1200" dirty="0">
+            <a:latin typeface="Candara" panose="020E0502030303020204" pitchFamily="34" charset="0"/>
+          </a:endParaRPr>
         </a:p>
         <a:p>
-          <a:pPr marL="228600" lvl="1" indent="-228600" algn="l" defTabSz="1022350">
+          <a:pPr marL="228600" lvl="1" indent="-228600" algn="l" defTabSz="933450">
             <a:lnSpc>
               <a:spcPct val="90000"/>
             </a:lnSpc>
@@ -4978,13 +5077,23 @@
             <a:buChar char="••"/>
           </a:pPr>
           <a:r>
-            <a:rPr lang="en-US" sz="2300" kern="1200" dirty="0" smtClean="0"/>
-            <a:t>Personal and training issues</a:t>
+            <a:rPr lang="en-US" sz="2100" kern="1200" dirty="0" smtClean="0">
+              <a:latin typeface="Candara" panose="020E0502030303020204" pitchFamily="34" charset="0"/>
+            </a:rPr>
+            <a:t>Personal/training </a:t>
           </a:r>
-          <a:endParaRPr lang="en-US" sz="2300" kern="1200" dirty="0"/>
+          <a:r>
+            <a:rPr lang="en-US" sz="2100" kern="1200" dirty="0" smtClean="0">
+              <a:latin typeface="Candara" panose="020E0502030303020204" pitchFamily="34" charset="0"/>
+            </a:rPr>
+            <a:t>issues</a:t>
+          </a:r>
+          <a:endParaRPr lang="en-US" sz="2100" kern="1200" dirty="0">
+            <a:latin typeface="Candara" panose="020E0502030303020204" pitchFamily="34" charset="0"/>
+          </a:endParaRPr>
         </a:p>
         <a:p>
-          <a:pPr marL="228600" lvl="1" indent="-228600" algn="l" defTabSz="1022350">
+          <a:pPr marL="228600" lvl="1" indent="-228600" algn="l" defTabSz="933450">
             <a:lnSpc>
               <a:spcPct val="90000"/>
             </a:lnSpc>
@@ -4997,13 +5106,23 @@
             <a:buChar char="••"/>
           </a:pPr>
           <a:r>
-            <a:rPr lang="en-US" sz="2300" kern="1200" dirty="0" smtClean="0"/>
-            <a:t>Problems with testers communicating their needs and test results</a:t>
+            <a:rPr lang="en-US" sz="2100" kern="1200" dirty="0" smtClean="0">
+              <a:latin typeface="Candara" panose="020E0502030303020204" pitchFamily="34" charset="0"/>
+            </a:rPr>
+            <a:t>Testers communicating </a:t>
           </a:r>
-          <a:endParaRPr lang="en-US" sz="2300" kern="1200" dirty="0"/>
+          <a:r>
+            <a:rPr lang="en-US" sz="2100" kern="1200" dirty="0" smtClean="0">
+              <a:latin typeface="Candara" panose="020E0502030303020204" pitchFamily="34" charset="0"/>
+            </a:rPr>
+            <a:t>their needs and test results</a:t>
+          </a:r>
+          <a:endParaRPr lang="en-US" sz="2100" kern="1200" dirty="0">
+            <a:latin typeface="Candara" panose="020E0502030303020204" pitchFamily="34" charset="0"/>
+          </a:endParaRPr>
         </a:p>
         <a:p>
-          <a:pPr marL="228600" lvl="1" indent="-228600" algn="l" defTabSz="1022350">
+          <a:pPr marL="228600" lvl="1" indent="-228600" algn="l" defTabSz="933450">
             <a:lnSpc>
               <a:spcPct val="90000"/>
             </a:lnSpc>
@@ -5016,15 +5135,19 @@
             <a:buChar char="••"/>
           </a:pPr>
           <a:r>
-            <a:rPr lang="en-US" sz="2300" kern="1200" dirty="0" smtClean="0"/>
+            <a:rPr lang="en-US" sz="2100" kern="1200" dirty="0" smtClean="0">
+              <a:latin typeface="Candara" panose="020E0502030303020204" pitchFamily="34" charset="0"/>
+            </a:rPr>
             <a:t>Improper attitude toward testing</a:t>
           </a:r>
-          <a:endParaRPr lang="en-US" sz="2300" kern="1200" dirty="0"/>
+          <a:endParaRPr lang="en-US" sz="2100" kern="1200" dirty="0">
+            <a:latin typeface="Candara" panose="020E0502030303020204" pitchFamily="34" charset="0"/>
+          </a:endParaRPr>
         </a:p>
       </dsp:txBody>
       <dsp:txXfrm>
-        <a:off x="3286" y="1154276"/>
-        <a:ext cx="3203971" cy="3093615"/>
+        <a:off x="3286" y="1583277"/>
+        <a:ext cx="3203971" cy="2854800"/>
       </dsp:txXfrm>
     </dsp:sp>
     <dsp:sp modelId="{5CEC4D4E-DAA0-48F0-8D85-5F930E285A43}">
@@ -5034,14 +5157,14 @@
       </dsp:nvSpPr>
       <dsp:spPr>
         <a:xfrm>
-          <a:off x="3655814" y="491875"/>
-          <a:ext cx="3203971" cy="662400"/>
+          <a:off x="3655814" y="301689"/>
+          <a:ext cx="3203971" cy="1281588"/>
         </a:xfrm>
         <a:prstGeom prst="rect">
           <a:avLst/>
         </a:prstGeom>
         <a:solidFill>
-          <a:schemeClr val="accent1">
+          <a:schemeClr val="accent3">
             <a:hueOff val="0"/>
             <a:satOff val="0"/>
             <a:lumOff val="0"/>
@@ -5050,7 +5173,7 @@
         </a:solidFill>
         <a:ln w="12700" cap="flat" cmpd="sng" algn="ctr">
           <a:solidFill>
-            <a:schemeClr val="accent1">
+            <a:schemeClr val="accent3">
               <a:hueOff val="0"/>
               <a:satOff val="0"/>
               <a:lumOff val="0"/>
@@ -5105,8 +5228,8 @@
         </a:p>
       </dsp:txBody>
       <dsp:txXfrm>
-        <a:off x="3655814" y="491875"/>
-        <a:ext cx="3203971" cy="662400"/>
+        <a:off x="3655814" y="301689"/>
+        <a:ext cx="3203971" cy="1281588"/>
       </dsp:txXfrm>
     </dsp:sp>
     <dsp:sp modelId="{93113A4E-EF60-49BF-865E-F74DD6EAD7A0}">
@@ -5116,14 +5239,14 @@
       </dsp:nvSpPr>
       <dsp:spPr>
         <a:xfrm>
-          <a:off x="3655814" y="1154276"/>
-          <a:ext cx="3203971" cy="3093615"/>
+          <a:off x="3655814" y="1583277"/>
+          <a:ext cx="3203971" cy="2854800"/>
         </a:xfrm>
         <a:prstGeom prst="rect">
           <a:avLst/>
         </a:prstGeom>
         <a:solidFill>
-          <a:schemeClr val="accent1">
+          <a:schemeClr val="accent3">
             <a:alpha val="90000"/>
             <a:tint val="40000"/>
             <a:hueOff val="0"/>
@@ -5134,7 +5257,7 @@
         </a:solidFill>
         <a:ln w="12700" cap="flat" cmpd="sng" algn="ctr">
           <a:solidFill>
-            <a:schemeClr val="accent1">
+            <a:schemeClr val="accent3">
               <a:alpha val="90000"/>
               <a:tint val="40000"/>
               <a:hueOff val="0"/>
@@ -5161,12 +5284,12 @@
         <a:fontRef idx="minor"/>
       </dsp:style>
       <dsp:txBody>
-        <a:bodyPr spcFirstLastPara="0" vert="horz" wrap="square" lIns="122682" tIns="122682" rIns="163576" bIns="184023" numCol="1" spcCol="1270" anchor="t" anchorCtr="0">
+        <a:bodyPr spcFirstLastPara="0" vert="horz" wrap="square" lIns="112014" tIns="112014" rIns="149352" bIns="168021" numCol="1" spcCol="1270" anchor="t" anchorCtr="0">
           <a:noAutofit/>
         </a:bodyPr>
         <a:lstStyle/>
         <a:p>
-          <a:pPr marL="228600" lvl="1" indent="-228600" algn="l" defTabSz="1022350">
+          <a:pPr marL="228600" lvl="1" indent="-228600" algn="l" defTabSz="933450">
             <a:lnSpc>
               <a:spcPct val="90000"/>
             </a:lnSpc>
@@ -5179,13 +5302,17 @@
             <a:buChar char="••"/>
           </a:pPr>
           <a:r>
-            <a:rPr lang="en-US" sz="2300" kern="1200" dirty="0" smtClean="0"/>
+            <a:rPr lang="en-US" sz="2100" kern="1200" dirty="0" smtClean="0">
+              <a:latin typeface="Candara" panose="020E0502030303020204" pitchFamily="34" charset="0"/>
+            </a:rPr>
             <a:t>Problems in defining the right requirements</a:t>
           </a:r>
-          <a:endParaRPr lang="en-US" sz="2300" kern="1200" dirty="0"/>
+          <a:endParaRPr lang="en-US" sz="2100" kern="1200" dirty="0">
+            <a:latin typeface="Candara" panose="020E0502030303020204" pitchFamily="34" charset="0"/>
+          </a:endParaRPr>
         </a:p>
         <a:p>
-          <a:pPr marL="228600" lvl="1" indent="-228600" algn="l" defTabSz="1022350">
+          <a:pPr marL="228600" lvl="1" indent="-228600" algn="l" defTabSz="933450">
             <a:lnSpc>
               <a:spcPct val="90000"/>
             </a:lnSpc>
@@ -5198,13 +5325,17 @@
             <a:buChar char="••"/>
           </a:pPr>
           <a:r>
-            <a:rPr lang="en-US" sz="2300" kern="1200" dirty="0" smtClean="0"/>
+            <a:rPr lang="en-US" sz="2100" kern="1200" dirty="0" smtClean="0">
+              <a:latin typeface="Candara" panose="020E0502030303020204" pitchFamily="34" charset="0"/>
+            </a:rPr>
             <a:t>The extent that requirements can be met given existing constraints</a:t>
           </a:r>
-          <a:endParaRPr lang="en-US" sz="2300" kern="1200" dirty="0"/>
+          <a:endParaRPr lang="en-US" sz="2100" kern="1200" dirty="0">
+            <a:latin typeface="Candara" panose="020E0502030303020204" pitchFamily="34" charset="0"/>
+          </a:endParaRPr>
         </a:p>
         <a:p>
-          <a:pPr marL="228600" lvl="1" indent="-228600" algn="l" defTabSz="1022350">
+          <a:pPr marL="228600" lvl="1" indent="-228600" algn="l" defTabSz="933450">
             <a:lnSpc>
               <a:spcPct val="90000"/>
             </a:lnSpc>
@@ -5217,15 +5348,19 @@
             <a:buChar char="••"/>
           </a:pPr>
           <a:r>
-            <a:rPr lang="en-US" sz="2300" kern="1200" dirty="0" smtClean="0"/>
+            <a:rPr lang="en-US" sz="2100" kern="1200" dirty="0" smtClean="0">
+              <a:latin typeface="Candara" panose="020E0502030303020204" pitchFamily="34" charset="0"/>
+            </a:rPr>
             <a:t>The quality of design, code, and tests</a:t>
           </a:r>
-          <a:endParaRPr lang="en-US" sz="2300" kern="1200" dirty="0"/>
+          <a:endParaRPr lang="en-US" sz="2100" kern="1200" dirty="0">
+            <a:latin typeface="Candara" panose="020E0502030303020204" pitchFamily="34" charset="0"/>
+          </a:endParaRPr>
         </a:p>
       </dsp:txBody>
       <dsp:txXfrm>
-        <a:off x="3655814" y="1154276"/>
-        <a:ext cx="3203971" cy="3093615"/>
+        <a:off x="3655814" y="1583277"/>
+        <a:ext cx="3203971" cy="2854800"/>
       </dsp:txXfrm>
     </dsp:sp>
     <dsp:sp modelId="{F306744E-D93F-4D98-8D38-717E988F6949}">
@@ -5235,14 +5370,14 @@
       </dsp:nvSpPr>
       <dsp:spPr>
         <a:xfrm>
-          <a:off x="7308342" y="491875"/>
-          <a:ext cx="3203971" cy="662400"/>
+          <a:off x="7308342" y="301689"/>
+          <a:ext cx="3203971" cy="1281588"/>
         </a:xfrm>
         <a:prstGeom prst="rect">
           <a:avLst/>
         </a:prstGeom>
         <a:solidFill>
-          <a:schemeClr val="accent1">
+          <a:schemeClr val="accent3">
             <a:hueOff val="0"/>
             <a:satOff val="0"/>
             <a:lumOff val="0"/>
@@ -5251,7 +5386,7 @@
         </a:solidFill>
         <a:ln w="12700" cap="flat" cmpd="sng" algn="ctr">
           <a:solidFill>
-            <a:schemeClr val="accent1">
+            <a:schemeClr val="accent3">
               <a:hueOff val="0"/>
               <a:satOff val="0"/>
               <a:lumOff val="0"/>
@@ -5306,8 +5441,8 @@
         </a:p>
       </dsp:txBody>
       <dsp:txXfrm>
-        <a:off x="7308342" y="491875"/>
-        <a:ext cx="3203971" cy="662400"/>
+        <a:off x="7308342" y="301689"/>
+        <a:ext cx="3203971" cy="1281588"/>
       </dsp:txXfrm>
     </dsp:sp>
     <dsp:sp modelId="{3C261575-159D-4F5B-885D-C4CE9AAA9171}">
@@ -5317,14 +5452,14 @@
       </dsp:nvSpPr>
       <dsp:spPr>
         <a:xfrm>
-          <a:off x="7308342" y="1154276"/>
-          <a:ext cx="3203971" cy="3093615"/>
+          <a:off x="7308342" y="1583277"/>
+          <a:ext cx="3203971" cy="2854800"/>
         </a:xfrm>
         <a:prstGeom prst="rect">
           <a:avLst/>
         </a:prstGeom>
         <a:solidFill>
-          <a:schemeClr val="accent1">
+          <a:schemeClr val="accent3">
             <a:alpha val="90000"/>
             <a:tint val="40000"/>
             <a:hueOff val="0"/>
@@ -5335,7 +5470,7 @@
         </a:solidFill>
         <a:ln w="12700" cap="flat" cmpd="sng" algn="ctr">
           <a:solidFill>
-            <a:schemeClr val="accent1">
+            <a:schemeClr val="accent3">
               <a:alpha val="90000"/>
               <a:tint val="40000"/>
               <a:hueOff val="0"/>
@@ -5362,12 +5497,12 @@
         <a:fontRef idx="minor"/>
       </dsp:style>
       <dsp:txBody>
-        <a:bodyPr spcFirstLastPara="0" vert="horz" wrap="square" lIns="122682" tIns="122682" rIns="163576" bIns="184023" numCol="1" spcCol="1270" anchor="t" anchorCtr="0">
+        <a:bodyPr spcFirstLastPara="0" vert="horz" wrap="square" lIns="117348" tIns="117348" rIns="156464" bIns="176022" numCol="1" spcCol="1270" anchor="t" anchorCtr="0">
           <a:noAutofit/>
         </a:bodyPr>
         <a:lstStyle/>
         <a:p>
-          <a:pPr marL="228600" lvl="1" indent="-228600" algn="l" defTabSz="1022350">
+          <a:pPr marL="228600" lvl="1" indent="-228600" algn="l" defTabSz="977900">
             <a:lnSpc>
               <a:spcPct val="90000"/>
             </a:lnSpc>
@@ -5380,13 +5515,17 @@
             <a:buChar char="••"/>
           </a:pPr>
           <a:r>
-            <a:rPr lang="en-US" sz="2300" kern="1200" dirty="0" smtClean="0"/>
+            <a:rPr lang="en-US" sz="2200" kern="1200" dirty="0" smtClean="0">
+              <a:latin typeface="Candara" panose="020E0502030303020204" pitchFamily="34" charset="0"/>
+            </a:rPr>
             <a:t>Failure of a third part</a:t>
           </a:r>
-          <a:endParaRPr lang="en-US" sz="2300" kern="1200" dirty="0"/>
+          <a:endParaRPr lang="en-US" sz="2200" kern="1200" dirty="0">
+            <a:latin typeface="Candara" panose="020E0502030303020204" pitchFamily="34" charset="0"/>
+          </a:endParaRPr>
         </a:p>
         <a:p>
-          <a:pPr marL="228600" lvl="1" indent="-228600" algn="l" defTabSz="1022350">
+          <a:pPr marL="228600" lvl="1" indent="-228600" algn="l" defTabSz="977900">
             <a:lnSpc>
               <a:spcPct val="90000"/>
             </a:lnSpc>
@@ -5399,15 +5538,19 @@
             <a:buChar char="••"/>
           </a:pPr>
           <a:r>
-            <a:rPr lang="en-US" sz="2300" kern="1200" dirty="0" smtClean="0"/>
+            <a:rPr lang="en-US" sz="2200" kern="1200" dirty="0" smtClean="0">
+              <a:latin typeface="Candara" panose="020E0502030303020204" pitchFamily="34" charset="0"/>
+            </a:rPr>
             <a:t>Contractual issues</a:t>
           </a:r>
-          <a:endParaRPr lang="en-US" sz="2300" kern="1200" dirty="0"/>
+          <a:endParaRPr lang="en-US" sz="2200" kern="1200" dirty="0">
+            <a:latin typeface="Candara" panose="020E0502030303020204" pitchFamily="34" charset="0"/>
+          </a:endParaRPr>
         </a:p>
       </dsp:txBody>
       <dsp:txXfrm>
-        <a:off x="7308342" y="1154276"/>
-        <a:ext cx="3203971" cy="3093615"/>
+        <a:off x="7308342" y="1583277"/>
+        <a:ext cx="3203971" cy="2854800"/>
       </dsp:txXfrm>
     </dsp:sp>
   </dsp:spTree>
@@ -10291,7 +10434,7 @@
           <a:p>
             <a:fld id="{B599AA9D-6820-4B38-B5CA-B694576E9E58}" type="datetimeFigureOut">
               <a:rPr lang="en-US" smtClean="0"/>
-              <a:t>2/19/2022</a:t>
+              <a:t>2/20/2022</a:t>
             </a:fld>
             <a:endParaRPr lang="en-US"/>
           </a:p>
@@ -10605,14 +10748,14 @@
           <a:ln/>
           <a:extLst>
             <a:ext uri="{909E8E84-426E-40dd-AFC4-6F175D3DCCD1}">
-              <a14:hiddenFill xmlns="" xmlns:a14="http://schemas.microsoft.com/office/drawing/2010/main">
+              <a14:hiddenFill xmlns:a14="http://schemas.microsoft.com/office/drawing/2010/main" xmlns="">
                 <a:solidFill>
                   <a:srgbClr val="FFFFFF"/>
                 </a:solidFill>
               </a14:hiddenFill>
             </a:ext>
             <a:ext uri="{91240B29-F687-4f45-9708-019B960494DF}">
-              <a14:hiddenLine xmlns="" xmlns:a14="http://schemas.microsoft.com/office/drawing/2010/main" w="9525">
+              <a14:hiddenLine xmlns:a14="http://schemas.microsoft.com/office/drawing/2010/main" xmlns="" w="9525">
                 <a:solidFill>
                   <a:srgbClr val="000000"/>
                 </a:solidFill>
@@ -10622,7 +10765,7 @@
               </a14:hiddenLine>
             </a:ext>
             <a:ext uri="{FAA26D3D-D897-4be2-8F04-BA451C77F1D7}">
-              <ma14:placeholderFlag xmlns="" xmlns:ma14="http://schemas.microsoft.com/office/mac/drawingml/2011/main" val="1"/>
+              <ma14:placeholderFlag xmlns:ma14="http://schemas.microsoft.com/office/mac/drawingml/2011/main" xmlns="" val="1"/>
             </a:ext>
           </a:extLst>
         </p:spPr>
@@ -11150,14 +11293,14 @@
           <a:ln/>
           <a:extLst>
             <a:ext uri="{909E8E84-426E-40dd-AFC4-6F175D3DCCD1}">
-              <a14:hiddenFill xmlns="" xmlns:a14="http://schemas.microsoft.com/office/drawing/2010/main">
+              <a14:hiddenFill xmlns:a14="http://schemas.microsoft.com/office/drawing/2010/main" xmlns="">
                 <a:solidFill>
                   <a:srgbClr val="FFFFFF"/>
                 </a:solidFill>
               </a14:hiddenFill>
             </a:ext>
             <a:ext uri="{91240B29-F687-4f45-9708-019B960494DF}">
-              <a14:hiddenLine xmlns="" xmlns:a14="http://schemas.microsoft.com/office/drawing/2010/main" w="9525">
+              <a14:hiddenLine xmlns:a14="http://schemas.microsoft.com/office/drawing/2010/main" xmlns="" w="9525">
                 <a:solidFill>
                   <a:srgbClr val="000000"/>
                 </a:solidFill>
@@ -11167,7 +11310,7 @@
               </a14:hiddenLine>
             </a:ext>
             <a:ext uri="{FAA26D3D-D897-4be2-8F04-BA451C77F1D7}">
-              <ma14:placeholderFlag xmlns="" xmlns:ma14="http://schemas.microsoft.com/office/mac/drawingml/2011/main" val="1"/>
+              <ma14:placeholderFlag xmlns:ma14="http://schemas.microsoft.com/office/mac/drawingml/2011/main" xmlns="" val="1"/>
             </a:ext>
           </a:extLst>
         </p:spPr>
@@ -11442,7 +11585,7 @@
           <a:p>
             <a:fld id="{F06B901C-D91D-4E48-8F65-2B612B86E863}" type="datetime1">
               <a:rPr lang="en-US" smtClean="0"/>
-              <a:t>2/19/2022</a:t>
+              <a:t>2/20/2022</a:t>
             </a:fld>
             <a:endParaRPr lang="en-US"/>
           </a:p>
@@ -11693,7 +11836,7 @@
           <a:p>
             <a:fld id="{0C6E314C-E4A1-4DFB-A1C3-DA91CCA0EC66}" type="datetime1">
               <a:rPr lang="en-US" smtClean="0"/>
-              <a:t>2/19/2022</a:t>
+              <a:t>2/20/2022</a:t>
             </a:fld>
             <a:endParaRPr lang="en-US"/>
           </a:p>
@@ -11873,7 +12016,7 @@
           <a:p>
             <a:fld id="{495D94F2-1C16-452C-9EFA-DBDB3EE84D36}" type="datetime1">
               <a:rPr lang="en-US" smtClean="0"/>
-              <a:t>2/19/2022</a:t>
+              <a:t>2/20/2022</a:t>
             </a:fld>
             <a:endParaRPr lang="en-US"/>
           </a:p>
@@ -12129,7 +12272,7 @@
           <a:p>
             <a:fld id="{EACB9CCD-D3DD-4671-8A67-2B97EE80DE63}" type="datetime1">
               <a:rPr lang="en-US" smtClean="0"/>
-              <a:t>2/19/2022</a:t>
+              <a:t>2/20/2022</a:t>
             </a:fld>
             <a:endParaRPr lang="en-US"/>
           </a:p>
@@ -12474,7 +12617,7 @@
           <a:p>
             <a:fld id="{C86A1473-7FD4-4E97-8E2F-0C9660C7151E}" type="datetime1">
               <a:rPr lang="en-US" smtClean="0"/>
-              <a:t>2/19/2022</a:t>
+              <a:t>2/20/2022</a:t>
             </a:fld>
             <a:endParaRPr lang="en-US"/>
           </a:p>
@@ -12706,7 +12849,7 @@
           <a:p>
             <a:fld id="{D157C4DB-6487-4166-92C3-81FBA75CFF25}" type="datetime1">
               <a:rPr lang="en-US" smtClean="0"/>
-              <a:t>2/19/2022</a:t>
+              <a:t>2/20/2022</a:t>
             </a:fld>
             <a:endParaRPr lang="en-US"/>
           </a:p>
@@ -13073,7 +13216,7 @@
           <a:p>
             <a:fld id="{59CA7FAF-7A73-49AE-9086-58AC5955E409}" type="datetime1">
               <a:rPr lang="en-US" smtClean="0"/>
-              <a:t>2/19/2022</a:t>
+              <a:t>2/20/2022</a:t>
             </a:fld>
             <a:endParaRPr lang="en-US"/>
           </a:p>
@@ -13168,7 +13311,7 @@
           <a:p>
             <a:fld id="{2E9B79EF-B44E-4FD9-BFF3-75C4A138F199}" type="datetime1">
               <a:rPr lang="en-US" smtClean="0"/>
-              <a:t>2/19/2022</a:t>
+              <a:t>2/20/2022</a:t>
             </a:fld>
             <a:endParaRPr lang="en-US"/>
           </a:p>
@@ -13391,7 +13534,7 @@
             <a:fld id="{B2F5E2FA-C428-4CE7-95B0-168D3259A5BB}" type="datetimeFigureOut">
               <a:rPr lang="en-US" smtClean="0"/>
               <a:pPr/>
-              <a:t>2/19/2022</a:t>
+              <a:t>2/20/2022</a:t>
             </a:fld>
             <a:endParaRPr lang="en-US"/>
           </a:p>
@@ -13562,7 +13705,7 @@
           <a:p>
             <a:fld id="{EC6A2ED4-1F02-4677-8F73-FCBF72765583}" type="datetime1">
               <a:rPr lang="en-US" smtClean="0"/>
-              <a:t>2/19/2022</a:t>
+              <a:t>2/20/2022</a:t>
             </a:fld>
             <a:endParaRPr lang="en-US"/>
           </a:p>
@@ -13839,7 +13982,7 @@
           <a:p>
             <a:fld id="{1FA94E1E-4C67-4465-A3EC-FE9E1DCEA69D}" type="datetime1">
               <a:rPr lang="en-US" smtClean="0"/>
-              <a:t>2/19/2022</a:t>
+              <a:t>2/20/2022</a:t>
             </a:fld>
             <a:endParaRPr lang="en-US"/>
           </a:p>
@@ -14092,7 +14235,7 @@
           <a:p>
             <a:fld id="{5A6DB9D3-2F10-4022-ACFB-47E8A5182B6D}" type="datetime1">
               <a:rPr lang="en-US" smtClean="0"/>
-              <a:t>2/19/2022</a:t>
+              <a:t>2/20/2022</a:t>
             </a:fld>
             <a:endParaRPr lang="en-US"/>
           </a:p>
@@ -14305,7 +14448,7 @@
           <a:p>
             <a:fld id="{68BB761F-58B3-40DB-B4FE-66B102AA63A8}" type="datetime1">
               <a:rPr lang="en-US" smtClean="0"/>
-              <a:t>2/19/2022</a:t>
+              <a:t>2/20/2022</a:t>
             </a:fld>
             <a:endParaRPr lang="en-US"/>
           </a:p>
@@ -18271,7 +18414,7 @@
           <p:nvPr>
             <p:extLst>
               <p:ext uri="{D42A27DB-BD31-4B8C-83A1-F6EECF244321}">
-                <p14:modId xmlns:p14="http://schemas.microsoft.com/office/powerpoint/2010/main" val="1963535980"/>
+                <p14:modId xmlns:p14="http://schemas.microsoft.com/office/powerpoint/2010/main" val="2505335510"/>
               </p:ext>
             </p:extLst>
           </p:nvPr>
@@ -18429,7 +18572,19 @@
                         <a:rPr lang="en-US" dirty="0" smtClean="0">
                           <a:latin typeface="Candara" panose="020E0502030303020204" pitchFamily="34" charset="0"/>
                         </a:rPr>
-                        <a:t>availability of test tools e.g. test executing tools)</a:t>
+                        <a:t>availability of test tools </a:t>
+                      </a:r>
+                      <a:r>
+                        <a:rPr lang="en-US" dirty="0" smtClean="0">
+                          <a:latin typeface="Candara" panose="020E0502030303020204" pitchFamily="34" charset="0"/>
+                        </a:rPr>
+                        <a:t>(e.g</a:t>
+                      </a:r>
+                      <a:r>
+                        <a:rPr lang="en-US" dirty="0" smtClean="0">
+                          <a:latin typeface="Candara" panose="020E0502030303020204" pitchFamily="34" charset="0"/>
+                        </a:rPr>
+                        <a:t>. test executing tools)</a:t>
                       </a:r>
                     </a:p>
                     <a:p>
@@ -19638,7 +19793,23 @@
             </a:r>
             <a:r>
               <a:rPr lang="en-US" dirty="0"/>
-              <a:t>reflects test focus and project scope are defined. It deals with test </a:t>
+              <a:t>reflects test focus and project scope are defined. </a:t>
+            </a:r>
+            <a:endParaRPr lang="en-US" dirty="0" smtClean="0"/>
+          </a:p>
+          <a:p>
+            <a:pPr lvl="1">
+              <a:lnSpc>
+                <a:spcPct val="100000"/>
+              </a:lnSpc>
+            </a:pPr>
+            <a:r>
+              <a:rPr lang="en-US" dirty="0" smtClean="0"/>
+              <a:t>It </a:t>
+            </a:r>
+            <a:r>
+              <a:rPr lang="en-US" dirty="0"/>
+              <a:t>deals with test </a:t>
             </a:r>
             <a:r>
               <a:rPr lang="en-US" b="1" dirty="0"/>
@@ -19669,9 +19840,18 @@
               <a:t>resource management</a:t>
             </a:r>
             <a:r>
-              <a:rPr lang="en-US" dirty="0"/>
+              <a:rPr lang="en-US" dirty="0" smtClean="0"/>
               <a:t>.</a:t>
             </a:r>
+          </a:p>
+          <a:p>
+            <a:pPr marL="457200" lvl="1" indent="0">
+              <a:lnSpc>
+                <a:spcPct val="100000"/>
+              </a:lnSpc>
+              <a:buNone/>
+            </a:pPr>
+            <a:endParaRPr lang="en-US" dirty="0"/>
           </a:p>
           <a:p>
             <a:pPr>
@@ -19697,7 +19877,23 @@
             </a:r>
             <a:r>
               <a:rPr lang="en-US" dirty="0"/>
-              <a:t> to be followed to achieve the test objective and execution of test types mentioned in the testing plan. It deals with test objective, test environment, test approach, automation tools and strategy, contingency plan, and risk analysis</a:t>
+              <a:t> to be followed to achieve the test objective and execution of test types mentioned in the testing plan. </a:t>
+            </a:r>
+            <a:endParaRPr lang="en-US" dirty="0" smtClean="0"/>
+          </a:p>
+          <a:p>
+            <a:pPr lvl="1">
+              <a:lnSpc>
+                <a:spcPct val="100000"/>
+              </a:lnSpc>
+            </a:pPr>
+            <a:r>
+              <a:rPr lang="en-US" dirty="0" smtClean="0"/>
+              <a:t>It </a:t>
+            </a:r>
+            <a:r>
+              <a:rPr lang="en-US" dirty="0"/>
+              <a:t>deals with test objective, test environment, test approach, automation tools and strategy, contingency plan, and risk analysis</a:t>
             </a:r>
           </a:p>
           <a:p>
@@ -19843,6 +20039,104 @@
                                           <p:spTgt spid="3">
                                             <p:txEl>
                                               <p:pRg st="1" end="1"/>
+                                            </p:txEl>
+                                          </p:spTgt>
+                                        </p:tgtEl>
+                                        <p:attrNameLst>
+                                          <p:attrName>style.visibility</p:attrName>
+                                        </p:attrNameLst>
+                                      </p:cBhvr>
+                                      <p:to>
+                                        <p:strVal val="visible"/>
+                                      </p:to>
+                                    </p:set>
+                                  </p:childTnLst>
+                                </p:cTn>
+                              </p:par>
+                            </p:childTnLst>
+                          </p:cTn>
+                        </p:par>
+                      </p:childTnLst>
+                    </p:cTn>
+                  </p:par>
+                  <p:par>
+                    <p:cTn id="11" fill="hold">
+                      <p:stCondLst>
+                        <p:cond delay="indefinite"/>
+                      </p:stCondLst>
+                      <p:childTnLst>
+                        <p:par>
+                          <p:cTn id="12" fill="hold">
+                            <p:stCondLst>
+                              <p:cond delay="0"/>
+                            </p:stCondLst>
+                            <p:childTnLst>
+                              <p:par>
+                                <p:cTn id="13" presetID="1" presetClass="entr" presetSubtype="0" fill="hold" nodeType="clickEffect">
+                                  <p:stCondLst>
+                                    <p:cond delay="0"/>
+                                  </p:stCondLst>
+                                  <p:childTnLst>
+                                    <p:set>
+                                      <p:cBhvr>
+                                        <p:cTn id="14" dur="1" fill="hold">
+                                          <p:stCondLst>
+                                            <p:cond delay="0"/>
+                                          </p:stCondLst>
+                                        </p:cTn>
+                                        <p:tgtEl>
+                                          <p:spTgt spid="3">
+                                            <p:txEl>
+                                              <p:pRg st="3" end="3"/>
+                                            </p:txEl>
+                                          </p:spTgt>
+                                        </p:tgtEl>
+                                        <p:attrNameLst>
+                                          <p:attrName>style.visibility</p:attrName>
+                                        </p:attrNameLst>
+                                      </p:cBhvr>
+                                      <p:to>
+                                        <p:strVal val="visible"/>
+                                      </p:to>
+                                    </p:set>
+                                  </p:childTnLst>
+                                </p:cTn>
+                              </p:par>
+                            </p:childTnLst>
+                          </p:cTn>
+                        </p:par>
+                      </p:childTnLst>
+                    </p:cTn>
+                  </p:par>
+                  <p:par>
+                    <p:cTn id="15" fill="hold">
+                      <p:stCondLst>
+                        <p:cond delay="indefinite"/>
+                      </p:stCondLst>
+                      <p:childTnLst>
+                        <p:par>
+                          <p:cTn id="16" fill="hold">
+                            <p:stCondLst>
+                              <p:cond delay="0"/>
+                            </p:stCondLst>
+                            <p:childTnLst>
+                              <p:par>
+                                <p:cTn id="17" presetID="1" presetClass="entr" presetSubtype="0" fill="hold" nodeType="clickEffect">
+                                  <p:stCondLst>
+                                    <p:cond delay="0"/>
+                                  </p:stCondLst>
+                                  <p:childTnLst>
+                                    <p:set>
+                                      <p:cBhvr>
+                                        <p:cTn id="18" dur="1" fill="hold">
+                                          <p:stCondLst>
+                                            <p:cond delay="0"/>
+                                          </p:stCondLst>
+                                        </p:cTn>
+                                        <p:tgtEl>
+                                          <p:spTgt spid="3">
+                                            <p:txEl>
+                                              <p:pRg st="4" end="4"/>
                                             </p:txEl>
                                           </p:spTgt>
                                         </p:tgtEl>
@@ -21867,14 +22161,14 @@
           </a:ln>
           <a:extLst>
             <a:ext uri="{909E8E84-426E-40dd-AFC4-6F175D3DCCD1}">
-              <a14:hiddenFill xmlns="" xmlns:a14="http://schemas.microsoft.com/office/drawing/2010/main">
+              <a14:hiddenFill xmlns:a14="http://schemas.microsoft.com/office/drawing/2010/main" xmlns="">
                 <a:solidFill>
                   <a:srgbClr val="FFFFFF"/>
                 </a:solidFill>
               </a14:hiddenFill>
             </a:ext>
             <a:ext uri="{91240B29-F687-4f45-9708-019B960494DF}">
-              <a14:hiddenLine xmlns="" xmlns:a14="http://schemas.microsoft.com/office/drawing/2010/main" w="9525">
+              <a14:hiddenLine xmlns:a14="http://schemas.microsoft.com/office/drawing/2010/main" xmlns="" w="9525">
                 <a:solidFill>
                   <a:srgbClr val="000000"/>
                 </a:solidFill>
@@ -22627,7 +22921,7 @@
           <a:noFill/>
           <a:extLst>
             <a:ext uri="{909E8E84-426E-40dd-AFC4-6F175D3DCCD1}">
-              <a14:hiddenFill xmlns="" xmlns:a14="http://schemas.microsoft.com/office/drawing/2010/main">
+              <a14:hiddenFill xmlns:a14="http://schemas.microsoft.com/office/drawing/2010/main" xmlns="">
                 <a:solidFill>
                   <a:srgbClr val="FFFFFF"/>
                 </a:solidFill>
@@ -23327,7 +23621,7 @@
           <a:noFill/>
           <a:extLst>
             <a:ext uri="{909E8E84-426E-40dd-AFC4-6F175D3DCCD1}">
-              <a14:hiddenFill xmlns="" xmlns:a14="http://schemas.microsoft.com/office/drawing/2010/main">
+              <a14:hiddenFill xmlns:a14="http://schemas.microsoft.com/office/drawing/2010/main" xmlns="">
                 <a:solidFill>
                   <a:srgbClr val="FFFFFF"/>
                 </a:solidFill>
@@ -23796,7 +24090,7 @@
           <a:noFill/>
           <a:extLst>
             <a:ext uri="{909E8E84-426E-40dd-AFC4-6F175D3DCCD1}">
-              <a14:hiddenFill xmlns="" xmlns:a14="http://schemas.microsoft.com/office/drawing/2010/main">
+              <a14:hiddenFill xmlns:a14="http://schemas.microsoft.com/office/drawing/2010/main" xmlns="">
                 <a:solidFill>
                   <a:srgbClr val="FFFFFF"/>
                 </a:solidFill>
@@ -24338,7 +24632,7 @@
           <a:noFill/>
           <a:extLst>
             <a:ext uri="{909E8E84-426E-40dd-AFC4-6F175D3DCCD1}">
-              <a14:hiddenFill xmlns="" xmlns:a14="http://schemas.microsoft.com/office/drawing/2010/main">
+              <a14:hiddenFill xmlns:a14="http://schemas.microsoft.com/office/drawing/2010/main" xmlns="">
                 <a:solidFill>
                   <a:srgbClr val="FFFFFF"/>
                 </a:solidFill>
@@ -25298,7 +25592,7 @@
           <a:noFill/>
           <a:extLst>
             <a:ext uri="{909E8E84-426E-40dd-AFC4-6F175D3DCCD1}">
-              <a14:hiddenFill xmlns="" xmlns:a14="http://schemas.microsoft.com/office/drawing/2010/main">
+              <a14:hiddenFill xmlns:a14="http://schemas.microsoft.com/office/drawing/2010/main" xmlns="">
                 <a:solidFill>
                   <a:srgbClr val="FFFFFF"/>
                 </a:solidFill>
@@ -26201,7 +26495,7 @@
           <a:noFill/>
           <a:extLst>
             <a:ext uri="{909E8E84-426E-40dd-AFC4-6F175D3DCCD1}">
-              <a14:hiddenFill xmlns="" xmlns:a14="http://schemas.microsoft.com/office/drawing/2010/main">
+              <a14:hiddenFill xmlns:a14="http://schemas.microsoft.com/office/drawing/2010/main" xmlns="">
                 <a:solidFill>
                   <a:srgbClr val="FFFFFF"/>
                 </a:solidFill>
@@ -30184,7 +30478,7 @@
           <a:noFill/>
           <a:extLst>
             <a:ext uri="{909E8E84-426E-40dd-AFC4-6F175D3DCCD1}">
-              <a14:hiddenFill xmlns="" xmlns:a14="http://schemas.microsoft.com/office/drawing/2010/main">
+              <a14:hiddenFill xmlns:a14="http://schemas.microsoft.com/office/drawing/2010/main" xmlns="">
                 <a:solidFill>
                   <a:srgbClr val="FFFFFF"/>
                 </a:solidFill>
@@ -34252,7 +34546,7 @@
             <p:ph idx="1"/>
             <p:extLst>
               <p:ext uri="{D42A27DB-BD31-4B8C-83A1-F6EECF244321}">
-                <p14:modId xmlns:p14="http://schemas.microsoft.com/office/powerpoint/2010/main" val="4077127011"/>
+                <p14:modId xmlns:p14="http://schemas.microsoft.com/office/powerpoint/2010/main" val="420344087"/>
               </p:ext>
             </p:extLst>
           </p:nvPr>
@@ -34275,8 +34569,8 @@
         </p:nvSpPr>
         <p:spPr>
           <a:xfrm>
-            <a:off x="838200" y="1497154"/>
-            <a:ext cx="10515600" cy="830997"/>
+            <a:off x="715000" y="1445396"/>
+            <a:ext cx="10638800" cy="830997"/>
           </a:xfrm>
           <a:prstGeom prst="rect">
             <a:avLst/>
@@ -34293,7 +34587,7 @@
                 <a:solidFill>
                   <a:srgbClr val="000000"/>
                 </a:solidFill>
-                <a:latin typeface="Calibri" panose="020F0502020204030204" pitchFamily="34" charset="0"/>
+                <a:latin typeface="Candara" panose="020E0502030303020204" pitchFamily="34" charset="0"/>
               </a:rPr>
               <a:t>Project risks </a:t>
             </a:r>
@@ -34302,11 +34596,13 @@
                 <a:solidFill>
                   <a:srgbClr val="000000"/>
                 </a:solidFill>
-                <a:latin typeface="Calibri" panose="020F0502020204030204" pitchFamily="34" charset="0"/>
+                <a:latin typeface="Candara" panose="020E0502030303020204" pitchFamily="34" charset="0"/>
               </a:rPr>
               <a:t>= the risks that surround the project’s capability to deliver its objectives, such as:</a:t>
             </a:r>
-            <a:endParaRPr lang="en-US" sz="2400" dirty="0"/>
+            <a:endParaRPr lang="en-US" sz="2400" dirty="0">
+              <a:latin typeface="Candara" panose="020E0502030303020204" pitchFamily="34" charset="0"/>
+            </a:endParaRPr>
           </a:p>
         </p:txBody>
       </p:sp>
@@ -37547,7 +37843,7 @@
         </p:blipFill>
         <p:spPr>
           <a:xfrm>
-            <a:off x="2967486" y="1293487"/>
+            <a:off x="2958860" y="1312101"/>
             <a:ext cx="5381503" cy="5075973"/>
           </a:xfrm>
           <a:prstGeom prst="rect">
